--- a/PPTs/8.1 Cryptography.pptx
+++ b/PPTs/8.1 Cryptography.pptx
@@ -5,7 +5,7 @@
     <p:sldMasterId id="2147483648" r:id="rId1"/>
   </p:sldMasterIdLst>
   <p:notesMasterIdLst>
-    <p:notesMasterId r:id="rId43"/>
+    <p:notesMasterId r:id="rId46"/>
   </p:notesMasterIdLst>
   <p:sldIdLst>
     <p:sldId id="960" r:id="rId2"/>
@@ -49,6 +49,9 @@
     <p:sldId id="381" r:id="rId40"/>
     <p:sldId id="1188" r:id="rId41"/>
     <p:sldId id="984" r:id="rId42"/>
+    <p:sldId id="449" r:id="rId43"/>
+    <p:sldId id="450" r:id="rId44"/>
+    <p:sldId id="385" r:id="rId45"/>
   </p:sldIdLst>
   <p:sldSz cx="12192000" cy="6858000"/>
   <p:notesSz cx="6858000" cy="9144000"/>
@@ -10637,6 +10640,1128 @@
     <p:extLst>
       <p:ext uri="{BB962C8B-B14F-4D97-AF65-F5344CB8AC3E}">
         <p14:creationId xmlns:p14="http://schemas.microsoft.com/office/powerpoint/2010/main" val="3734268800"/>
+      </p:ext>
+    </p:extLst>
+  </p:cSld>
+  <p:clrMapOvr>
+    <a:masterClrMapping/>
+  </p:clrMapOvr>
+</p:notes>
+</file>
+
+<file path=ppt/notesSlides/notesSlide35.xml><?xml version="1.0" encoding="utf-8"?>
+<p:notes xmlns:a="http://schemas.openxmlformats.org/drawingml/2006/main" xmlns:r="http://schemas.openxmlformats.org/officeDocument/2006/relationships" xmlns:p="http://schemas.openxmlformats.org/presentationml/2006/main">
+  <p:cSld>
+    <p:spTree>
+      <p:nvGrpSpPr>
+        <p:cNvPr id="1" name=""/>
+        <p:cNvGrpSpPr/>
+        <p:nvPr/>
+      </p:nvGrpSpPr>
+      <p:grpSpPr>
+        <a:xfrm>
+          <a:off x="0" y="0"/>
+          <a:ext cx="0" cy="0"/>
+          <a:chOff x="0" y="0"/>
+          <a:chExt cx="0" cy="0"/>
+        </a:xfrm>
+      </p:grpSpPr>
+      <p:sp>
+        <p:nvSpPr>
+          <p:cNvPr id="2" name="Slide Image Placeholder 1"/>
+          <p:cNvSpPr>
+            <a:spLocks noGrp="1" noRot="1" noChangeAspect="1"/>
+          </p:cNvSpPr>
+          <p:nvPr>
+            <p:ph type="sldImg"/>
+          </p:nvPr>
+        </p:nvSpPr>
+        <p:spPr/>
+      </p:sp>
+      <p:sp>
+        <p:nvSpPr>
+          <p:cNvPr id="3" name="Notes Placeholder 2"/>
+          <p:cNvSpPr>
+            <a:spLocks noGrp="1"/>
+          </p:cNvSpPr>
+          <p:nvPr>
+            <p:ph type="body" idx="1"/>
+          </p:nvPr>
+        </p:nvSpPr>
+        <p:spPr/>
+        <p:txBody>
+          <a:bodyPr/>
+          <a:lstStyle/>
+          <a:p>
+            <a:r>
+              <a:rPr lang="en-US" dirty="0">
+                <a:latin typeface="Arial" pitchFamily="-110" charset="0"/>
+                <a:ea typeface="ＭＳ Ｐゴシック" pitchFamily="-110" charset="-128"/>
+                <a:cs typeface="ＭＳ Ｐゴシック" pitchFamily="-110" charset="-128"/>
+              </a:rPr>
+              <a:t>A number of network security algorithms based on cryptography make use of</a:t>
+            </a:r>
+          </a:p>
+          <a:p>
+            <a:r>
+              <a:rPr lang="en-US" dirty="0">
+                <a:latin typeface="Arial" pitchFamily="-110" charset="0"/>
+                <a:ea typeface="ＭＳ Ｐゴシック" pitchFamily="-110" charset="-128"/>
+                <a:cs typeface="ＭＳ Ｐゴシック" pitchFamily="-110" charset="-128"/>
+              </a:rPr>
+              <a:t>random numbers. For example,</a:t>
+            </a:r>
+          </a:p>
+          <a:p>
+            <a:endParaRPr lang="en-US" dirty="0">
+              <a:latin typeface="Arial" pitchFamily="-110" charset="0"/>
+              <a:ea typeface="ＭＳ Ｐゴシック" pitchFamily="-110" charset="-128"/>
+              <a:cs typeface="ＭＳ Ｐゴシック" pitchFamily="-110" charset="-128"/>
+            </a:endParaRPr>
+          </a:p>
+          <a:p>
+            <a:r>
+              <a:rPr lang="en-US" dirty="0">
+                <a:latin typeface="Arial" pitchFamily="-110" charset="0"/>
+                <a:ea typeface="ＭＳ Ｐゴシック" pitchFamily="-110" charset="-128"/>
+                <a:cs typeface="ＭＳ Ｐゴシック" pitchFamily="-110" charset="-128"/>
+              </a:rPr>
+              <a:t>• Generation of keys for the RSA public-key encryption algorithm (described</a:t>
+            </a:r>
+          </a:p>
+          <a:p>
+            <a:r>
+              <a:rPr lang="en-US" dirty="0">
+                <a:latin typeface="Arial" pitchFamily="-110" charset="0"/>
+                <a:ea typeface="ＭＳ Ｐゴシック" pitchFamily="-110" charset="-128"/>
+                <a:cs typeface="ＭＳ Ｐゴシック" pitchFamily="-110" charset="-128"/>
+              </a:rPr>
+              <a:t>in Chapter 21) and other public-key algorithms.</a:t>
+            </a:r>
+          </a:p>
+          <a:p>
+            <a:endParaRPr lang="en-US" dirty="0">
+              <a:latin typeface="Arial" pitchFamily="-110" charset="0"/>
+              <a:ea typeface="ＭＳ Ｐゴシック" pitchFamily="-110" charset="-128"/>
+              <a:cs typeface="ＭＳ Ｐゴシック" pitchFamily="-110" charset="-128"/>
+            </a:endParaRPr>
+          </a:p>
+          <a:p>
+            <a:r>
+              <a:rPr lang="en-US" dirty="0">
+                <a:latin typeface="Arial" pitchFamily="-110" charset="0"/>
+                <a:ea typeface="ＭＳ Ｐゴシック" pitchFamily="-110" charset="-128"/>
+                <a:cs typeface="ＭＳ Ｐゴシック" pitchFamily="-110" charset="-128"/>
+              </a:rPr>
+              <a:t>• Generation of a stream key for symmetric stream cipher.</a:t>
+            </a:r>
+          </a:p>
+          <a:p>
+            <a:endParaRPr lang="en-US" dirty="0">
+              <a:latin typeface="Arial" pitchFamily="-110" charset="0"/>
+              <a:ea typeface="ＭＳ Ｐゴシック" pitchFamily="-110" charset="-128"/>
+              <a:cs typeface="ＭＳ Ｐゴシック" pitchFamily="-110" charset="-128"/>
+            </a:endParaRPr>
+          </a:p>
+          <a:p>
+            <a:r>
+              <a:rPr lang="en-US" dirty="0">
+                <a:latin typeface="Arial" pitchFamily="-110" charset="0"/>
+                <a:ea typeface="ＭＳ Ｐゴシック" pitchFamily="-110" charset="-128"/>
+                <a:cs typeface="ＭＳ Ｐゴシック" pitchFamily="-110" charset="-128"/>
+              </a:rPr>
+              <a:t>• Generation of a symmetric key for use as a temporary session key or in creating</a:t>
+            </a:r>
+          </a:p>
+          <a:p>
+            <a:r>
+              <a:rPr lang="en-US" dirty="0">
+                <a:latin typeface="Arial" pitchFamily="-110" charset="0"/>
+                <a:ea typeface="ＭＳ Ｐゴシック" pitchFamily="-110" charset="-128"/>
+                <a:cs typeface="ＭＳ Ｐゴシック" pitchFamily="-110" charset="-128"/>
+              </a:rPr>
+              <a:t>a digital envelope.</a:t>
+            </a:r>
+          </a:p>
+          <a:p>
+            <a:endParaRPr lang="en-US" dirty="0">
+              <a:latin typeface="Arial" pitchFamily="-110" charset="0"/>
+              <a:ea typeface="ＭＳ Ｐゴシック" pitchFamily="-110" charset="-128"/>
+              <a:cs typeface="ＭＳ Ｐゴシック" pitchFamily="-110" charset="-128"/>
+            </a:endParaRPr>
+          </a:p>
+          <a:p>
+            <a:r>
+              <a:rPr lang="en-US" dirty="0">
+                <a:latin typeface="Arial" pitchFamily="-110" charset="0"/>
+                <a:ea typeface="ＭＳ Ｐゴシック" pitchFamily="-110" charset="-128"/>
+                <a:cs typeface="ＭＳ Ｐゴシック" pitchFamily="-110" charset="-128"/>
+              </a:rPr>
+              <a:t>• In a number of key distribution scenarios, such as Kerberos (described in</a:t>
+            </a:r>
+          </a:p>
+          <a:p>
+            <a:r>
+              <a:rPr lang="en-US" dirty="0">
+                <a:latin typeface="Arial" pitchFamily="-110" charset="0"/>
+                <a:ea typeface="ＭＳ Ｐゴシック" pitchFamily="-110" charset="-128"/>
+                <a:cs typeface="ＭＳ Ｐゴシック" pitchFamily="-110" charset="-128"/>
+              </a:rPr>
+              <a:t>Chapter 23), random numbers are used for handshaking to prevent replay</a:t>
+            </a:r>
+          </a:p>
+          <a:p>
+            <a:r>
+              <a:rPr lang="en-US" dirty="0">
+                <a:latin typeface="Arial" pitchFamily="-110" charset="0"/>
+                <a:ea typeface="ＭＳ Ｐゴシック" pitchFamily="-110" charset="-128"/>
+                <a:cs typeface="ＭＳ Ｐゴシック" pitchFamily="-110" charset="-128"/>
+              </a:rPr>
+              <a:t>attacks.</a:t>
+            </a:r>
+          </a:p>
+          <a:p>
+            <a:endParaRPr lang="en-US" dirty="0">
+              <a:latin typeface="Arial" pitchFamily="-110" charset="0"/>
+              <a:ea typeface="ＭＳ Ｐゴシック" pitchFamily="-110" charset="-128"/>
+              <a:cs typeface="ＭＳ Ｐゴシック" pitchFamily="-110" charset="-128"/>
+            </a:endParaRPr>
+          </a:p>
+          <a:p>
+            <a:r>
+              <a:rPr lang="en-US" dirty="0">
+                <a:latin typeface="Arial" pitchFamily="-110" charset="0"/>
+                <a:ea typeface="ＭＳ Ｐゴシック" pitchFamily="-110" charset="-128"/>
+                <a:cs typeface="ＭＳ Ｐゴシック" pitchFamily="-110" charset="-128"/>
+              </a:rPr>
+              <a:t>• Session key generation, whether done by a key distribution center or by one of</a:t>
+            </a:r>
+          </a:p>
+          <a:p>
+            <a:r>
+              <a:rPr lang="en-US" dirty="0">
+                <a:latin typeface="Arial" pitchFamily="-110" charset="0"/>
+                <a:ea typeface="ＭＳ Ｐゴシック" pitchFamily="-110" charset="-128"/>
+                <a:cs typeface="ＭＳ Ｐゴシック" pitchFamily="-110" charset="-128"/>
+              </a:rPr>
+              <a:t>the principals.</a:t>
+            </a:r>
+          </a:p>
+          <a:p>
+            <a:endParaRPr lang="en-US" dirty="0">
+              <a:latin typeface="Arial" pitchFamily="-110" charset="0"/>
+              <a:ea typeface="ＭＳ Ｐゴシック" pitchFamily="-110" charset="-128"/>
+              <a:cs typeface="ＭＳ Ｐゴシック" pitchFamily="-110" charset="-128"/>
+            </a:endParaRPr>
+          </a:p>
+          <a:p>
+            <a:r>
+              <a:rPr lang="en-US" dirty="0">
+                <a:latin typeface="Arial" pitchFamily="-110" charset="0"/>
+                <a:ea typeface="ＭＳ Ｐゴシック" pitchFamily="-110" charset="-128"/>
+                <a:cs typeface="ＭＳ Ｐゴシック" pitchFamily="-110" charset="-128"/>
+              </a:rPr>
+              <a:t>These applications give rise to two distinct and not necessarily compatible</a:t>
+            </a:r>
+          </a:p>
+          <a:p>
+            <a:r>
+              <a:rPr lang="en-US" dirty="0">
+                <a:latin typeface="Arial" pitchFamily="-110" charset="0"/>
+                <a:ea typeface="ＭＳ Ｐゴシック" pitchFamily="-110" charset="-128"/>
+                <a:cs typeface="ＭＳ Ｐゴシック" pitchFamily="-110" charset="-128"/>
+              </a:rPr>
+              <a:t>requirements for a sequence of random numbers: randomness and unpredictability.</a:t>
+            </a:r>
+            <a:endParaRPr lang="en-US" dirty="0">
+              <a:latin typeface="Times New Roman" pitchFamily="-110" charset="0"/>
+              <a:ea typeface="ＭＳ Ｐゴシック" pitchFamily="-110" charset="-128"/>
+              <a:cs typeface="ＭＳ Ｐゴシック" pitchFamily="-110" charset="-128"/>
+            </a:endParaRPr>
+          </a:p>
+          <a:p>
+            <a:endParaRPr lang="en-SE" dirty="0"/>
+          </a:p>
+        </p:txBody>
+      </p:sp>
+      <p:sp>
+        <p:nvSpPr>
+          <p:cNvPr id="4" name="Slide Number Placeholder 3"/>
+          <p:cNvSpPr>
+            <a:spLocks noGrp="1"/>
+          </p:cNvSpPr>
+          <p:nvPr>
+            <p:ph type="sldNum" sz="quarter" idx="5"/>
+          </p:nvPr>
+        </p:nvSpPr>
+        <p:spPr/>
+        <p:txBody>
+          <a:bodyPr/>
+          <a:lstStyle/>
+          <a:p>
+            <a:fld id="{F8560DBF-F109-8946-ADF0-EE66B221E988}" type="slidenum">
+              <a:rPr lang="en-AU" smtClean="0"/>
+              <a:pPr/>
+              <a:t>42</a:t>
+            </a:fld>
+            <a:endParaRPr lang="en-AU" dirty="0"/>
+          </a:p>
+        </p:txBody>
+      </p:sp>
+    </p:spTree>
+    <p:extLst>
+      <p:ext uri="{BB962C8B-B14F-4D97-AF65-F5344CB8AC3E}">
+        <p14:creationId xmlns:p14="http://schemas.microsoft.com/office/powerpoint/2010/main" val="2367485687"/>
+      </p:ext>
+    </p:extLst>
+  </p:cSld>
+  <p:clrMapOvr>
+    <a:masterClrMapping/>
+  </p:clrMapOvr>
+</p:notes>
+</file>
+
+<file path=ppt/notesSlides/notesSlide36.xml><?xml version="1.0" encoding="utf-8"?>
+<p:notes xmlns:a="http://schemas.openxmlformats.org/drawingml/2006/main" xmlns:r="http://schemas.openxmlformats.org/officeDocument/2006/relationships" xmlns:p="http://schemas.openxmlformats.org/presentationml/2006/main">
+  <p:cSld>
+    <p:spTree>
+      <p:nvGrpSpPr>
+        <p:cNvPr id="1" name=""/>
+        <p:cNvGrpSpPr/>
+        <p:nvPr/>
+      </p:nvGrpSpPr>
+      <p:grpSpPr>
+        <a:xfrm>
+          <a:off x="0" y="0"/>
+          <a:ext cx="0" cy="0"/>
+          <a:chOff x="0" y="0"/>
+          <a:chExt cx="0" cy="0"/>
+        </a:xfrm>
+      </p:grpSpPr>
+      <p:sp>
+        <p:nvSpPr>
+          <p:cNvPr id="2" name="Slide Image Placeholder 1"/>
+          <p:cNvSpPr>
+            <a:spLocks noGrp="1" noRot="1" noChangeAspect="1"/>
+          </p:cNvSpPr>
+          <p:nvPr>
+            <p:ph type="sldImg"/>
+          </p:nvPr>
+        </p:nvSpPr>
+        <p:spPr/>
+      </p:sp>
+      <p:sp>
+        <p:nvSpPr>
+          <p:cNvPr id="3" name="Notes Placeholder 2"/>
+          <p:cNvSpPr>
+            <a:spLocks noGrp="1"/>
+          </p:cNvSpPr>
+          <p:nvPr>
+            <p:ph type="body" idx="1"/>
+          </p:nvPr>
+        </p:nvSpPr>
+        <p:spPr/>
+        <p:txBody>
+          <a:bodyPr/>
+          <a:lstStyle/>
+          <a:p>
+            <a:pPr>
+              <a:defRPr/>
+            </a:pPr>
+            <a:r>
+              <a:rPr lang="en-US" b="0" dirty="0"/>
+              <a:t>Traditionally, the concern in the generation of a sequence of</a:t>
+            </a:r>
+          </a:p>
+          <a:p>
+            <a:pPr>
+              <a:defRPr/>
+            </a:pPr>
+            <a:r>
+              <a:rPr lang="en-US" b="0" dirty="0"/>
+              <a:t>allegedly random numbers has been that the sequence of numbers be random in</a:t>
+            </a:r>
+          </a:p>
+          <a:p>
+            <a:pPr>
+              <a:defRPr/>
+            </a:pPr>
+            <a:r>
+              <a:rPr lang="en-US" b="0" dirty="0"/>
+              <a:t>some well-defined statistical sense. The following two criteria are used to validate</a:t>
+            </a:r>
+          </a:p>
+          <a:p>
+            <a:pPr>
+              <a:defRPr/>
+            </a:pPr>
+            <a:r>
+              <a:rPr lang="en-US" b="0" dirty="0"/>
+              <a:t>that a sequence of numbers is random:</a:t>
+            </a:r>
+          </a:p>
+          <a:p>
+            <a:pPr>
+              <a:defRPr/>
+            </a:pPr>
+            <a:endParaRPr lang="en-US" b="0" dirty="0"/>
+          </a:p>
+          <a:p>
+            <a:pPr>
+              <a:defRPr/>
+            </a:pPr>
+            <a:r>
+              <a:rPr lang="en-US" b="0" dirty="0"/>
+              <a:t>• Uniform distribution: The distribution of numbers in the sequence should be</a:t>
+            </a:r>
+          </a:p>
+          <a:p>
+            <a:pPr>
+              <a:defRPr/>
+            </a:pPr>
+            <a:r>
+              <a:rPr lang="en-US" b="0" dirty="0"/>
+              <a:t>uniform; that is, the frequency of occurrence of each of the numbers should be</a:t>
+            </a:r>
+          </a:p>
+          <a:p>
+            <a:pPr>
+              <a:defRPr/>
+            </a:pPr>
+            <a:r>
+              <a:rPr lang="en-US" b="0" dirty="0"/>
+              <a:t>approximately the same.</a:t>
+            </a:r>
+          </a:p>
+          <a:p>
+            <a:pPr>
+              <a:defRPr/>
+            </a:pPr>
+            <a:endParaRPr lang="en-US" b="0" dirty="0"/>
+          </a:p>
+          <a:p>
+            <a:pPr>
+              <a:defRPr/>
+            </a:pPr>
+            <a:r>
+              <a:rPr lang="en-US" b="0" dirty="0"/>
+              <a:t>• Independence: No one value in the sequence can be inferred from the others.</a:t>
+            </a:r>
+          </a:p>
+          <a:p>
+            <a:pPr>
+              <a:defRPr/>
+            </a:pPr>
+            <a:endParaRPr lang="en-US" b="0" dirty="0"/>
+          </a:p>
+          <a:p>
+            <a:pPr>
+              <a:defRPr/>
+            </a:pPr>
+            <a:r>
+              <a:rPr lang="en-US" b="0" dirty="0"/>
+              <a:t>Although there are well-defined tests for determining that a sequence of numbers</a:t>
+            </a:r>
+          </a:p>
+          <a:p>
+            <a:pPr>
+              <a:defRPr/>
+            </a:pPr>
+            <a:r>
+              <a:rPr lang="en-US" b="0" dirty="0"/>
+              <a:t>matches a particular distribution, such as the uniform distribution, there is no such</a:t>
+            </a:r>
+          </a:p>
+          <a:p>
+            <a:pPr>
+              <a:defRPr/>
+            </a:pPr>
+            <a:r>
+              <a:rPr lang="en-US" b="0" dirty="0"/>
+              <a:t>test to “prove” independence. Rather, a number of tests can be applied to demonstrate</a:t>
+            </a:r>
+          </a:p>
+          <a:p>
+            <a:pPr>
+              <a:defRPr/>
+            </a:pPr>
+            <a:r>
+              <a:rPr lang="en-US" b="0" dirty="0"/>
+              <a:t>if a sequence does not exhibit independence. The general strategy is to apply a number</a:t>
+            </a:r>
+          </a:p>
+          <a:p>
+            <a:pPr>
+              <a:defRPr/>
+            </a:pPr>
+            <a:r>
+              <a:rPr lang="en-US" b="0" dirty="0"/>
+              <a:t>of such tests until the confidence that independence exists is sufficiently strong.</a:t>
+            </a:r>
+          </a:p>
+          <a:p>
+            <a:pPr>
+              <a:defRPr/>
+            </a:pPr>
+            <a:endParaRPr lang="en-US" b="0" dirty="0"/>
+          </a:p>
+          <a:p>
+            <a:pPr>
+              <a:defRPr/>
+            </a:pPr>
+            <a:r>
+              <a:rPr lang="en-US" b="0" dirty="0"/>
+              <a:t>In the context of our discussion, the use of a sequence of numbers that appear</a:t>
+            </a:r>
+          </a:p>
+          <a:p>
+            <a:pPr>
+              <a:defRPr/>
+            </a:pPr>
+            <a:r>
+              <a:rPr lang="en-US" b="0" dirty="0"/>
+              <a:t>statistically random often occurs in the design of algorithms related to cryptography.</a:t>
+            </a:r>
+          </a:p>
+          <a:p>
+            <a:pPr>
+              <a:defRPr/>
+            </a:pPr>
+            <a:r>
+              <a:rPr lang="en-US" b="0" dirty="0"/>
+              <a:t>In essence, if a</a:t>
+            </a:r>
+            <a:r>
+              <a:rPr lang="en-US" b="0" baseline="0" dirty="0"/>
+              <a:t> </a:t>
+            </a:r>
+            <a:r>
+              <a:rPr lang="en-US" b="0" dirty="0"/>
+              <a:t>problem is too hard or time-consuming to solve exactly, a simpler, shorter approach</a:t>
+            </a:r>
+          </a:p>
+          <a:p>
+            <a:pPr>
+              <a:defRPr/>
+            </a:pPr>
+            <a:r>
+              <a:rPr lang="en-US" b="0" dirty="0"/>
+              <a:t>based on randomization is used to provide an answer with any desired level of</a:t>
+            </a:r>
+          </a:p>
+          <a:p>
+            <a:pPr>
+              <a:defRPr/>
+            </a:pPr>
+            <a:r>
+              <a:rPr lang="en-US" b="0" dirty="0"/>
+              <a:t>confidence.</a:t>
+            </a:r>
+          </a:p>
+          <a:p>
+            <a:pPr>
+              <a:defRPr/>
+            </a:pPr>
+            <a:endParaRPr lang="en-US" b="0" i="1" dirty="0"/>
+          </a:p>
+          <a:p>
+            <a:pPr>
+              <a:defRPr/>
+            </a:pPr>
+            <a:r>
+              <a:rPr lang="en-US" b="0" i="1" dirty="0"/>
+              <a:t>UNPREDICTABILITY </a:t>
+            </a:r>
+          </a:p>
+          <a:p>
+            <a:pPr>
+              <a:defRPr/>
+            </a:pPr>
+            <a:r>
+              <a:rPr lang="en-US" b="0" i="1" dirty="0"/>
+              <a:t>In applications such as reciprocal authentication and session key</a:t>
+            </a:r>
+          </a:p>
+          <a:p>
+            <a:pPr>
+              <a:defRPr/>
+            </a:pPr>
+            <a:r>
+              <a:rPr lang="en-US" b="0" dirty="0"/>
+              <a:t>generation, the requirement is not so much that the sequence of numbers be statistically</a:t>
+            </a:r>
+          </a:p>
+          <a:p>
+            <a:pPr>
+              <a:defRPr/>
+            </a:pPr>
+            <a:r>
+              <a:rPr lang="en-US" b="0" dirty="0"/>
+              <a:t>random but that the successive members of the sequence are unpredictable. With</a:t>
+            </a:r>
+          </a:p>
+          <a:p>
+            <a:pPr>
+              <a:defRPr/>
+            </a:pPr>
+            <a:r>
+              <a:rPr lang="en-US" b="0" dirty="0"/>
+              <a:t>“true” random sequences, each number is statistically independent of other numbers</a:t>
+            </a:r>
+          </a:p>
+          <a:p>
+            <a:pPr>
+              <a:defRPr/>
+            </a:pPr>
+            <a:r>
+              <a:rPr lang="en-US" b="0" dirty="0"/>
+              <a:t>in the sequence and therefore unpredictable. However, as is discussed shortly, true</a:t>
+            </a:r>
+          </a:p>
+          <a:p>
+            <a:pPr>
+              <a:defRPr/>
+            </a:pPr>
+            <a:r>
+              <a:rPr lang="en-US" b="0" dirty="0"/>
+              <a:t>random numbers are not always used; rather, sequences of numbers that appear to</a:t>
+            </a:r>
+          </a:p>
+          <a:p>
+            <a:pPr>
+              <a:defRPr/>
+            </a:pPr>
+            <a:r>
+              <a:rPr lang="en-US" b="0" dirty="0"/>
+              <a:t>be random are generated by some algorithm. In this latter case, care must be taken</a:t>
+            </a:r>
+          </a:p>
+          <a:p>
+            <a:pPr>
+              <a:defRPr/>
+            </a:pPr>
+            <a:r>
+              <a:rPr lang="en-US" b="0" dirty="0"/>
+              <a:t>that an opponent not be able to predict future elements of the sequence on the basis</a:t>
+            </a:r>
+          </a:p>
+          <a:p>
+            <a:pPr>
+              <a:defRPr/>
+            </a:pPr>
+            <a:r>
+              <a:rPr lang="en-US" b="0" dirty="0"/>
+              <a:t>of earlier elements.</a:t>
+            </a:r>
+          </a:p>
+          <a:p>
+            <a:endParaRPr lang="en-SE" dirty="0"/>
+          </a:p>
+        </p:txBody>
+      </p:sp>
+      <p:sp>
+        <p:nvSpPr>
+          <p:cNvPr id="4" name="Slide Number Placeholder 3"/>
+          <p:cNvSpPr>
+            <a:spLocks noGrp="1"/>
+          </p:cNvSpPr>
+          <p:nvPr>
+            <p:ph type="sldNum" sz="quarter" idx="5"/>
+          </p:nvPr>
+        </p:nvSpPr>
+        <p:spPr/>
+        <p:txBody>
+          <a:bodyPr/>
+          <a:lstStyle/>
+          <a:p>
+            <a:fld id="{F8560DBF-F109-8946-ADF0-EE66B221E988}" type="slidenum">
+              <a:rPr lang="en-AU" smtClean="0"/>
+              <a:pPr/>
+              <a:t>43</a:t>
+            </a:fld>
+            <a:endParaRPr lang="en-AU" dirty="0"/>
+          </a:p>
+        </p:txBody>
+      </p:sp>
+    </p:spTree>
+    <p:extLst>
+      <p:ext uri="{BB962C8B-B14F-4D97-AF65-F5344CB8AC3E}">
+        <p14:creationId xmlns:p14="http://schemas.microsoft.com/office/powerpoint/2010/main" val="885554729"/>
+      </p:ext>
+    </p:extLst>
+  </p:cSld>
+  <p:clrMapOvr>
+    <a:masterClrMapping/>
+  </p:clrMapOvr>
+</p:notes>
+</file>
+
+<file path=ppt/notesSlides/notesSlide37.xml><?xml version="1.0" encoding="utf-8"?>
+<p:notes xmlns:a="http://schemas.openxmlformats.org/drawingml/2006/main" xmlns:r="http://schemas.openxmlformats.org/officeDocument/2006/relationships" xmlns:p="http://schemas.openxmlformats.org/presentationml/2006/main">
+  <p:cSld>
+    <p:spTree>
+      <p:nvGrpSpPr>
+        <p:cNvPr id="1" name=""/>
+        <p:cNvGrpSpPr/>
+        <p:nvPr/>
+      </p:nvGrpSpPr>
+      <p:grpSpPr>
+        <a:xfrm>
+          <a:off x="0" y="0"/>
+          <a:ext cx="0" cy="0"/>
+          <a:chOff x="0" y="0"/>
+          <a:chExt cx="0" cy="0"/>
+        </a:xfrm>
+      </p:grpSpPr>
+      <p:sp>
+        <p:nvSpPr>
+          <p:cNvPr id="79874" name="Rectangle 7"/>
+          <p:cNvSpPr>
+            <a:spLocks noGrp="1" noChangeArrowheads="1"/>
+          </p:cNvSpPr>
+          <p:nvPr>
+            <p:ph type="sldNum" sz="quarter" idx="5"/>
+          </p:nvPr>
+        </p:nvSpPr>
+        <p:spPr>
+          <a:noFill/>
+        </p:spPr>
+        <p:txBody>
+          <a:bodyPr/>
+          <a:lstStyle/>
+          <a:p>
+            <a:fld id="{6FBD7395-57CF-8946-BDF3-990D47D19D7C}" type="slidenum">
+              <a:rPr lang="en-AU">
+                <a:latin typeface="Arial" pitchFamily="-110" charset="0"/>
+              </a:rPr>
+              <a:pPr/>
+              <a:t>44</a:t>
+            </a:fld>
+            <a:endParaRPr lang="en-AU">
+              <a:latin typeface="Arial" pitchFamily="-110" charset="0"/>
+            </a:endParaRPr>
+          </a:p>
+        </p:txBody>
+      </p:sp>
+      <p:sp>
+        <p:nvSpPr>
+          <p:cNvPr id="79875" name="Rectangle 2"/>
+          <p:cNvSpPr>
+            <a:spLocks noGrp="1" noRot="1" noChangeAspect="1" noChangeArrowheads="1" noTextEdit="1"/>
+          </p:cNvSpPr>
+          <p:nvPr>
+            <p:ph type="sldImg"/>
+          </p:nvPr>
+        </p:nvSpPr>
+        <p:spPr>
+          <a:ln/>
+        </p:spPr>
+      </p:sp>
+      <p:sp>
+        <p:nvSpPr>
+          <p:cNvPr id="79876" name="Rectangle 3"/>
+          <p:cNvSpPr>
+            <a:spLocks noGrp="1" noChangeArrowheads="1"/>
+          </p:cNvSpPr>
+          <p:nvPr>
+            <p:ph type="body" idx="1"/>
+          </p:nvPr>
+        </p:nvSpPr>
+        <p:spPr>
+          <a:noFill/>
+          <a:ln/>
+        </p:spPr>
+        <p:txBody>
+          <a:bodyPr/>
+          <a:lstStyle/>
+          <a:p>
+            <a:r>
+              <a:rPr lang="en-US" dirty="0">
+                <a:latin typeface="Arial" pitchFamily="-110" charset="0"/>
+                <a:ea typeface="ＭＳ Ｐゴシック" pitchFamily="-110" charset="-128"/>
+                <a:cs typeface="ＭＳ Ｐゴシック" pitchFamily="-110" charset="-128"/>
+              </a:rPr>
+              <a:t>Cryptographic applications typically make use of algorithmic techniques for random</a:t>
+            </a:r>
+          </a:p>
+          <a:p>
+            <a:r>
+              <a:rPr lang="en-US" dirty="0">
+                <a:latin typeface="Arial" pitchFamily="-110" charset="0"/>
+                <a:ea typeface="ＭＳ Ｐゴシック" pitchFamily="-110" charset="-128"/>
+                <a:cs typeface="ＭＳ Ｐゴシック" pitchFamily="-110" charset="-128"/>
+              </a:rPr>
+              <a:t>number generation. These algorithms are deterministic and therefore produce</a:t>
+            </a:r>
+          </a:p>
+          <a:p>
+            <a:r>
+              <a:rPr lang="en-US" dirty="0">
+                <a:latin typeface="Arial" pitchFamily="-110" charset="0"/>
+                <a:ea typeface="ＭＳ Ｐゴシック" pitchFamily="-110" charset="-128"/>
+                <a:cs typeface="ＭＳ Ｐゴシック" pitchFamily="-110" charset="-128"/>
+              </a:rPr>
+              <a:t>sequences of numbers that are not statistically random. However, if the algorithm is</a:t>
+            </a:r>
+          </a:p>
+          <a:p>
+            <a:r>
+              <a:rPr lang="en-US" dirty="0">
+                <a:latin typeface="Arial" pitchFamily="-110" charset="0"/>
+                <a:ea typeface="ＭＳ Ｐゴシック" pitchFamily="-110" charset="-128"/>
+                <a:cs typeface="ＭＳ Ｐゴシック" pitchFamily="-110" charset="-128"/>
+              </a:rPr>
+              <a:t>good, the resulting sequences will pass many reasonable tests of randomness. Such</a:t>
+            </a:r>
+          </a:p>
+          <a:p>
+            <a:r>
+              <a:rPr lang="en-US" dirty="0">
+                <a:latin typeface="Arial" pitchFamily="-110" charset="0"/>
+                <a:ea typeface="ＭＳ Ｐゴシック" pitchFamily="-110" charset="-128"/>
+                <a:cs typeface="ＭＳ Ｐゴシック" pitchFamily="-110" charset="-128"/>
+              </a:rPr>
+              <a:t>numbers are referred to as </a:t>
+            </a:r>
+            <a:r>
+              <a:rPr lang="en-US" b="1" dirty="0">
+                <a:latin typeface="Arial" pitchFamily="-110" charset="0"/>
+                <a:ea typeface="ＭＳ Ｐゴシック" pitchFamily="-110" charset="-128"/>
+                <a:cs typeface="ＭＳ Ｐゴシック" pitchFamily="-110" charset="-128"/>
+              </a:rPr>
+              <a:t>pseudorandom numbers.</a:t>
+            </a:r>
+          </a:p>
+          <a:p>
+            <a:endParaRPr lang="en-US" dirty="0">
+              <a:latin typeface="Arial" pitchFamily="-110" charset="0"/>
+              <a:ea typeface="ＭＳ Ｐゴシック" pitchFamily="-110" charset="-128"/>
+              <a:cs typeface="ＭＳ Ｐゴシック" pitchFamily="-110" charset="-128"/>
+            </a:endParaRPr>
+          </a:p>
+          <a:p>
+            <a:r>
+              <a:rPr lang="en-US" dirty="0">
+                <a:latin typeface="Arial" pitchFamily="-110" charset="0"/>
+                <a:ea typeface="ＭＳ Ｐゴシック" pitchFamily="-110" charset="-128"/>
+                <a:cs typeface="ＭＳ Ｐゴシック" pitchFamily="-110" charset="-128"/>
+              </a:rPr>
+              <a:t>You may be somewhat uneasy about the concept of using numbers generated</a:t>
+            </a:r>
+          </a:p>
+          <a:p>
+            <a:r>
+              <a:rPr lang="en-US" dirty="0">
+                <a:latin typeface="Arial" pitchFamily="-110" charset="0"/>
+                <a:ea typeface="ＭＳ Ｐゴシック" pitchFamily="-110" charset="-128"/>
+                <a:cs typeface="ＭＳ Ｐゴシック" pitchFamily="-110" charset="-128"/>
+              </a:rPr>
+              <a:t>by a deterministic algorithm as if they were random numbers. Despite what might</a:t>
+            </a:r>
+          </a:p>
+          <a:p>
+            <a:r>
+              <a:rPr lang="en-US" dirty="0">
+                <a:latin typeface="Arial" pitchFamily="-110" charset="0"/>
+                <a:ea typeface="ＭＳ Ｐゴシック" pitchFamily="-110" charset="-128"/>
+                <a:cs typeface="ＭＳ Ｐゴシック" pitchFamily="-110" charset="-128"/>
+              </a:rPr>
+              <a:t>be called philosophical objections to such a practice, it generally works. As one</a:t>
+            </a:r>
+          </a:p>
+          <a:p>
+            <a:r>
+              <a:rPr lang="en-US" dirty="0">
+                <a:latin typeface="Arial" pitchFamily="-110" charset="0"/>
+                <a:ea typeface="ＭＳ Ｐゴシック" pitchFamily="-110" charset="-128"/>
+                <a:cs typeface="ＭＳ Ｐゴシック" pitchFamily="-110" charset="-128"/>
+              </a:rPr>
+              <a:t>expert on probability theory puts it [HAMM91],</a:t>
+            </a:r>
+          </a:p>
+          <a:p>
+            <a:endParaRPr lang="en-US" dirty="0">
+              <a:latin typeface="Arial" pitchFamily="-110" charset="0"/>
+              <a:ea typeface="ＭＳ Ｐゴシック" pitchFamily="-110" charset="-128"/>
+              <a:cs typeface="ＭＳ Ｐゴシック" pitchFamily="-110" charset="-128"/>
+            </a:endParaRPr>
+          </a:p>
+          <a:p>
+            <a:r>
+              <a:rPr lang="en-US" dirty="0">
+                <a:latin typeface="Arial" pitchFamily="-110" charset="0"/>
+                <a:ea typeface="ＭＳ Ｐゴシック" pitchFamily="-110" charset="-128"/>
+                <a:cs typeface="ＭＳ Ｐゴシック" pitchFamily="-110" charset="-128"/>
+              </a:rPr>
+              <a:t>For practical purposes we are forced to accept the awkward concept</a:t>
+            </a:r>
+          </a:p>
+          <a:p>
+            <a:r>
+              <a:rPr lang="en-US" dirty="0">
+                <a:latin typeface="Arial" pitchFamily="-110" charset="0"/>
+                <a:ea typeface="ＭＳ Ｐゴシック" pitchFamily="-110" charset="-128"/>
+                <a:cs typeface="ＭＳ Ｐゴシック" pitchFamily="-110" charset="-128"/>
+              </a:rPr>
+              <a:t>of “relatively random” meaning that with regard to the proposed</a:t>
+            </a:r>
+          </a:p>
+          <a:p>
+            <a:r>
+              <a:rPr lang="en-US" dirty="0">
+                <a:latin typeface="Arial" pitchFamily="-110" charset="0"/>
+                <a:ea typeface="ＭＳ Ｐゴシック" pitchFamily="-110" charset="-128"/>
+                <a:cs typeface="ＭＳ Ｐゴシック" pitchFamily="-110" charset="-128"/>
+              </a:rPr>
+              <a:t>use we can see no reason why they will not perform as if they were</a:t>
+            </a:r>
+          </a:p>
+          <a:p>
+            <a:r>
+              <a:rPr lang="en-US" dirty="0">
+                <a:latin typeface="Arial" pitchFamily="-110" charset="0"/>
+                <a:ea typeface="ＭＳ Ｐゴシック" pitchFamily="-110" charset="-128"/>
+                <a:cs typeface="ＭＳ Ｐゴシック" pitchFamily="-110" charset="-128"/>
+              </a:rPr>
+              <a:t>random (as the theory usually requires). This is highly subjective</a:t>
+            </a:r>
+          </a:p>
+          <a:p>
+            <a:r>
+              <a:rPr lang="en-US" dirty="0">
+                <a:latin typeface="Arial" pitchFamily="-110" charset="0"/>
+                <a:ea typeface="ＭＳ Ｐゴシック" pitchFamily="-110" charset="-128"/>
+                <a:cs typeface="ＭＳ Ｐゴシック" pitchFamily="-110" charset="-128"/>
+              </a:rPr>
+              <a:t>and is not very palatable to purists, but it is what statisticians regularly</a:t>
+            </a:r>
+          </a:p>
+          <a:p>
+            <a:r>
+              <a:rPr lang="en-US" dirty="0">
+                <a:latin typeface="Arial" pitchFamily="-110" charset="0"/>
+                <a:ea typeface="ＭＳ Ｐゴシック" pitchFamily="-110" charset="-128"/>
+                <a:cs typeface="ＭＳ Ｐゴシック" pitchFamily="-110" charset="-128"/>
+              </a:rPr>
+              <a:t>appeal to when they take “a random sample”—they hope that</a:t>
+            </a:r>
+          </a:p>
+          <a:p>
+            <a:r>
+              <a:rPr lang="en-US" dirty="0">
+                <a:latin typeface="Arial" pitchFamily="-110" charset="0"/>
+                <a:ea typeface="ＭＳ Ｐゴシック" pitchFamily="-110" charset="-128"/>
+                <a:cs typeface="ＭＳ Ｐゴシック" pitchFamily="-110" charset="-128"/>
+              </a:rPr>
+              <a:t>any results they use will have approximately the same properties as</a:t>
+            </a:r>
+          </a:p>
+          <a:p>
+            <a:r>
+              <a:rPr lang="en-US" dirty="0">
+                <a:latin typeface="Arial" pitchFamily="-110" charset="0"/>
+                <a:ea typeface="ＭＳ Ｐゴシック" pitchFamily="-110" charset="-128"/>
+                <a:cs typeface="ＭＳ Ｐゴシック" pitchFamily="-110" charset="-128"/>
+              </a:rPr>
+              <a:t>a complete counting of the whole sample space that occurs in their</a:t>
+            </a:r>
+          </a:p>
+          <a:p>
+            <a:r>
+              <a:rPr lang="en-US" dirty="0">
+                <a:latin typeface="Arial" pitchFamily="-110" charset="0"/>
+                <a:ea typeface="ＭＳ Ｐゴシック" pitchFamily="-110" charset="-128"/>
+                <a:cs typeface="ＭＳ Ｐゴシック" pitchFamily="-110" charset="-128"/>
+              </a:rPr>
+              <a:t>theory.</a:t>
+            </a:r>
+          </a:p>
+          <a:p>
+            <a:endParaRPr lang="en-US" dirty="0">
+              <a:latin typeface="Arial" pitchFamily="-110" charset="0"/>
+              <a:ea typeface="ＭＳ Ｐゴシック" pitchFamily="-110" charset="-128"/>
+              <a:cs typeface="ＭＳ Ｐゴシック" pitchFamily="-110" charset="-128"/>
+            </a:endParaRPr>
+          </a:p>
+          <a:p>
+            <a:r>
+              <a:rPr lang="en-US" dirty="0">
+                <a:latin typeface="Arial" pitchFamily="-110" charset="0"/>
+                <a:ea typeface="ＭＳ Ｐゴシック" pitchFamily="-110" charset="-128"/>
+                <a:cs typeface="ＭＳ Ｐゴシック" pitchFamily="-110" charset="-128"/>
+              </a:rPr>
+              <a:t>A true random number generator (TRNG) uses a nondeterministic source to</a:t>
+            </a:r>
+          </a:p>
+          <a:p>
+            <a:r>
+              <a:rPr lang="en-US" dirty="0">
+                <a:latin typeface="Arial" pitchFamily="-110" charset="0"/>
+                <a:ea typeface="ＭＳ Ｐゴシック" pitchFamily="-110" charset="-128"/>
+                <a:cs typeface="ＭＳ Ｐゴシック" pitchFamily="-110" charset="-128"/>
+              </a:rPr>
+              <a:t>produce randomness. Most operate by measuring unpredictable natural processes,</a:t>
+            </a:r>
+          </a:p>
+          <a:p>
+            <a:r>
+              <a:rPr lang="en-US" dirty="0">
+                <a:latin typeface="Arial" pitchFamily="-110" charset="0"/>
+                <a:ea typeface="ＭＳ Ｐゴシック" pitchFamily="-110" charset="-128"/>
+                <a:cs typeface="ＭＳ Ｐゴシック" pitchFamily="-110" charset="-128"/>
+              </a:rPr>
+              <a:t>such as pulse detectors of ionizing radiation events, gas discharge tubes, and leaky</a:t>
+            </a:r>
+          </a:p>
+          <a:p>
+            <a:r>
+              <a:rPr lang="en-US" dirty="0" err="1">
+                <a:latin typeface="Arial" pitchFamily="-110" charset="0"/>
+                <a:ea typeface="ＭＳ Ｐゴシック" pitchFamily="-110" charset="-128"/>
+                <a:cs typeface="ＭＳ Ｐゴシック" pitchFamily="-110" charset="-128"/>
+              </a:rPr>
+              <a:t>capac</a:t>
+            </a:r>
+            <a:r>
+              <a:rPr lang="en-US" dirty="0">
+                <a:latin typeface="Arial" pitchFamily="-110" charset="0"/>
+                <a:ea typeface="ＭＳ Ｐゴシック" pitchFamily="-110" charset="-128"/>
+                <a:cs typeface="ＭＳ Ｐゴシック" pitchFamily="-110" charset="-128"/>
+              </a:rPr>
+              <a:t> </a:t>
+            </a:r>
+            <a:r>
+              <a:rPr lang="en-US" dirty="0" err="1">
+                <a:latin typeface="Arial" pitchFamily="-110" charset="0"/>
+                <a:ea typeface="ＭＳ Ｐゴシック" pitchFamily="-110" charset="-128"/>
+                <a:cs typeface="ＭＳ Ｐゴシック" pitchFamily="-110" charset="-128"/>
+              </a:rPr>
+              <a:t>itors</a:t>
+            </a:r>
+            <a:r>
+              <a:rPr lang="en-US" dirty="0">
+                <a:latin typeface="Arial" pitchFamily="-110" charset="0"/>
+                <a:ea typeface="ＭＳ Ｐゴシック" pitchFamily="-110" charset="-128"/>
+                <a:cs typeface="ＭＳ Ｐゴシック" pitchFamily="-110" charset="-128"/>
+              </a:rPr>
+              <a:t>. Intel has developed a commercially available chip that samples thermal</a:t>
+            </a:r>
+          </a:p>
+          <a:p>
+            <a:r>
+              <a:rPr lang="en-US" dirty="0">
+                <a:latin typeface="Arial" pitchFamily="-110" charset="0"/>
+                <a:ea typeface="ＭＳ Ｐゴシック" pitchFamily="-110" charset="-128"/>
+                <a:cs typeface="ＭＳ Ｐゴシック" pitchFamily="-110" charset="-128"/>
+              </a:rPr>
+              <a:t>noise by amplifying the voltage measured across </a:t>
+            </a:r>
+            <a:r>
+              <a:rPr lang="en-US" dirty="0" err="1">
+                <a:latin typeface="Arial" pitchFamily="-110" charset="0"/>
+                <a:ea typeface="ＭＳ Ｐゴシック" pitchFamily="-110" charset="-128"/>
+                <a:cs typeface="ＭＳ Ｐゴシック" pitchFamily="-110" charset="-128"/>
+              </a:rPr>
+              <a:t>undriven</a:t>
+            </a:r>
+            <a:r>
+              <a:rPr lang="en-US" dirty="0">
+                <a:latin typeface="Arial" pitchFamily="-110" charset="0"/>
+                <a:ea typeface="ＭＳ Ｐゴシック" pitchFamily="-110" charset="-128"/>
+                <a:cs typeface="ＭＳ Ｐゴシック" pitchFamily="-110" charset="-128"/>
+              </a:rPr>
+              <a:t> resistors [JUN99].</a:t>
+            </a:r>
+          </a:p>
+          <a:p>
+            <a:r>
+              <a:rPr lang="en-US" dirty="0">
+                <a:latin typeface="Arial" pitchFamily="-110" charset="0"/>
+                <a:ea typeface="ＭＳ Ｐゴシック" pitchFamily="-110" charset="-128"/>
+                <a:cs typeface="ＭＳ Ｐゴシック" pitchFamily="-110" charset="-128"/>
+              </a:rPr>
+              <a:t>A group at Bell Labs has developed a technique that uses the variations in the</a:t>
+            </a:r>
+          </a:p>
+          <a:p>
+            <a:r>
+              <a:rPr lang="en-US" dirty="0">
+                <a:latin typeface="Arial" pitchFamily="-110" charset="0"/>
+                <a:ea typeface="ＭＳ Ｐゴシック" pitchFamily="-110" charset="-128"/>
+                <a:cs typeface="ＭＳ Ｐゴシック" pitchFamily="-110" charset="-128"/>
+              </a:rPr>
+              <a:t>response time of raw read requests for one disk sector of a hard disk [JAKO98].</a:t>
+            </a:r>
+          </a:p>
+          <a:p>
+            <a:r>
+              <a:rPr lang="en-US" dirty="0" err="1">
+                <a:latin typeface="Arial" pitchFamily="-110" charset="0"/>
+                <a:ea typeface="ＭＳ Ｐゴシック" pitchFamily="-110" charset="-128"/>
+                <a:cs typeface="ＭＳ Ｐゴシック" pitchFamily="-110" charset="-128"/>
+              </a:rPr>
+              <a:t>LavaRnd</a:t>
+            </a:r>
+            <a:r>
+              <a:rPr lang="en-US" dirty="0">
+                <a:latin typeface="Arial" pitchFamily="-110" charset="0"/>
+                <a:ea typeface="ＭＳ Ｐゴシック" pitchFamily="-110" charset="-128"/>
+                <a:cs typeface="ＭＳ Ｐゴシック" pitchFamily="-110" charset="-128"/>
+              </a:rPr>
+              <a:t> is an open source project for creating truly random numbers using inexpensive</a:t>
+            </a:r>
+          </a:p>
+          <a:p>
+            <a:r>
+              <a:rPr lang="en-US" dirty="0">
+                <a:latin typeface="Arial" pitchFamily="-110" charset="0"/>
+                <a:ea typeface="ＭＳ Ｐゴシック" pitchFamily="-110" charset="-128"/>
+                <a:cs typeface="ＭＳ Ｐゴシック" pitchFamily="-110" charset="-128"/>
+              </a:rPr>
+              <a:t>cameras, open source code, and inexpensive hardware. The system uses a</a:t>
+            </a:r>
+          </a:p>
+          <a:p>
+            <a:r>
+              <a:rPr lang="en-US" dirty="0">
+                <a:latin typeface="Arial" pitchFamily="-110" charset="0"/>
+                <a:ea typeface="ＭＳ Ｐゴシック" pitchFamily="-110" charset="-128"/>
+                <a:cs typeface="ＭＳ Ｐゴシック" pitchFamily="-110" charset="-128"/>
+              </a:rPr>
+              <a:t>saturated charge- coupled device (CCD) in a light-tight can as a chaotic source to</a:t>
+            </a:r>
+          </a:p>
+          <a:p>
+            <a:r>
+              <a:rPr lang="en-US" dirty="0">
+                <a:latin typeface="Arial" pitchFamily="-110" charset="0"/>
+                <a:ea typeface="ＭＳ Ｐゴシック" pitchFamily="-110" charset="-128"/>
+                <a:cs typeface="ＭＳ Ｐゴシック" pitchFamily="-110" charset="-128"/>
+              </a:rPr>
+              <a:t>produce the seed. Software processes the result into truly random numbers in a</a:t>
+            </a:r>
+          </a:p>
+          <a:p>
+            <a:r>
+              <a:rPr lang="en-US" dirty="0">
+                <a:latin typeface="Arial" pitchFamily="-110" charset="0"/>
+                <a:ea typeface="ＭＳ Ｐゴシック" pitchFamily="-110" charset="-128"/>
+                <a:cs typeface="ＭＳ Ｐゴシック" pitchFamily="-110" charset="-128"/>
+              </a:rPr>
+              <a:t>variety of formats.</a:t>
+            </a:r>
+            <a:endParaRPr lang="en-US" dirty="0">
+              <a:latin typeface="Times New Roman" pitchFamily="-110" charset="0"/>
+              <a:ea typeface="ＭＳ Ｐゴシック" pitchFamily="-110" charset="-128"/>
+              <a:cs typeface="ＭＳ Ｐゴシック" pitchFamily="-110" charset="-128"/>
+            </a:endParaRPr>
+          </a:p>
+        </p:txBody>
+      </p:sp>
+    </p:spTree>
+    <p:extLst>
+      <p:ext uri="{BB962C8B-B14F-4D97-AF65-F5344CB8AC3E}">
+        <p14:creationId xmlns:p14="http://schemas.microsoft.com/office/powerpoint/2010/main" val="1993784000"/>
       </p:ext>
     </p:extLst>
   </p:cSld>
@@ -17499,14 +18624,14 @@
           </a:ln>
           <a:extLst>
             <a:ext uri="{909E8E84-426E-40dd-AFC4-6F175D3DCCD1}">
-              <a14:hiddenFill xmlns:a14="http://schemas.microsoft.com/office/drawing/2010/main" xmlns="">
+              <a14:hiddenFill xmlns="" xmlns:a14="http://schemas.microsoft.com/office/drawing/2010/main">
                 <a:solidFill>
                   <a:srgbClr val="FFFFFF"/>
                 </a:solidFill>
               </a14:hiddenFill>
             </a:ext>
             <a:ext uri="{91240B29-F687-4f45-9708-019B960494DF}">
-              <a14:hiddenLine xmlns:a14="http://schemas.microsoft.com/office/drawing/2010/main" xmlns="" w="9525">
+              <a14:hiddenLine xmlns="" xmlns:a14="http://schemas.microsoft.com/office/drawing/2010/main" w="9525">
                 <a:solidFill>
                   <a:srgbClr val="000000"/>
                 </a:solidFill>
@@ -17559,14 +18684,14 @@
           </a:ln>
           <a:extLst>
             <a:ext uri="{909E8E84-426E-40dd-AFC4-6F175D3DCCD1}">
-              <a14:hiddenFill xmlns:a14="http://schemas.microsoft.com/office/drawing/2010/main" xmlns="">
+              <a14:hiddenFill xmlns="" xmlns:a14="http://schemas.microsoft.com/office/drawing/2010/main">
                 <a:solidFill>
                   <a:srgbClr val="FFFFFF"/>
                 </a:solidFill>
               </a14:hiddenFill>
             </a:ext>
             <a:ext uri="{91240B29-F687-4f45-9708-019B960494DF}">
-              <a14:hiddenLine xmlns:a14="http://schemas.microsoft.com/office/drawing/2010/main" xmlns="" w="9525">
+              <a14:hiddenLine xmlns="" xmlns:a14="http://schemas.microsoft.com/office/drawing/2010/main" w="9525">
                 <a:solidFill>
                   <a:srgbClr val="000000"/>
                 </a:solidFill>
@@ -17695,14 +18820,14 @@
           </a:ln>
           <a:extLst>
             <a:ext uri="{909E8E84-426E-40dd-AFC4-6F175D3DCCD1}">
-              <a14:hiddenFill xmlns:a14="http://schemas.microsoft.com/office/drawing/2010/main" xmlns="">
+              <a14:hiddenFill xmlns="" xmlns:a14="http://schemas.microsoft.com/office/drawing/2010/main">
                 <a:solidFill>
                   <a:srgbClr val="FFFFFF"/>
                 </a:solidFill>
               </a14:hiddenFill>
             </a:ext>
             <a:ext uri="{91240B29-F687-4f45-9708-019B960494DF}">
-              <a14:hiddenLine xmlns:a14="http://schemas.microsoft.com/office/drawing/2010/main" xmlns="" w="9525">
+              <a14:hiddenLine xmlns="" xmlns:a14="http://schemas.microsoft.com/office/drawing/2010/main" w="9525">
                 <a:solidFill>
                   <a:srgbClr val="000000"/>
                 </a:solidFill>
@@ -17950,14 +19075,14 @@
             </a:ln>
             <a:extLst>
               <a:ext uri="{909E8E84-426E-40dd-AFC4-6F175D3DCCD1}">
-                <a14:hiddenFill xmlns:a14="http://schemas.microsoft.com/office/drawing/2010/main" xmlns="">
+                <a14:hiddenFill xmlns="" xmlns:a14="http://schemas.microsoft.com/office/drawing/2010/main">
                   <a:solidFill>
                     <a:srgbClr val="FFFFFF"/>
                   </a:solidFill>
                 </a14:hiddenFill>
               </a:ext>
               <a:ext uri="{91240B29-F687-4f45-9708-019B960494DF}">
-                <a14:hiddenLine xmlns:a14="http://schemas.microsoft.com/office/drawing/2010/main" xmlns="" w="9525">
+                <a14:hiddenLine xmlns="" xmlns:a14="http://schemas.microsoft.com/office/drawing/2010/main" w="9525">
                   <a:solidFill>
                     <a:srgbClr val="000000"/>
                   </a:solidFill>
@@ -18135,14 +19260,14 @@
           </a:ln>
           <a:extLst>
             <a:ext uri="{909E8E84-426E-40dd-AFC4-6F175D3DCCD1}">
-              <a14:hiddenFill xmlns:a14="http://schemas.microsoft.com/office/drawing/2010/main" xmlns="">
+              <a14:hiddenFill xmlns="" xmlns:a14="http://schemas.microsoft.com/office/drawing/2010/main">
                 <a:solidFill>
                   <a:srgbClr val="FFFFFF"/>
                 </a:solidFill>
               </a14:hiddenFill>
             </a:ext>
             <a:ext uri="{91240B29-F687-4f45-9708-019B960494DF}">
-              <a14:hiddenLine xmlns:a14="http://schemas.microsoft.com/office/drawing/2010/main" xmlns="" w="9525">
+              <a14:hiddenLine xmlns="" xmlns:a14="http://schemas.microsoft.com/office/drawing/2010/main" w="9525">
                 <a:solidFill>
                   <a:srgbClr val="000000"/>
                 </a:solidFill>
@@ -18309,7 +19434,7 @@
           </a:ln>
           <a:extLst>
             <a:ext uri="{909E8E84-426E-40dd-AFC4-6F175D3DCCD1}">
-              <a14:hiddenFill xmlns:a14="http://schemas.microsoft.com/office/drawing/2010/main" xmlns="">
+              <a14:hiddenFill xmlns="" xmlns:a14="http://schemas.microsoft.com/office/drawing/2010/main">
                 <a:noFill/>
               </a14:hiddenFill>
             </a:ext>
@@ -18356,7 +19481,7 @@
           </a:ln>
           <a:extLst>
             <a:ext uri="{909E8E84-426E-40dd-AFC4-6F175D3DCCD1}">
-              <a14:hiddenFill xmlns:a14="http://schemas.microsoft.com/office/drawing/2010/main" xmlns="">
+              <a14:hiddenFill xmlns="" xmlns:a14="http://schemas.microsoft.com/office/drawing/2010/main">
                 <a:noFill/>
               </a14:hiddenFill>
             </a:ext>
@@ -18398,14 +19523,14 @@
           </a:ln>
           <a:extLst>
             <a:ext uri="{909E8E84-426E-40dd-AFC4-6F175D3DCCD1}">
-              <a14:hiddenFill xmlns:a14="http://schemas.microsoft.com/office/drawing/2010/main" xmlns="">
+              <a14:hiddenFill xmlns="" xmlns:a14="http://schemas.microsoft.com/office/drawing/2010/main">
                 <a:solidFill>
                   <a:srgbClr val="FFFFFF"/>
                 </a:solidFill>
               </a14:hiddenFill>
             </a:ext>
             <a:ext uri="{91240B29-F687-4f45-9708-019B960494DF}">
-              <a14:hiddenLine xmlns:a14="http://schemas.microsoft.com/office/drawing/2010/main" xmlns="" w="9525">
+              <a14:hiddenLine xmlns="" xmlns:a14="http://schemas.microsoft.com/office/drawing/2010/main" w="9525">
                 <a:solidFill>
                   <a:srgbClr val="000000"/>
                 </a:solidFill>
@@ -18572,7 +19697,7 @@
           </a:ln>
           <a:extLst>
             <a:ext uri="{909E8E84-426E-40dd-AFC4-6F175D3DCCD1}">
-              <a14:hiddenFill xmlns:a14="http://schemas.microsoft.com/office/drawing/2010/main" xmlns="">
+              <a14:hiddenFill xmlns="" xmlns:a14="http://schemas.microsoft.com/office/drawing/2010/main">
                 <a:noFill/>
               </a14:hiddenFill>
             </a:ext>
@@ -18664,7 +19789,7 @@
           </a:ln>
           <a:extLst>
             <a:ext uri="{909E8E84-426E-40dd-AFC4-6F175D3DCCD1}">
-              <a14:hiddenFill xmlns:a14="http://schemas.microsoft.com/office/drawing/2010/main" xmlns="">
+              <a14:hiddenFill xmlns="" xmlns:a14="http://schemas.microsoft.com/office/drawing/2010/main">
                 <a:solidFill>
                   <a:srgbClr val="FFFFFF"/>
                 </a:solidFill>
@@ -18758,7 +19883,7 @@
           </a:ln>
           <a:extLst>
             <a:ext uri="{909E8E84-426E-40dd-AFC4-6F175D3DCCD1}">
-              <a14:hiddenFill xmlns:a14="http://schemas.microsoft.com/office/drawing/2010/main" xmlns="">
+              <a14:hiddenFill xmlns="" xmlns:a14="http://schemas.microsoft.com/office/drawing/2010/main">
                 <a:solidFill>
                   <a:srgbClr val="FFFFFF"/>
                 </a:solidFill>
@@ -18807,7 +19932,7 @@
           </a:ln>
           <a:extLst>
             <a:ext uri="{909E8E84-426E-40dd-AFC4-6F175D3DCCD1}">
-              <a14:hiddenFill xmlns:a14="http://schemas.microsoft.com/office/drawing/2010/main" xmlns="">
+              <a14:hiddenFill xmlns="" xmlns:a14="http://schemas.microsoft.com/office/drawing/2010/main">
                 <a:noFill/>
               </a14:hiddenFill>
             </a:ext>
@@ -18849,14 +19974,14 @@
           </a:ln>
           <a:extLst>
             <a:ext uri="{909E8E84-426E-40dd-AFC4-6F175D3DCCD1}">
-              <a14:hiddenFill xmlns:a14="http://schemas.microsoft.com/office/drawing/2010/main" xmlns="">
+              <a14:hiddenFill xmlns="" xmlns:a14="http://schemas.microsoft.com/office/drawing/2010/main">
                 <a:solidFill>
                   <a:srgbClr val="FFFFFF"/>
                 </a:solidFill>
               </a14:hiddenFill>
             </a:ext>
             <a:ext uri="{91240B29-F687-4f45-9708-019B960494DF}">
-              <a14:hiddenLine xmlns:a14="http://schemas.microsoft.com/office/drawing/2010/main" xmlns="" w="9525">
+              <a14:hiddenLine xmlns="" xmlns:a14="http://schemas.microsoft.com/office/drawing/2010/main" w="9525">
                 <a:solidFill>
                   <a:srgbClr val="000000"/>
                 </a:solidFill>
@@ -19023,7 +20148,7 @@
           </a:ln>
           <a:extLst>
             <a:ext uri="{909E8E84-426E-40dd-AFC4-6F175D3DCCD1}">
-              <a14:hiddenFill xmlns:a14="http://schemas.microsoft.com/office/drawing/2010/main" xmlns="">
+              <a14:hiddenFill xmlns="" xmlns:a14="http://schemas.microsoft.com/office/drawing/2010/main">
                 <a:noFill/>
               </a14:hiddenFill>
             </a:ext>
@@ -19065,14 +20190,14 @@
           </a:ln>
           <a:extLst>
             <a:ext uri="{909E8E84-426E-40dd-AFC4-6F175D3DCCD1}">
-              <a14:hiddenFill xmlns:a14="http://schemas.microsoft.com/office/drawing/2010/main" xmlns="">
+              <a14:hiddenFill xmlns="" xmlns:a14="http://schemas.microsoft.com/office/drawing/2010/main">
                 <a:solidFill>
                   <a:srgbClr val="FFFFFF"/>
                 </a:solidFill>
               </a14:hiddenFill>
             </a:ext>
             <a:ext uri="{91240B29-F687-4f45-9708-019B960494DF}">
-              <a14:hiddenLine xmlns:a14="http://schemas.microsoft.com/office/drawing/2010/main" xmlns="" w="9525">
+              <a14:hiddenLine xmlns="" xmlns:a14="http://schemas.microsoft.com/office/drawing/2010/main" w="9525">
                 <a:solidFill>
                   <a:srgbClr val="000000"/>
                 </a:solidFill>
@@ -19234,14 +20359,14 @@
           </a:ln>
           <a:extLst>
             <a:ext uri="{909E8E84-426E-40dd-AFC4-6F175D3DCCD1}">
-              <a14:hiddenFill xmlns:a14="http://schemas.microsoft.com/office/drawing/2010/main" xmlns="">
+              <a14:hiddenFill xmlns="" xmlns:a14="http://schemas.microsoft.com/office/drawing/2010/main">
                 <a:solidFill>
                   <a:srgbClr val="FFFFFF"/>
                 </a:solidFill>
               </a14:hiddenFill>
             </a:ext>
             <a:ext uri="{91240B29-F687-4f45-9708-019B960494DF}">
-              <a14:hiddenLine xmlns:a14="http://schemas.microsoft.com/office/drawing/2010/main" xmlns="" w="9525">
+              <a14:hiddenLine xmlns="" xmlns:a14="http://schemas.microsoft.com/office/drawing/2010/main" w="9525">
                 <a:solidFill>
                   <a:srgbClr val="000000"/>
                 </a:solidFill>
@@ -19406,14 +20531,14 @@
           </a:ln>
           <a:extLst>
             <a:ext uri="{909E8E84-426E-40dd-AFC4-6F175D3DCCD1}">
-              <a14:hiddenFill xmlns:a14="http://schemas.microsoft.com/office/drawing/2010/main" xmlns="">
+              <a14:hiddenFill xmlns="" xmlns:a14="http://schemas.microsoft.com/office/drawing/2010/main">
                 <a:solidFill>
                   <a:srgbClr val="FFFFFF"/>
                 </a:solidFill>
               </a14:hiddenFill>
             </a:ext>
             <a:ext uri="{91240B29-F687-4f45-9708-019B960494DF}">
-              <a14:hiddenLine xmlns:a14="http://schemas.microsoft.com/office/drawing/2010/main" xmlns="" w="9525">
+              <a14:hiddenLine xmlns="" xmlns:a14="http://schemas.microsoft.com/office/drawing/2010/main" w="9525">
                 <a:solidFill>
                   <a:srgbClr val="000000"/>
                 </a:solidFill>
@@ -19578,14 +20703,14 @@
           </a:ln>
           <a:extLst>
             <a:ext uri="{909E8E84-426E-40dd-AFC4-6F175D3DCCD1}">
-              <a14:hiddenFill xmlns:a14="http://schemas.microsoft.com/office/drawing/2010/main" xmlns="">
+              <a14:hiddenFill xmlns="" xmlns:a14="http://schemas.microsoft.com/office/drawing/2010/main">
                 <a:solidFill>
                   <a:srgbClr val="FFFFFF"/>
                 </a:solidFill>
               </a14:hiddenFill>
             </a:ext>
             <a:ext uri="{91240B29-F687-4f45-9708-019B960494DF}">
-              <a14:hiddenLine xmlns:a14="http://schemas.microsoft.com/office/drawing/2010/main" xmlns="" w="9525">
+              <a14:hiddenLine xmlns="" xmlns:a14="http://schemas.microsoft.com/office/drawing/2010/main" w="9525">
                 <a:solidFill>
                   <a:srgbClr val="000000"/>
                 </a:solidFill>
@@ -20537,14 +21662,14 @@
           </a:ln>
           <a:extLst>
             <a:ext uri="{909E8E84-426E-40dd-AFC4-6F175D3DCCD1}">
-              <a14:hiddenFill xmlns:a14="http://schemas.microsoft.com/office/drawing/2010/main" xmlns="">
+              <a14:hiddenFill xmlns="" xmlns:a14="http://schemas.microsoft.com/office/drawing/2010/main">
                 <a:solidFill>
                   <a:srgbClr val="FFFFFF"/>
                 </a:solidFill>
               </a14:hiddenFill>
             </a:ext>
             <a:ext uri="{91240B29-F687-4f45-9708-019B960494DF}">
-              <a14:hiddenLine xmlns:a14="http://schemas.microsoft.com/office/drawing/2010/main" xmlns="" w="9525">
+              <a14:hiddenLine xmlns="" xmlns:a14="http://schemas.microsoft.com/office/drawing/2010/main" w="9525">
                 <a:solidFill>
                   <a:srgbClr val="000000"/>
                 </a:solidFill>
@@ -20599,14 +21724,14 @@
           </a:ln>
           <a:extLst>
             <a:ext uri="{909E8E84-426E-40dd-AFC4-6F175D3DCCD1}">
-              <a14:hiddenFill xmlns:a14="http://schemas.microsoft.com/office/drawing/2010/main" xmlns="">
+              <a14:hiddenFill xmlns="" xmlns:a14="http://schemas.microsoft.com/office/drawing/2010/main">
                 <a:solidFill>
                   <a:srgbClr val="FFFFFF"/>
                 </a:solidFill>
               </a14:hiddenFill>
             </a:ext>
             <a:ext uri="{91240B29-F687-4f45-9708-019B960494DF}">
-              <a14:hiddenLine xmlns:a14="http://schemas.microsoft.com/office/drawing/2010/main" xmlns="" w="9525">
+              <a14:hiddenLine xmlns="" xmlns:a14="http://schemas.microsoft.com/office/drawing/2010/main" w="9525">
                 <a:solidFill>
                   <a:srgbClr val="000000"/>
                 </a:solidFill>
@@ -20666,7 +21791,7 @@
           </a:ln>
           <a:extLst>
             <a:ext uri="{909E8E84-426E-40dd-AFC4-6F175D3DCCD1}">
-              <a14:hiddenFill xmlns:a14="http://schemas.microsoft.com/office/drawing/2010/main" xmlns="">
+              <a14:hiddenFill xmlns="" xmlns:a14="http://schemas.microsoft.com/office/drawing/2010/main">
                 <a:noFill/>
               </a14:hiddenFill>
             </a:ext>
@@ -20713,7 +21838,7 @@
           </a:ln>
           <a:extLst>
             <a:ext uri="{909E8E84-426E-40dd-AFC4-6F175D3DCCD1}">
-              <a14:hiddenFill xmlns:a14="http://schemas.microsoft.com/office/drawing/2010/main" xmlns="">
+              <a14:hiddenFill xmlns="" xmlns:a14="http://schemas.microsoft.com/office/drawing/2010/main">
                 <a:noFill/>
               </a14:hiddenFill>
             </a:ext>
@@ -20755,14 +21880,14 @@
           </a:ln>
           <a:extLst>
             <a:ext uri="{909E8E84-426E-40dd-AFC4-6F175D3DCCD1}">
-              <a14:hiddenFill xmlns:a14="http://schemas.microsoft.com/office/drawing/2010/main" xmlns="">
+              <a14:hiddenFill xmlns="" xmlns:a14="http://schemas.microsoft.com/office/drawing/2010/main">
                 <a:solidFill>
                   <a:srgbClr val="FFFFFF"/>
                 </a:solidFill>
               </a14:hiddenFill>
             </a:ext>
             <a:ext uri="{91240B29-F687-4f45-9708-019B960494DF}">
-              <a14:hiddenLine xmlns:a14="http://schemas.microsoft.com/office/drawing/2010/main" xmlns="" w="9525">
+              <a14:hiddenLine xmlns="" xmlns:a14="http://schemas.microsoft.com/office/drawing/2010/main" w="9525">
                 <a:solidFill>
                   <a:srgbClr val="000000"/>
                 </a:solidFill>
@@ -20817,14 +21942,14 @@
           </a:ln>
           <a:extLst>
             <a:ext uri="{909E8E84-426E-40dd-AFC4-6F175D3DCCD1}">
-              <a14:hiddenFill xmlns:a14="http://schemas.microsoft.com/office/drawing/2010/main" xmlns="">
+              <a14:hiddenFill xmlns="" xmlns:a14="http://schemas.microsoft.com/office/drawing/2010/main">
                 <a:solidFill>
                   <a:srgbClr val="FFFFFF"/>
                 </a:solidFill>
               </a14:hiddenFill>
             </a:ext>
             <a:ext uri="{91240B29-F687-4f45-9708-019B960494DF}">
-              <a14:hiddenLine xmlns:a14="http://schemas.microsoft.com/office/drawing/2010/main" xmlns="" w="9525">
+              <a14:hiddenLine xmlns="" xmlns:a14="http://schemas.microsoft.com/office/drawing/2010/main" w="9525">
                 <a:solidFill>
                   <a:srgbClr val="000000"/>
                 </a:solidFill>
@@ -20879,14 +22004,14 @@
           </a:ln>
           <a:extLst>
             <a:ext uri="{909E8E84-426E-40dd-AFC4-6F175D3DCCD1}">
-              <a14:hiddenFill xmlns:a14="http://schemas.microsoft.com/office/drawing/2010/main" xmlns="">
+              <a14:hiddenFill xmlns="" xmlns:a14="http://schemas.microsoft.com/office/drawing/2010/main">
                 <a:solidFill>
                   <a:srgbClr val="FFFFFF"/>
                 </a:solidFill>
               </a14:hiddenFill>
             </a:ext>
             <a:ext uri="{91240B29-F687-4f45-9708-019B960494DF}">
-              <a14:hiddenLine xmlns:a14="http://schemas.microsoft.com/office/drawing/2010/main" xmlns="" w="9525">
+              <a14:hiddenLine xmlns="" xmlns:a14="http://schemas.microsoft.com/office/drawing/2010/main" w="9525">
                 <a:solidFill>
                   <a:srgbClr val="000000"/>
                 </a:solidFill>
@@ -21052,14 +22177,14 @@
           </a:ln>
           <a:extLst>
             <a:ext uri="{909E8E84-426E-40dd-AFC4-6F175D3DCCD1}">
-              <a14:hiddenFill xmlns:a14="http://schemas.microsoft.com/office/drawing/2010/main" xmlns="">
+              <a14:hiddenFill xmlns="" xmlns:a14="http://schemas.microsoft.com/office/drawing/2010/main">
                 <a:solidFill>
                   <a:srgbClr val="FFFFFF"/>
                 </a:solidFill>
               </a14:hiddenFill>
             </a:ext>
             <a:ext uri="{91240B29-F687-4f45-9708-019B960494DF}">
-              <a14:hiddenLine xmlns:a14="http://schemas.microsoft.com/office/drawing/2010/main" xmlns="" w="9525">
+              <a14:hiddenLine xmlns="" xmlns:a14="http://schemas.microsoft.com/office/drawing/2010/main" w="9525">
                 <a:solidFill>
                   <a:srgbClr val="000000"/>
                 </a:solidFill>
@@ -21253,14 +22378,14 @@
           </a:ln>
           <a:extLst>
             <a:ext uri="{909E8E84-426E-40dd-AFC4-6F175D3DCCD1}">
-              <a14:hiddenFill xmlns:a14="http://schemas.microsoft.com/office/drawing/2010/main" xmlns="">
+              <a14:hiddenFill xmlns="" xmlns:a14="http://schemas.microsoft.com/office/drawing/2010/main">
                 <a:solidFill>
                   <a:srgbClr val="FFFFFF"/>
                 </a:solidFill>
               </a14:hiddenFill>
             </a:ext>
             <a:ext uri="{91240B29-F687-4f45-9708-019B960494DF}">
-              <a14:hiddenLine xmlns:a14="http://schemas.microsoft.com/office/drawing/2010/main" xmlns="" w="9525">
+              <a14:hiddenLine xmlns="" xmlns:a14="http://schemas.microsoft.com/office/drawing/2010/main" w="9525">
                 <a:solidFill>
                   <a:srgbClr val="000000"/>
                 </a:solidFill>
@@ -21966,14 +23091,14 @@
           </a:ln>
           <a:extLst>
             <a:ext uri="{909E8E84-426E-40dd-AFC4-6F175D3DCCD1}">
-              <a14:hiddenFill xmlns:a14="http://schemas.microsoft.com/office/drawing/2010/main" xmlns="">
+              <a14:hiddenFill xmlns="" xmlns:a14="http://schemas.microsoft.com/office/drawing/2010/main">
                 <a:solidFill>
                   <a:srgbClr val="FFFFFF"/>
                 </a:solidFill>
               </a14:hiddenFill>
             </a:ext>
             <a:ext uri="{91240B29-F687-4f45-9708-019B960494DF}">
-              <a14:hiddenLine xmlns:a14="http://schemas.microsoft.com/office/drawing/2010/main" xmlns="" w="9525">
+              <a14:hiddenLine xmlns="" xmlns:a14="http://schemas.microsoft.com/office/drawing/2010/main" w="9525">
                 <a:solidFill>
                   <a:srgbClr val="000000"/>
                 </a:solidFill>
@@ -24368,9 +25493,6 @@
             </a:pPr>
             <a:r>
               <a:rPr sz="2400" dirty="0">
-                <a:solidFill>
-                  <a:srgbClr val="FF0000"/>
-                </a:solidFill>
                 <a:latin typeface="Times New Roman"/>
                 <a:cs typeface="Times New Roman"/>
               </a:rPr>
@@ -24378,9 +25500,6 @@
             </a:r>
             <a:r>
               <a:rPr sz="2400" spc="-15" dirty="0">
-                <a:solidFill>
-                  <a:srgbClr val="FF0000"/>
-                </a:solidFill>
                 <a:latin typeface="Times New Roman"/>
                 <a:cs typeface="Times New Roman"/>
               </a:rPr>
@@ -24388,9 +25507,6 @@
             </a:r>
             <a:r>
               <a:rPr sz="2400" dirty="0">
-                <a:solidFill>
-                  <a:srgbClr val="FF0000"/>
-                </a:solidFill>
                 <a:latin typeface="Symbol"/>
                 <a:cs typeface="Symbol"/>
               </a:rPr>
@@ -24398,9 +25514,6 @@
             </a:r>
             <a:r>
               <a:rPr sz="2400" spc="-10" dirty="0">
-                <a:solidFill>
-                  <a:srgbClr val="FF0000"/>
-                </a:solidFill>
                 <a:latin typeface="Times New Roman"/>
                 <a:cs typeface="Times New Roman"/>
               </a:rPr>
@@ -24408,9 +25521,6 @@
             </a:r>
             <a:r>
               <a:rPr sz="2400" dirty="0">
-                <a:solidFill>
-                  <a:srgbClr val="FF0000"/>
-                </a:solidFill>
                 <a:latin typeface="Times New Roman"/>
                 <a:cs typeface="Times New Roman"/>
               </a:rPr>
@@ -24418,9 +25528,6 @@
             </a:r>
             <a:r>
               <a:rPr sz="2400" spc="-20" dirty="0">
-                <a:solidFill>
-                  <a:srgbClr val="FF0000"/>
-                </a:solidFill>
                 <a:latin typeface="Times New Roman"/>
                 <a:cs typeface="Times New Roman"/>
               </a:rPr>
@@ -24428,9 +25535,6 @@
             </a:r>
             <a:r>
               <a:rPr sz="2400" dirty="0">
-                <a:solidFill>
-                  <a:srgbClr val="FF0000"/>
-                </a:solidFill>
                 <a:latin typeface="Times New Roman"/>
                 <a:cs typeface="Times New Roman"/>
               </a:rPr>
@@ -24438,9 +25542,6 @@
             </a:r>
             <a:r>
               <a:rPr sz="2400" spc="-20" dirty="0">
-                <a:solidFill>
-                  <a:srgbClr val="FF0000"/>
-                </a:solidFill>
                 <a:latin typeface="Times New Roman"/>
                 <a:cs typeface="Times New Roman"/>
               </a:rPr>
@@ -24448,9 +25549,6 @@
             </a:r>
             <a:r>
               <a:rPr sz="2400" dirty="0">
-                <a:solidFill>
-                  <a:srgbClr val="FF0000"/>
-                </a:solidFill>
                 <a:latin typeface="Times New Roman"/>
                 <a:cs typeface="Times New Roman"/>
               </a:rPr>
@@ -24458,9 +25556,6 @@
             </a:r>
             <a:r>
               <a:rPr sz="2400" spc="-20" dirty="0">
-                <a:solidFill>
-                  <a:srgbClr val="FF0000"/>
-                </a:solidFill>
                 <a:latin typeface="Times New Roman"/>
                 <a:cs typeface="Times New Roman"/>
               </a:rPr>
@@ -24468,9 +25563,6 @@
             </a:r>
             <a:r>
               <a:rPr sz="2400" dirty="0">
-                <a:solidFill>
-                  <a:srgbClr val="FF0000"/>
-                </a:solidFill>
                 <a:latin typeface="Times New Roman"/>
                 <a:cs typeface="Times New Roman"/>
               </a:rPr>
@@ -24478,9 +25570,6 @@
             </a:r>
             <a:r>
               <a:rPr sz="2400" spc="-20" dirty="0">
-                <a:solidFill>
-                  <a:srgbClr val="FF0000"/>
-                </a:solidFill>
                 <a:latin typeface="Times New Roman"/>
                 <a:cs typeface="Times New Roman"/>
               </a:rPr>
@@ -24488,9 +25577,6 @@
             </a:r>
             <a:r>
               <a:rPr sz="2400" dirty="0">
-                <a:solidFill>
-                  <a:srgbClr val="FF0000"/>
-                </a:solidFill>
                 <a:latin typeface="Times New Roman"/>
                 <a:cs typeface="Times New Roman"/>
               </a:rPr>
@@ -24498,9 +25584,6 @@
             </a:r>
             <a:r>
               <a:rPr sz="2400" spc="-30" dirty="0">
-                <a:solidFill>
-                  <a:srgbClr val="FF0000"/>
-                </a:solidFill>
                 <a:latin typeface="Times New Roman"/>
                 <a:cs typeface="Times New Roman"/>
               </a:rPr>
@@ -24508,9 +25591,6 @@
             </a:r>
             <a:r>
               <a:rPr sz="2400" dirty="0">
-                <a:solidFill>
-                  <a:srgbClr val="FF0000"/>
-                </a:solidFill>
                 <a:latin typeface="Times New Roman"/>
                 <a:cs typeface="Times New Roman"/>
               </a:rPr>
@@ -24518,9 +25598,6 @@
             </a:r>
             <a:r>
               <a:rPr sz="2400" spc="-20" dirty="0">
-                <a:solidFill>
-                  <a:srgbClr val="FF0000"/>
-                </a:solidFill>
                 <a:latin typeface="Times New Roman"/>
                 <a:cs typeface="Times New Roman"/>
               </a:rPr>
@@ -24528,9 +25605,6 @@
             </a:r>
             <a:r>
               <a:rPr sz="2400" dirty="0">
-                <a:solidFill>
-                  <a:srgbClr val="FF0000"/>
-                </a:solidFill>
                 <a:latin typeface="Times New Roman"/>
                 <a:cs typeface="Times New Roman"/>
               </a:rPr>
@@ -24538,9 +25612,6 @@
             </a:r>
             <a:r>
               <a:rPr sz="2400" spc="-15" dirty="0">
-                <a:solidFill>
-                  <a:srgbClr val="FF0000"/>
-                </a:solidFill>
                 <a:latin typeface="Times New Roman"/>
                 <a:cs typeface="Times New Roman"/>
               </a:rPr>
@@ -24548,9 +25619,6 @@
             </a:r>
             <a:r>
               <a:rPr sz="2400" dirty="0">
-                <a:solidFill>
-                  <a:srgbClr val="FF0000"/>
-                </a:solidFill>
                 <a:latin typeface="Times New Roman"/>
                 <a:cs typeface="Times New Roman"/>
               </a:rPr>
@@ -24558,9 +25626,6 @@
             </a:r>
             <a:r>
               <a:rPr sz="2400" spc="-20" dirty="0">
-                <a:solidFill>
-                  <a:srgbClr val="FF0000"/>
-                </a:solidFill>
                 <a:latin typeface="Times New Roman"/>
                 <a:cs typeface="Times New Roman"/>
               </a:rPr>
@@ -24568,9 +25633,6 @@
             </a:r>
             <a:r>
               <a:rPr sz="2400" spc="-25" dirty="0">
-                <a:solidFill>
-                  <a:srgbClr val="FF0000"/>
-                </a:solidFill>
                 <a:latin typeface="Times New Roman"/>
                 <a:cs typeface="Times New Roman"/>
               </a:rPr>
@@ -24578,9 +25640,6 @@
             </a:r>
             <a:r>
               <a:rPr sz="2400" spc="-10" dirty="0">
-                <a:solidFill>
-                  <a:srgbClr val="FF0000"/>
-                </a:solidFill>
                 <a:latin typeface="Times New Roman"/>
                 <a:cs typeface="Times New Roman"/>
               </a:rPr>
@@ -24602,9 +25661,6 @@
             </a:pPr>
             <a:r>
               <a:rPr sz="2400" dirty="0">
-                <a:solidFill>
-                  <a:srgbClr val="FF0000"/>
-                </a:solidFill>
                 <a:latin typeface="Times New Roman"/>
                 <a:cs typeface="Times New Roman"/>
               </a:rPr>
@@ -24612,9 +25668,6 @@
             </a:r>
             <a:r>
               <a:rPr sz="2400" spc="-20" dirty="0">
-                <a:solidFill>
-                  <a:srgbClr val="FF0000"/>
-                </a:solidFill>
                 <a:latin typeface="Times New Roman"/>
                 <a:cs typeface="Times New Roman"/>
               </a:rPr>
@@ -24622,9 +25675,6 @@
             </a:r>
             <a:r>
               <a:rPr sz="2400" dirty="0">
-                <a:solidFill>
-                  <a:srgbClr val="FF0000"/>
-                </a:solidFill>
                 <a:latin typeface="Symbol"/>
                 <a:cs typeface="Symbol"/>
               </a:rPr>
@@ -24632,9 +25682,6 @@
             </a:r>
             <a:r>
               <a:rPr sz="2400" spc="-30" dirty="0">
-                <a:solidFill>
-                  <a:srgbClr val="FF0000"/>
-                </a:solidFill>
                 <a:latin typeface="Times New Roman"/>
                 <a:cs typeface="Times New Roman"/>
               </a:rPr>
@@ -24642,9 +25689,6 @@
             </a:r>
             <a:r>
               <a:rPr sz="2400" dirty="0">
-                <a:solidFill>
-                  <a:srgbClr val="FF0000"/>
-                </a:solidFill>
                 <a:latin typeface="Times New Roman"/>
                 <a:cs typeface="Times New Roman"/>
               </a:rPr>
@@ -24652,9 +25696,6 @@
             </a:r>
             <a:r>
               <a:rPr sz="2400" spc="-40" dirty="0">
-                <a:solidFill>
-                  <a:srgbClr val="FF0000"/>
-                </a:solidFill>
                 <a:latin typeface="Times New Roman"/>
                 <a:cs typeface="Times New Roman"/>
               </a:rPr>
@@ -24662,9 +25703,6 @@
             </a:r>
             <a:r>
               <a:rPr sz="2400" dirty="0">
-                <a:solidFill>
-                  <a:srgbClr val="FF0000"/>
-                </a:solidFill>
                 <a:latin typeface="Times New Roman"/>
                 <a:cs typeface="Times New Roman"/>
               </a:rPr>
@@ -24672,9 +25710,6 @@
             </a:r>
             <a:r>
               <a:rPr sz="2400" spc="-40" dirty="0">
-                <a:solidFill>
-                  <a:srgbClr val="FF0000"/>
-                </a:solidFill>
                 <a:latin typeface="Times New Roman"/>
                 <a:cs typeface="Times New Roman"/>
               </a:rPr>
@@ -24682,9 +25717,6 @@
             </a:r>
             <a:r>
               <a:rPr sz="2400" dirty="0">
-                <a:solidFill>
-                  <a:srgbClr val="FF0000"/>
-                </a:solidFill>
                 <a:latin typeface="Times New Roman"/>
                 <a:cs typeface="Times New Roman"/>
               </a:rPr>
@@ -24692,9 +25724,6 @@
             </a:r>
             <a:r>
               <a:rPr sz="2400" spc="-25" dirty="0">
-                <a:solidFill>
-                  <a:srgbClr val="FF0000"/>
-                </a:solidFill>
                 <a:latin typeface="Times New Roman"/>
                 <a:cs typeface="Times New Roman"/>
               </a:rPr>
@@ -24702,9 +25731,6 @@
             </a:r>
             <a:r>
               <a:rPr sz="2400" dirty="0">
-                <a:solidFill>
-                  <a:srgbClr val="FF0000"/>
-                </a:solidFill>
                 <a:latin typeface="Times New Roman"/>
                 <a:cs typeface="Times New Roman"/>
               </a:rPr>
@@ -24712,9 +25738,6 @@
             </a:r>
             <a:r>
               <a:rPr sz="2400" spc="-30" dirty="0">
-                <a:solidFill>
-                  <a:srgbClr val="FF0000"/>
-                </a:solidFill>
                 <a:latin typeface="Times New Roman"/>
                 <a:cs typeface="Times New Roman"/>
               </a:rPr>
@@ -24722,9 +25745,6 @@
             </a:r>
             <a:r>
               <a:rPr sz="2400" dirty="0">
-                <a:solidFill>
-                  <a:srgbClr val="FF0000"/>
-                </a:solidFill>
                 <a:latin typeface="Times New Roman"/>
                 <a:cs typeface="Times New Roman"/>
               </a:rPr>
@@ -24732,9 +25752,6 @@
             </a:r>
             <a:r>
               <a:rPr sz="2400" spc="-30" dirty="0">
-                <a:solidFill>
-                  <a:srgbClr val="FF0000"/>
-                </a:solidFill>
                 <a:latin typeface="Times New Roman"/>
                 <a:cs typeface="Times New Roman"/>
               </a:rPr>
@@ -24742,9 +25759,6 @@
             </a:r>
             <a:r>
               <a:rPr sz="2400" spc="-25" dirty="0">
-                <a:solidFill>
-                  <a:srgbClr val="FF0000"/>
-                </a:solidFill>
                 <a:latin typeface="Times New Roman"/>
                 <a:cs typeface="Times New Roman"/>
               </a:rPr>
@@ -24752,9 +25766,6 @@
             </a:r>
             <a:r>
               <a:rPr sz="2400" spc="-10" dirty="0">
-                <a:solidFill>
-                  <a:srgbClr val="FF0000"/>
-                </a:solidFill>
                 <a:latin typeface="Times New Roman"/>
                 <a:cs typeface="Times New Roman"/>
               </a:rPr>
@@ -25572,7 +26583,7 @@
         </p:nvCxnSpPr>
         <p:spPr>
           <a:xfrm flipV="1">
-            <a:off x="6996596" y="2875152"/>
+            <a:off x="7897091" y="1500272"/>
             <a:ext cx="618230" cy="835752"/>
           </a:xfrm>
           <a:prstGeom prst="straightConnector1">
@@ -25613,7 +26624,7 @@
         </p:nvCxnSpPr>
         <p:spPr>
           <a:xfrm>
-            <a:off x="6996596" y="3879345"/>
+            <a:off x="7897091" y="2504465"/>
             <a:ext cx="900495" cy="1329708"/>
           </a:xfrm>
           <a:prstGeom prst="straightConnector1">
@@ -27369,9 +28380,6 @@
             <a:pPr lvl="1"/>
             <a:r>
               <a:rPr lang="en-GB" dirty="0">
-                <a:solidFill>
-                  <a:srgbClr val="FF0000"/>
-                </a:solidFill>
                 <a:latin typeface="Times New Roman" panose="02020603050405020304" pitchFamily="18" charset="0"/>
                 <a:cs typeface="Times New Roman" panose="02020603050405020304" pitchFamily="18" charset="0"/>
               </a:rPr>
@@ -27379,9 +28387,6 @@
             </a:r>
             <a:r>
               <a:rPr lang="en-GB" spc="-80" dirty="0">
-                <a:solidFill>
-                  <a:srgbClr val="FF0000"/>
-                </a:solidFill>
                 <a:latin typeface="Times New Roman" panose="02020603050405020304" pitchFamily="18" charset="0"/>
                 <a:cs typeface="Times New Roman" panose="02020603050405020304" pitchFamily="18" charset="0"/>
               </a:rPr>
@@ -27389,9 +28394,6 @@
             </a:r>
             <a:r>
               <a:rPr lang="en-GB" dirty="0">
-                <a:solidFill>
-                  <a:srgbClr val="FF0000"/>
-                </a:solidFill>
                 <a:latin typeface="Times New Roman" panose="02020603050405020304" pitchFamily="18" charset="0"/>
                 <a:cs typeface="Times New Roman" panose="02020603050405020304" pitchFamily="18" charset="0"/>
               </a:rPr>
@@ -27399,9 +28401,6 @@
             </a:r>
             <a:r>
               <a:rPr lang="en-GB" spc="-50" dirty="0">
-                <a:solidFill>
-                  <a:srgbClr val="FF0000"/>
-                </a:solidFill>
                 <a:latin typeface="Times New Roman" panose="02020603050405020304" pitchFamily="18" charset="0"/>
                 <a:cs typeface="Times New Roman" panose="02020603050405020304" pitchFamily="18" charset="0"/>
               </a:rPr>
@@ -27409,9 +28408,6 @@
             </a:r>
             <a:r>
               <a:rPr lang="en-GB" dirty="0">
-                <a:solidFill>
-                  <a:srgbClr val="FF0000"/>
-                </a:solidFill>
                 <a:latin typeface="Times New Roman" panose="02020603050405020304" pitchFamily="18" charset="0"/>
                 <a:cs typeface="Times New Roman" panose="02020603050405020304" pitchFamily="18" charset="0"/>
               </a:rPr>
@@ -27419,9 +28415,6 @@
             </a:r>
             <a:r>
               <a:rPr lang="en-GB" spc="-45" dirty="0">
-                <a:solidFill>
-                  <a:srgbClr val="FF0000"/>
-                </a:solidFill>
                 <a:latin typeface="Times New Roman" panose="02020603050405020304" pitchFamily="18" charset="0"/>
                 <a:cs typeface="Times New Roman" panose="02020603050405020304" pitchFamily="18" charset="0"/>
               </a:rPr>
@@ -27429,9 +28422,6 @@
             </a:r>
             <a:r>
               <a:rPr lang="en-GB" dirty="0">
-                <a:solidFill>
-                  <a:srgbClr val="FF0000"/>
-                </a:solidFill>
                 <a:latin typeface="Times New Roman" panose="02020603050405020304" pitchFamily="18" charset="0"/>
                 <a:cs typeface="Times New Roman" panose="02020603050405020304" pitchFamily="18" charset="0"/>
               </a:rPr>
@@ -27439,9 +28429,6 @@
             </a:r>
             <a:r>
               <a:rPr lang="en-GB" spc="-55" dirty="0">
-                <a:solidFill>
-                  <a:srgbClr val="FF0000"/>
-                </a:solidFill>
                 <a:latin typeface="Times New Roman" panose="02020603050405020304" pitchFamily="18" charset="0"/>
                 <a:cs typeface="Times New Roman" panose="02020603050405020304" pitchFamily="18" charset="0"/>
               </a:rPr>
@@ -27449,9 +28436,6 @@
             </a:r>
             <a:r>
               <a:rPr lang="en-GB" dirty="0">
-                <a:solidFill>
-                  <a:srgbClr val="FF0000"/>
-                </a:solidFill>
                 <a:latin typeface="Times New Roman" panose="02020603050405020304" pitchFamily="18" charset="0"/>
                 <a:cs typeface="Times New Roman" panose="02020603050405020304" pitchFamily="18" charset="0"/>
               </a:rPr>
@@ -27459,9 +28443,6 @@
             </a:r>
             <a:r>
               <a:rPr lang="en-GB" spc="-65" dirty="0">
-                <a:solidFill>
-                  <a:srgbClr val="FF0000"/>
-                </a:solidFill>
                 <a:latin typeface="Times New Roman" panose="02020603050405020304" pitchFamily="18" charset="0"/>
                 <a:cs typeface="Times New Roman" panose="02020603050405020304" pitchFamily="18" charset="0"/>
               </a:rPr>
@@ -27469,9 +28450,6 @@
             </a:r>
             <a:r>
               <a:rPr lang="en-GB" spc="-10" dirty="0">
-                <a:solidFill>
-                  <a:srgbClr val="FF0000"/>
-                </a:solidFill>
                 <a:latin typeface="Times New Roman" panose="02020603050405020304" pitchFamily="18" charset="0"/>
                 <a:cs typeface="Times New Roman" panose="02020603050405020304" pitchFamily="18" charset="0"/>
               </a:rPr>
@@ -27486,9 +28464,6 @@
             <a:pPr lvl="1"/>
             <a:r>
               <a:rPr lang="en-GB" dirty="0">
-                <a:solidFill>
-                  <a:srgbClr val="FF0000"/>
-                </a:solidFill>
                 <a:latin typeface="Times New Roman" panose="02020603050405020304" pitchFamily="18" charset="0"/>
                 <a:cs typeface="Times New Roman" panose="02020603050405020304" pitchFamily="18" charset="0"/>
               </a:rPr>
@@ -27496,9 +28471,6 @@
             </a:r>
             <a:r>
               <a:rPr lang="en-GB" spc="-80" dirty="0">
-                <a:solidFill>
-                  <a:srgbClr val="FF0000"/>
-                </a:solidFill>
                 <a:latin typeface="Times New Roman" panose="02020603050405020304" pitchFamily="18" charset="0"/>
                 <a:cs typeface="Times New Roman" panose="02020603050405020304" pitchFamily="18" charset="0"/>
               </a:rPr>
@@ -27506,9 +28478,6 @@
             </a:r>
             <a:r>
               <a:rPr lang="en-GB" dirty="0">
-                <a:solidFill>
-                  <a:srgbClr val="FF0000"/>
-                </a:solidFill>
                 <a:latin typeface="Times New Roman" panose="02020603050405020304" pitchFamily="18" charset="0"/>
                 <a:cs typeface="Times New Roman" panose="02020603050405020304" pitchFamily="18" charset="0"/>
               </a:rPr>
@@ -27516,9 +28485,6 @@
             </a:r>
             <a:r>
               <a:rPr lang="en-GB" spc="-50" dirty="0">
-                <a:solidFill>
-                  <a:srgbClr val="FF0000"/>
-                </a:solidFill>
                 <a:latin typeface="Times New Roman" panose="02020603050405020304" pitchFamily="18" charset="0"/>
                 <a:cs typeface="Times New Roman" panose="02020603050405020304" pitchFamily="18" charset="0"/>
               </a:rPr>
@@ -27526,9 +28492,6 @@
             </a:r>
             <a:r>
               <a:rPr lang="en-GB" dirty="0">
-                <a:solidFill>
-                  <a:srgbClr val="FF0000"/>
-                </a:solidFill>
                 <a:latin typeface="Times New Roman" panose="02020603050405020304" pitchFamily="18" charset="0"/>
                 <a:cs typeface="Times New Roman" panose="02020603050405020304" pitchFamily="18" charset="0"/>
               </a:rPr>
@@ -27536,9 +28499,6 @@
             </a:r>
             <a:r>
               <a:rPr lang="en-GB" spc="-45" dirty="0">
-                <a:solidFill>
-                  <a:srgbClr val="FF0000"/>
-                </a:solidFill>
                 <a:latin typeface="Times New Roman" panose="02020603050405020304" pitchFamily="18" charset="0"/>
                 <a:cs typeface="Times New Roman" panose="02020603050405020304" pitchFamily="18" charset="0"/>
               </a:rPr>
@@ -27546,9 +28506,6 @@
             </a:r>
             <a:r>
               <a:rPr lang="en-GB" dirty="0">
-                <a:solidFill>
-                  <a:srgbClr val="FF0000"/>
-                </a:solidFill>
                 <a:latin typeface="Times New Roman" panose="02020603050405020304" pitchFamily="18" charset="0"/>
                 <a:cs typeface="Times New Roman" panose="02020603050405020304" pitchFamily="18" charset="0"/>
               </a:rPr>
@@ -27556,9 +28513,6 @@
             </a:r>
             <a:r>
               <a:rPr lang="en-GB" spc="-55" dirty="0">
-                <a:solidFill>
-                  <a:srgbClr val="FF0000"/>
-                </a:solidFill>
                 <a:latin typeface="Times New Roman" panose="02020603050405020304" pitchFamily="18" charset="0"/>
                 <a:cs typeface="Times New Roman" panose="02020603050405020304" pitchFamily="18" charset="0"/>
               </a:rPr>
@@ -27566,9 +28520,6 @@
             </a:r>
             <a:r>
               <a:rPr lang="en-GB" dirty="0">
-                <a:solidFill>
-                  <a:srgbClr val="FF0000"/>
-                </a:solidFill>
                 <a:latin typeface="Times New Roman" panose="02020603050405020304" pitchFamily="18" charset="0"/>
                 <a:cs typeface="Times New Roman" panose="02020603050405020304" pitchFamily="18" charset="0"/>
               </a:rPr>
@@ -27576,9 +28527,6 @@
             </a:r>
             <a:r>
               <a:rPr lang="en-GB" spc="-65" dirty="0">
-                <a:solidFill>
-                  <a:srgbClr val="FF0000"/>
-                </a:solidFill>
                 <a:latin typeface="Times New Roman" panose="02020603050405020304" pitchFamily="18" charset="0"/>
                 <a:cs typeface="Times New Roman" panose="02020603050405020304" pitchFamily="18" charset="0"/>
               </a:rPr>
@@ -27586,9 +28534,6 @@
             </a:r>
             <a:r>
               <a:rPr lang="en-GB" spc="-10" dirty="0">
-                <a:solidFill>
-                  <a:srgbClr val="FF0000"/>
-                </a:solidFill>
                 <a:latin typeface="Times New Roman" panose="02020603050405020304" pitchFamily="18" charset="0"/>
                 <a:cs typeface="Times New Roman" panose="02020603050405020304" pitchFamily="18" charset="0"/>
               </a:rPr>
@@ -29803,7 +30748,7 @@
           <a:p>
             <a:r>
               <a:rPr lang="en-GB" dirty="0"/>
-              <a:t>Quiz Block Cipher </a:t>
+              <a:t>Quiz: Block Cipher </a:t>
             </a:r>
             <a:endParaRPr lang="en-SE" dirty="0"/>
           </a:p>
@@ -29887,34 +30832,6 @@
                 <a:tab pos="354965" algn="l"/>
               </a:tabLst>
             </a:pPr>
-            <a:r>
-              <a:rPr sz="2400" dirty="0">
-                <a:latin typeface="Times New Roman"/>
-                <a:cs typeface="Times New Roman"/>
-              </a:rPr>
-              <a:t>[6</a:t>
-            </a:r>
-            <a:r>
-              <a:rPr sz="2400" spc="-15" dirty="0">
-                <a:latin typeface="Times New Roman"/>
-                <a:cs typeface="Times New Roman"/>
-              </a:rPr>
-              <a:t> </a:t>
-            </a:r>
-            <a:r>
-              <a:rPr sz="2400" dirty="0">
-                <a:latin typeface="Times New Roman"/>
-                <a:cs typeface="Times New Roman"/>
-              </a:rPr>
-              <a:t>points]</a:t>
-            </a:r>
-            <a:r>
-              <a:rPr sz="2400" spc="-20" dirty="0">
-                <a:latin typeface="Times New Roman"/>
-                <a:cs typeface="Times New Roman"/>
-              </a:rPr>
-              <a:t> </a:t>
-            </a:r>
             <a:r>
               <a:rPr sz="2400" dirty="0">
                 <a:latin typeface="Times New Roman"/>
@@ -31969,527 +32886,6 @@
       </p:grpSpPr>
       <p:sp>
         <p:nvSpPr>
-          <p:cNvPr id="2" name="Content Placeholder 1">
-            <a:extLst>
-              <a:ext uri="{FF2B5EF4-FFF2-40B4-BE49-F238E27FC236}">
-                <a16:creationId xmlns:a16="http://schemas.microsoft.com/office/drawing/2014/main" id="{969FB151-384C-9DC5-76A1-FD33648F1CB7}"/>
-              </a:ext>
-            </a:extLst>
-          </p:cNvPr>
-          <p:cNvSpPr>
-            <a:spLocks noGrp="1"/>
-          </p:cNvSpPr>
-          <p:nvPr>
-            <p:ph idx="1"/>
-          </p:nvPr>
-        </p:nvSpPr>
-        <p:spPr>
-          <a:xfrm>
-            <a:off x="838199" y="1724026"/>
-            <a:ext cx="10984455" cy="4870411"/>
-          </a:xfrm>
-        </p:spPr>
-        <p:txBody>
-          <a:bodyPr>
-            <a:normAutofit fontScale="70000" lnSpcReduction="20000"/>
-          </a:bodyPr>
-          <a:lstStyle/>
-          <a:p>
-            <a:pPr marL="355600" marR="436245" indent="-342900">
-              <a:lnSpc>
-                <a:spcPct val="120000"/>
-              </a:lnSpc>
-              <a:spcBef>
-                <a:spcPts val="575"/>
-              </a:spcBef>
-              <a:buAutoNum type="alphaLcParenBoth"/>
-              <a:tabLst>
-                <a:tab pos="355600" algn="l"/>
-                <a:tab pos="425450" algn="l"/>
-              </a:tabLst>
-            </a:pPr>
-            <a:r>
-              <a:rPr lang="en-GB" sz="3100" dirty="0">
-                <a:latin typeface="Times New Roman"/>
-                <a:cs typeface="Times New Roman"/>
-              </a:rPr>
-              <a:t>	Initially assume that CBC is not used. What is the resulting ciphertext?</a:t>
-            </a:r>
-          </a:p>
-          <a:p>
-            <a:pPr marL="12700" marR="436245" indent="0">
-              <a:lnSpc>
-                <a:spcPct val="120000"/>
-              </a:lnSpc>
-              <a:spcBef>
-                <a:spcPts val="575"/>
-              </a:spcBef>
-              <a:buNone/>
-              <a:tabLst>
-                <a:tab pos="355600" algn="l"/>
-                <a:tab pos="425450" algn="l"/>
-              </a:tabLst>
-            </a:pPr>
-            <a:r>
-              <a:rPr lang="en-GB" sz="3100" dirty="0">
-                <a:latin typeface="Times New Roman"/>
-                <a:cs typeface="Times New Roman"/>
-              </a:rPr>
-              <a:t>ANS: Ciphertext for plaintext 100101100 is 011010011, since 100 maps to 011, 101 maps to 010, 100 maps to 011</a:t>
-            </a:r>
-          </a:p>
-          <a:p>
-            <a:pPr marL="12700" marR="436245" indent="0">
-              <a:lnSpc>
-                <a:spcPct val="120000"/>
-              </a:lnSpc>
-              <a:spcBef>
-                <a:spcPts val="575"/>
-              </a:spcBef>
-              <a:buNone/>
-              <a:tabLst>
-                <a:tab pos="355600" algn="l"/>
-                <a:tab pos="425450" algn="l"/>
-              </a:tabLst>
-            </a:pPr>
-            <a:r>
-              <a:rPr lang="en-GB" sz="3100" dirty="0">
-                <a:solidFill>
-                  <a:srgbClr val="011199"/>
-                </a:solidFill>
-                <a:latin typeface="Times New Roman"/>
-                <a:cs typeface="Times New Roman"/>
-              </a:rPr>
-              <a:t>(b) </a:t>
-            </a:r>
-            <a:r>
-              <a:rPr lang="en-GB" sz="3100" dirty="0">
-                <a:latin typeface="Times New Roman"/>
-                <a:cs typeface="Times New Roman"/>
-              </a:rPr>
-              <a:t>Suppose Trudy sniffs the ciphertext. Assuming she knows that a 3-bit block cipher without CBC </a:t>
-            </a:r>
-            <a:r>
-              <a:rPr lang="en-GB" sz="2800" dirty="0">
-                <a:latin typeface="Times New Roman" panose="02020603050405020304" pitchFamily="18" charset="0"/>
-                <a:cs typeface="Times New Roman" panose="02020603050405020304" pitchFamily="18" charset="0"/>
-              </a:rPr>
-              <a:t>is</a:t>
-            </a:r>
-            <a:r>
-              <a:rPr lang="en-GB" sz="2800" spc="-10" dirty="0">
-                <a:latin typeface="Times New Roman" panose="02020603050405020304" pitchFamily="18" charset="0"/>
-                <a:cs typeface="Times New Roman" panose="02020603050405020304" pitchFamily="18" charset="0"/>
-              </a:rPr>
-              <a:t> </a:t>
-            </a:r>
-            <a:r>
-              <a:rPr lang="en-GB" sz="2800" dirty="0">
-                <a:latin typeface="Times New Roman" panose="02020603050405020304" pitchFamily="18" charset="0"/>
-                <a:cs typeface="Times New Roman" panose="02020603050405020304" pitchFamily="18" charset="0"/>
-              </a:rPr>
-              <a:t>being</a:t>
-            </a:r>
-            <a:r>
-              <a:rPr lang="en-GB" sz="2800" spc="-15" dirty="0">
-                <a:latin typeface="Times New Roman" panose="02020603050405020304" pitchFamily="18" charset="0"/>
-                <a:cs typeface="Times New Roman" panose="02020603050405020304" pitchFamily="18" charset="0"/>
-              </a:rPr>
-              <a:t> </a:t>
-            </a:r>
-            <a:r>
-              <a:rPr lang="en-GB" sz="2800" dirty="0">
-                <a:latin typeface="Times New Roman" panose="02020603050405020304" pitchFamily="18" charset="0"/>
-                <a:cs typeface="Times New Roman" panose="02020603050405020304" pitchFamily="18" charset="0"/>
-              </a:rPr>
-              <a:t>employed</a:t>
-            </a:r>
-            <a:r>
-              <a:rPr lang="en-GB" sz="2800" spc="-30" dirty="0">
-                <a:latin typeface="Times New Roman" panose="02020603050405020304" pitchFamily="18" charset="0"/>
-                <a:cs typeface="Times New Roman" panose="02020603050405020304" pitchFamily="18" charset="0"/>
-              </a:rPr>
-              <a:t> </a:t>
-            </a:r>
-            <a:r>
-              <a:rPr lang="en-GB" sz="2800" spc="-20" dirty="0">
-                <a:latin typeface="Times New Roman" panose="02020603050405020304" pitchFamily="18" charset="0"/>
-                <a:cs typeface="Times New Roman" panose="02020603050405020304" pitchFamily="18" charset="0"/>
-              </a:rPr>
-              <a:t>(but </a:t>
-            </a:r>
-            <a:r>
-              <a:rPr lang="en-GB" sz="2800" dirty="0">
-                <a:latin typeface="Times New Roman" panose="02020603050405020304" pitchFamily="18" charset="0"/>
-                <a:cs typeface="Times New Roman" panose="02020603050405020304" pitchFamily="18" charset="0"/>
-              </a:rPr>
-              <a:t>doesn’t</a:t>
-            </a:r>
-            <a:r>
-              <a:rPr lang="en-GB" sz="2800" spc="-40" dirty="0">
-                <a:latin typeface="Times New Roman" panose="02020603050405020304" pitchFamily="18" charset="0"/>
-                <a:cs typeface="Times New Roman" panose="02020603050405020304" pitchFamily="18" charset="0"/>
-              </a:rPr>
-              <a:t> </a:t>
-            </a:r>
-            <a:r>
-              <a:rPr lang="en-GB" sz="2800" dirty="0">
-                <a:latin typeface="Times New Roman" panose="02020603050405020304" pitchFamily="18" charset="0"/>
-                <a:cs typeface="Times New Roman" panose="02020603050405020304" pitchFamily="18" charset="0"/>
-              </a:rPr>
-              <a:t>know</a:t>
-            </a:r>
-            <a:r>
-              <a:rPr lang="en-GB" sz="2800" spc="-20" dirty="0">
-                <a:latin typeface="Times New Roman" panose="02020603050405020304" pitchFamily="18" charset="0"/>
-                <a:cs typeface="Times New Roman" panose="02020603050405020304" pitchFamily="18" charset="0"/>
-              </a:rPr>
-              <a:t> </a:t>
-            </a:r>
-            <a:r>
-              <a:rPr lang="en-GB" sz="2800" dirty="0">
-                <a:latin typeface="Times New Roman" panose="02020603050405020304" pitchFamily="18" charset="0"/>
-                <a:cs typeface="Times New Roman" panose="02020603050405020304" pitchFamily="18" charset="0"/>
-              </a:rPr>
-              <a:t>the</a:t>
-            </a:r>
-            <a:r>
-              <a:rPr lang="en-GB" sz="2800" spc="-35" dirty="0">
-                <a:latin typeface="Times New Roman" panose="02020603050405020304" pitchFamily="18" charset="0"/>
-                <a:cs typeface="Times New Roman" panose="02020603050405020304" pitchFamily="18" charset="0"/>
-              </a:rPr>
-              <a:t> </a:t>
-            </a:r>
-            <a:r>
-              <a:rPr lang="en-GB" sz="2800" dirty="0">
-                <a:latin typeface="Times New Roman" panose="02020603050405020304" pitchFamily="18" charset="0"/>
-                <a:cs typeface="Times New Roman" panose="02020603050405020304" pitchFamily="18" charset="0"/>
-              </a:rPr>
-              <a:t>specific</a:t>
-            </a:r>
-            <a:r>
-              <a:rPr lang="en-GB" sz="2800" spc="-45" dirty="0">
-                <a:latin typeface="Times New Roman" panose="02020603050405020304" pitchFamily="18" charset="0"/>
-                <a:cs typeface="Times New Roman" panose="02020603050405020304" pitchFamily="18" charset="0"/>
-              </a:rPr>
-              <a:t> </a:t>
-            </a:r>
-            <a:r>
-              <a:rPr lang="en-GB" sz="2800" dirty="0">
-                <a:latin typeface="Times New Roman" panose="02020603050405020304" pitchFamily="18" charset="0"/>
-                <a:cs typeface="Times New Roman" panose="02020603050405020304" pitchFamily="18" charset="0"/>
-              </a:rPr>
-              <a:t>cipher),</a:t>
-            </a:r>
-            <a:r>
-              <a:rPr lang="en-GB" sz="2800" spc="-40" dirty="0">
-                <a:latin typeface="Times New Roman" panose="02020603050405020304" pitchFamily="18" charset="0"/>
-                <a:cs typeface="Times New Roman" panose="02020603050405020304" pitchFamily="18" charset="0"/>
-              </a:rPr>
-              <a:t> </a:t>
-            </a:r>
-            <a:r>
-              <a:rPr lang="en-GB" sz="2800" dirty="0">
-                <a:latin typeface="Times New Roman" panose="02020603050405020304" pitchFamily="18" charset="0"/>
-                <a:cs typeface="Times New Roman" panose="02020603050405020304" pitchFamily="18" charset="0"/>
-              </a:rPr>
-              <a:t>what</a:t>
-            </a:r>
-            <a:r>
-              <a:rPr lang="en-GB" sz="2800" spc="-35" dirty="0">
-                <a:latin typeface="Times New Roman" panose="02020603050405020304" pitchFamily="18" charset="0"/>
-                <a:cs typeface="Times New Roman" panose="02020603050405020304" pitchFamily="18" charset="0"/>
-              </a:rPr>
-              <a:t> </a:t>
-            </a:r>
-            <a:r>
-              <a:rPr lang="en-GB" sz="2800" dirty="0">
-                <a:latin typeface="Times New Roman" panose="02020603050405020304" pitchFamily="18" charset="0"/>
-                <a:cs typeface="Times New Roman" panose="02020603050405020304" pitchFamily="18" charset="0"/>
-              </a:rPr>
-              <a:t>can</a:t>
-            </a:r>
-            <a:r>
-              <a:rPr lang="en-GB" sz="2800" spc="-40" dirty="0">
-                <a:latin typeface="Times New Roman" panose="02020603050405020304" pitchFamily="18" charset="0"/>
-                <a:cs typeface="Times New Roman" panose="02020603050405020304" pitchFamily="18" charset="0"/>
-              </a:rPr>
-              <a:t> </a:t>
-            </a:r>
-            <a:r>
-              <a:rPr lang="en-GB" sz="2800" dirty="0">
-                <a:latin typeface="Times New Roman" panose="02020603050405020304" pitchFamily="18" charset="0"/>
-                <a:cs typeface="Times New Roman" panose="02020603050405020304" pitchFamily="18" charset="0"/>
-              </a:rPr>
-              <a:t>she</a:t>
-            </a:r>
-            <a:r>
-              <a:rPr lang="en-GB" sz="2800" spc="-30" dirty="0">
-                <a:latin typeface="Times New Roman" panose="02020603050405020304" pitchFamily="18" charset="0"/>
-                <a:cs typeface="Times New Roman" panose="02020603050405020304" pitchFamily="18" charset="0"/>
-              </a:rPr>
-              <a:t> </a:t>
-            </a:r>
-            <a:r>
-              <a:rPr lang="en-GB" sz="2800" spc="-10" dirty="0">
-                <a:latin typeface="Times New Roman" panose="02020603050405020304" pitchFamily="18" charset="0"/>
-                <a:cs typeface="Times New Roman" panose="02020603050405020304" pitchFamily="18" charset="0"/>
-              </a:rPr>
-              <a:t>surmise?</a:t>
-            </a:r>
-          </a:p>
-          <a:p>
-            <a:pPr marL="12700" marR="5080" indent="0">
-              <a:lnSpc>
-                <a:spcPct val="100000"/>
-              </a:lnSpc>
-              <a:spcBef>
-                <a:spcPts val="575"/>
-              </a:spcBef>
-              <a:buNone/>
-              <a:tabLst>
-                <a:tab pos="355600" algn="l"/>
-                <a:tab pos="443230" algn="l"/>
-              </a:tabLst>
-            </a:pPr>
-            <a:r>
-              <a:rPr lang="en-GB" sz="2800" dirty="0">
-                <a:latin typeface="Times New Roman" panose="02020603050405020304" pitchFamily="18" charset="0"/>
-                <a:cs typeface="Times New Roman" panose="02020603050405020304" pitchFamily="18" charset="0"/>
-              </a:rPr>
-              <a:t>ANS: Without CBC, each identical plaintext block will always map to the same ciphertext block. This makes it easier for Trudy to recognize patterns in repeated blocks of data. If Trudy intercepts enough ciphertexts, she could perform frequency analysis on the blocks. For example, if certain ciphertext blocks appear more frequently, she might guess that they correspond to more common plaintext blocks (like spaces or common letters in text). Or if it is known that the message always starts out with certain predefined fields, then the cryptanalyst may have a number of known plaintext-ciphertext pairs to work with.</a:t>
-            </a:r>
-          </a:p>
-          <a:p>
-            <a:pPr marL="12700" marR="673735" indent="0">
-              <a:lnSpc>
-                <a:spcPct val="100000"/>
-              </a:lnSpc>
-              <a:spcBef>
-                <a:spcPts val="575"/>
-              </a:spcBef>
-              <a:buNone/>
-              <a:tabLst>
-                <a:tab pos="355600" algn="l"/>
-                <a:tab pos="425450" algn="l"/>
-              </a:tabLst>
-            </a:pPr>
-            <a:r>
-              <a:rPr lang="en-GB" dirty="0">
-                <a:solidFill>
-                  <a:srgbClr val="011199"/>
-                </a:solidFill>
-                <a:latin typeface="Times New Roman" panose="02020603050405020304" pitchFamily="18" charset="0"/>
-                <a:cs typeface="Times New Roman" panose="02020603050405020304" pitchFamily="18" charset="0"/>
-              </a:rPr>
-              <a:t>(c) </a:t>
-            </a:r>
-            <a:r>
-              <a:rPr lang="en-GB" sz="2800" dirty="0">
-                <a:latin typeface="Times New Roman" panose="02020603050405020304" pitchFamily="18" charset="0"/>
-                <a:cs typeface="Times New Roman" panose="02020603050405020304" pitchFamily="18" charset="0"/>
-              </a:rPr>
-              <a:t>Now,</a:t>
-            </a:r>
-            <a:r>
-              <a:rPr lang="en-GB" sz="2800" spc="-15" dirty="0">
-                <a:latin typeface="Times New Roman" panose="02020603050405020304" pitchFamily="18" charset="0"/>
-                <a:cs typeface="Times New Roman" panose="02020603050405020304" pitchFamily="18" charset="0"/>
-              </a:rPr>
-              <a:t> </a:t>
-            </a:r>
-            <a:r>
-              <a:rPr lang="en-GB" sz="2800" dirty="0">
-                <a:latin typeface="Times New Roman" panose="02020603050405020304" pitchFamily="18" charset="0"/>
-                <a:cs typeface="Times New Roman" panose="02020603050405020304" pitchFamily="18" charset="0"/>
-              </a:rPr>
-              <a:t>suppose</a:t>
-            </a:r>
-            <a:r>
-              <a:rPr lang="en-GB" sz="2800" spc="-15" dirty="0">
-                <a:latin typeface="Times New Roman" panose="02020603050405020304" pitchFamily="18" charset="0"/>
-                <a:cs typeface="Times New Roman" panose="02020603050405020304" pitchFamily="18" charset="0"/>
-              </a:rPr>
-              <a:t> </a:t>
-            </a:r>
-            <a:r>
-              <a:rPr lang="en-GB" sz="2800" dirty="0">
-                <a:latin typeface="Times New Roman" panose="02020603050405020304" pitchFamily="18" charset="0"/>
-                <a:cs typeface="Times New Roman" panose="02020603050405020304" pitchFamily="18" charset="0"/>
-              </a:rPr>
-              <a:t>that</a:t>
-            </a:r>
-            <a:r>
-              <a:rPr lang="en-GB" sz="2800" spc="-35" dirty="0">
-                <a:latin typeface="Times New Roman" panose="02020603050405020304" pitchFamily="18" charset="0"/>
-                <a:cs typeface="Times New Roman" panose="02020603050405020304" pitchFamily="18" charset="0"/>
-              </a:rPr>
-              <a:t> </a:t>
-            </a:r>
-            <a:r>
-              <a:rPr lang="en-GB" sz="2800" dirty="0">
-                <a:latin typeface="Times New Roman" panose="02020603050405020304" pitchFamily="18" charset="0"/>
-                <a:cs typeface="Times New Roman" panose="02020603050405020304" pitchFamily="18" charset="0"/>
-              </a:rPr>
-              <a:t>CBC</a:t>
-            </a:r>
-            <a:r>
-              <a:rPr lang="en-GB" sz="2800" spc="-25" dirty="0">
-                <a:latin typeface="Times New Roman" panose="02020603050405020304" pitchFamily="18" charset="0"/>
-                <a:cs typeface="Times New Roman" panose="02020603050405020304" pitchFamily="18" charset="0"/>
-              </a:rPr>
-              <a:t> </a:t>
-            </a:r>
-            <a:r>
-              <a:rPr lang="en-GB" sz="2800" dirty="0">
-                <a:latin typeface="Times New Roman" panose="02020603050405020304" pitchFamily="18" charset="0"/>
-                <a:cs typeface="Times New Roman" panose="02020603050405020304" pitchFamily="18" charset="0"/>
-              </a:rPr>
-              <a:t>is</a:t>
-            </a:r>
-            <a:r>
-              <a:rPr lang="en-GB" sz="2800" spc="-15" dirty="0">
-                <a:latin typeface="Times New Roman" panose="02020603050405020304" pitchFamily="18" charset="0"/>
-                <a:cs typeface="Times New Roman" panose="02020603050405020304" pitchFamily="18" charset="0"/>
-              </a:rPr>
-              <a:t> </a:t>
-            </a:r>
-            <a:r>
-              <a:rPr lang="en-GB" sz="2800" dirty="0">
-                <a:latin typeface="Times New Roman" panose="02020603050405020304" pitchFamily="18" charset="0"/>
-                <a:cs typeface="Times New Roman" panose="02020603050405020304" pitchFamily="18" charset="0"/>
-              </a:rPr>
-              <a:t>used</a:t>
-            </a:r>
-            <a:r>
-              <a:rPr lang="en-GB" sz="2800" spc="-25" dirty="0">
-                <a:latin typeface="Times New Roman" panose="02020603050405020304" pitchFamily="18" charset="0"/>
-                <a:cs typeface="Times New Roman" panose="02020603050405020304" pitchFamily="18" charset="0"/>
-              </a:rPr>
-              <a:t> </a:t>
-            </a:r>
-            <a:r>
-              <a:rPr lang="en-GB" sz="2800" dirty="0">
-                <a:latin typeface="Times New Roman" panose="02020603050405020304" pitchFamily="18" charset="0"/>
-                <a:cs typeface="Times New Roman" panose="02020603050405020304" pitchFamily="18" charset="0"/>
-              </a:rPr>
-              <a:t>with</a:t>
-            </a:r>
-            <a:r>
-              <a:rPr lang="en-GB" sz="2800" spc="-20" dirty="0">
-                <a:latin typeface="Times New Roman" panose="02020603050405020304" pitchFamily="18" charset="0"/>
-                <a:cs typeface="Times New Roman" panose="02020603050405020304" pitchFamily="18" charset="0"/>
-              </a:rPr>
-              <a:t> IV=</a:t>
-            </a:r>
-            <a:r>
-              <a:rPr lang="en-GB" sz="2800" dirty="0">
-                <a:latin typeface="Times New Roman" panose="02020603050405020304" pitchFamily="18" charset="0"/>
-                <a:cs typeface="Times New Roman" panose="02020603050405020304" pitchFamily="18" charset="0"/>
-              </a:rPr>
-              <a:t>111.</a:t>
-            </a:r>
-            <a:r>
-              <a:rPr lang="en-GB" sz="2800" spc="-10" dirty="0">
-                <a:latin typeface="Times New Roman" panose="02020603050405020304" pitchFamily="18" charset="0"/>
-                <a:cs typeface="Times New Roman" panose="02020603050405020304" pitchFamily="18" charset="0"/>
-              </a:rPr>
-              <a:t> </a:t>
-            </a:r>
-            <a:r>
-              <a:rPr lang="en-GB" sz="2800" dirty="0">
-                <a:latin typeface="Times New Roman" panose="02020603050405020304" pitchFamily="18" charset="0"/>
-                <a:cs typeface="Times New Roman" panose="02020603050405020304" pitchFamily="18" charset="0"/>
-              </a:rPr>
-              <a:t>What</a:t>
-            </a:r>
-            <a:r>
-              <a:rPr lang="en-GB" sz="2800" spc="-30" dirty="0">
-                <a:latin typeface="Times New Roman" panose="02020603050405020304" pitchFamily="18" charset="0"/>
-                <a:cs typeface="Times New Roman" panose="02020603050405020304" pitchFamily="18" charset="0"/>
-              </a:rPr>
-              <a:t> </a:t>
-            </a:r>
-            <a:r>
-              <a:rPr lang="en-GB" sz="2800" dirty="0">
-                <a:latin typeface="Times New Roman" panose="02020603050405020304" pitchFamily="18" charset="0"/>
-                <a:cs typeface="Times New Roman" panose="02020603050405020304" pitchFamily="18" charset="0"/>
-              </a:rPr>
-              <a:t>is</a:t>
-            </a:r>
-            <a:r>
-              <a:rPr lang="en-GB" sz="2800" spc="-20" dirty="0">
-                <a:latin typeface="Times New Roman" panose="02020603050405020304" pitchFamily="18" charset="0"/>
-                <a:cs typeface="Times New Roman" panose="02020603050405020304" pitchFamily="18" charset="0"/>
-              </a:rPr>
-              <a:t> </a:t>
-            </a:r>
-            <a:r>
-              <a:rPr lang="en-GB" sz="2800" spc="-25" dirty="0">
-                <a:latin typeface="Times New Roman" panose="02020603050405020304" pitchFamily="18" charset="0"/>
-                <a:cs typeface="Times New Roman" panose="02020603050405020304" pitchFamily="18" charset="0"/>
-              </a:rPr>
-              <a:t>the </a:t>
-            </a:r>
-            <a:r>
-              <a:rPr lang="en-GB" sz="2800" dirty="0">
-                <a:latin typeface="Times New Roman" panose="02020603050405020304" pitchFamily="18" charset="0"/>
-                <a:cs typeface="Times New Roman" panose="02020603050405020304" pitchFamily="18" charset="0"/>
-              </a:rPr>
-              <a:t>resulting</a:t>
-            </a:r>
-            <a:r>
-              <a:rPr lang="en-GB" sz="2800" spc="-55" dirty="0">
-                <a:latin typeface="Times New Roman" panose="02020603050405020304" pitchFamily="18" charset="0"/>
-                <a:cs typeface="Times New Roman" panose="02020603050405020304" pitchFamily="18" charset="0"/>
-              </a:rPr>
-              <a:t> </a:t>
-            </a:r>
-            <a:r>
-              <a:rPr lang="en-GB" sz="2800" spc="-10" dirty="0">
-                <a:latin typeface="Times New Roman" panose="02020603050405020304" pitchFamily="18" charset="0"/>
-                <a:cs typeface="Times New Roman" panose="02020603050405020304" pitchFamily="18" charset="0"/>
-              </a:rPr>
-              <a:t>ciphertext?</a:t>
-            </a:r>
-          </a:p>
-          <a:p>
-            <a:pPr marL="12700" marR="673735" indent="0">
-              <a:lnSpc>
-                <a:spcPct val="100000"/>
-              </a:lnSpc>
-              <a:spcBef>
-                <a:spcPts val="575"/>
-              </a:spcBef>
-              <a:buNone/>
-              <a:tabLst>
-                <a:tab pos="355600" algn="l"/>
-                <a:tab pos="425450" algn="l"/>
-              </a:tabLst>
-            </a:pPr>
-            <a:r>
-              <a:rPr lang="en-GB" spc="-10" dirty="0">
-                <a:latin typeface="Times New Roman" panose="02020603050405020304" pitchFamily="18" charset="0"/>
-                <a:cs typeface="Times New Roman" panose="02020603050405020304" pitchFamily="18" charset="0"/>
-              </a:rPr>
-              <a:t>ANS:  </a:t>
-            </a:r>
-            <a:r>
-              <a:rPr lang="en-GB" dirty="0">
-                <a:latin typeface="Times New Roman" panose="02020603050405020304" pitchFamily="18" charset="0"/>
-                <a:cs typeface="Times New Roman" panose="02020603050405020304" pitchFamily="18" charset="0"/>
-              </a:rPr>
-              <a:t>With CBC and IV = 111, resulting ciphertext for plaintext 100101100 is 100111100. See next page.</a:t>
-            </a:r>
-            <a:endParaRPr lang="en-SE" dirty="0">
-              <a:latin typeface="Times New Roman" panose="02020603050405020304" pitchFamily="18" charset="0"/>
-              <a:cs typeface="Times New Roman" panose="02020603050405020304" pitchFamily="18" charset="0"/>
-            </a:endParaRPr>
-          </a:p>
-        </p:txBody>
-      </p:sp>
-      <p:sp>
-        <p:nvSpPr>
           <p:cNvPr id="3" name="Title 2">
             <a:extLst>
               <a:ext uri="{FF2B5EF4-FFF2-40B4-BE49-F238E27FC236}">
@@ -32511,7 +32907,7 @@
           <a:p>
             <a:r>
               <a:rPr lang="en-GB" dirty="0"/>
-              <a:t>Quiz Block Cipher ANS</a:t>
+              <a:t>Quiz: Block Cipher ANS</a:t>
             </a:r>
             <a:endParaRPr lang="en-SE" dirty="0"/>
           </a:p>
@@ -32566,7 +32962,7 @@
           <p:nvPr>
             <p:extLst>
               <p:ext uri="{D42A27DB-BD31-4B8C-83A1-F6EECF244321}">
-                <p14:modId xmlns:p14="http://schemas.microsoft.com/office/powerpoint/2010/main" val="2340903799"/>
+                <p14:modId xmlns:p14="http://schemas.microsoft.com/office/powerpoint/2010/main" val="3839730182"/>
               </p:ext>
             </p:extLst>
           </p:nvPr>
@@ -32909,12 +33305,18 @@
                       </a:pPr>
                       <a:r>
                         <a:rPr sz="2400" spc="-25" dirty="0">
+                          <a:solidFill>
+                            <a:srgbClr val="FF0000"/>
+                          </a:solidFill>
                           <a:latin typeface="Times New Roman"/>
                           <a:cs typeface="Times New Roman"/>
                         </a:rPr>
                         <a:t>100</a:t>
                       </a:r>
-                      <a:endParaRPr sz="2400">
+                      <a:endParaRPr sz="2400" dirty="0">
+                        <a:solidFill>
+                          <a:srgbClr val="FF0000"/>
+                        </a:solidFill>
                         <a:latin typeface="Times New Roman"/>
                         <a:cs typeface="Times New Roman"/>
                       </a:endParaRPr>
@@ -32959,12 +33361,18 @@
                       </a:pPr>
                       <a:r>
                         <a:rPr sz="2400" spc="-25" dirty="0">
+                          <a:solidFill>
+                            <a:srgbClr val="FF0000"/>
+                          </a:solidFill>
                           <a:latin typeface="Times New Roman"/>
                           <a:cs typeface="Times New Roman"/>
                         </a:rPr>
                         <a:t>101</a:t>
                       </a:r>
                       <a:endParaRPr sz="2400">
+                        <a:solidFill>
+                          <a:srgbClr val="FF0000"/>
+                        </a:solidFill>
                         <a:latin typeface="Times New Roman"/>
                         <a:cs typeface="Times New Roman"/>
                       </a:endParaRPr>
@@ -33169,7 +33577,14 @@
                           <a:latin typeface="Times New Roman"/>
                           <a:cs typeface="Times New Roman"/>
                         </a:rPr>
-                        <a:t>110</a:t>
+                        <a:t>11</a:t>
+                      </a:r>
+                      <a:r>
+                        <a:rPr lang="en-GB" sz="2400" spc="-25" dirty="0">
+                          <a:latin typeface="Times New Roman"/>
+                          <a:cs typeface="Times New Roman"/>
+                        </a:rPr>
+                        <a:t>1</a:t>
                       </a:r>
                       <a:endParaRPr sz="2400" dirty="0">
                         <a:latin typeface="Times New Roman"/>
@@ -33219,9 +33634,23 @@
                           <a:latin typeface="Times New Roman"/>
                           <a:cs typeface="Times New Roman"/>
                         </a:rPr>
-                        <a:t>111</a:t>
+                        <a:t>1</a:t>
                       </a:r>
-                      <a:endParaRPr sz="2400">
+                      <a:r>
+                        <a:rPr lang="en-SE" sz="2400" spc="-25" dirty="0">
+                          <a:latin typeface="Times New Roman"/>
+                          <a:cs typeface="Times New Roman"/>
+                        </a:rPr>
+                        <a:t>1</a:t>
+                      </a:r>
+                      <a:r>
+                        <a:rPr lang="en-GB" sz="2400" spc="-25" dirty="0">
+                          <a:latin typeface="Times New Roman"/>
+                          <a:cs typeface="Times New Roman"/>
+                        </a:rPr>
+                        <a:t>0</a:t>
+                      </a:r>
+                      <a:endParaRPr sz="2400" dirty="0">
                         <a:latin typeface="Times New Roman"/>
                         <a:cs typeface="Times New Roman"/>
                       </a:endParaRPr>
@@ -33319,9 +33748,16 @@
                           <a:latin typeface="Times New Roman"/>
                           <a:cs typeface="Times New Roman"/>
                         </a:rPr>
-                        <a:t>100</a:t>
+                        <a:t>1</a:t>
                       </a:r>
-                      <a:endParaRPr sz="2400">
+                      <a:r>
+                        <a:rPr lang="en-SE" sz="2400" spc="-25" dirty="0">
+                          <a:latin typeface="Times New Roman"/>
+                          <a:cs typeface="Times New Roman"/>
+                        </a:rPr>
+                        <a:t>00</a:t>
+                      </a:r>
+                      <a:endParaRPr sz="2400" dirty="0">
                         <a:latin typeface="Times New Roman"/>
                         <a:cs typeface="Times New Roman"/>
                       </a:endParaRPr>
@@ -33366,12 +33802,18 @@
                       </a:pPr>
                       <a:r>
                         <a:rPr sz="2400" spc="-25" dirty="0">
+                          <a:solidFill>
+                            <a:srgbClr val="FF0000"/>
+                          </a:solidFill>
                           <a:latin typeface="Times New Roman"/>
                           <a:cs typeface="Times New Roman"/>
                         </a:rPr>
                         <a:t>011</a:t>
                       </a:r>
-                      <a:endParaRPr sz="2400">
+                      <a:endParaRPr sz="2400" dirty="0">
+                        <a:solidFill>
+                          <a:srgbClr val="FF0000"/>
+                        </a:solidFill>
                         <a:latin typeface="Times New Roman"/>
                         <a:cs typeface="Times New Roman"/>
                       </a:endParaRPr>
@@ -33416,12 +33858,18 @@
                       </a:pPr>
                       <a:r>
                         <a:rPr sz="2400" spc="-25" dirty="0">
+                          <a:solidFill>
+                            <a:srgbClr val="FF0000"/>
+                          </a:solidFill>
                           <a:latin typeface="Times New Roman"/>
                           <a:cs typeface="Times New Roman"/>
                         </a:rPr>
                         <a:t>010</a:t>
                       </a:r>
-                      <a:endParaRPr sz="2400">
+                      <a:endParaRPr sz="2400" dirty="0">
+                        <a:solidFill>
+                          <a:srgbClr val="FF0000"/>
+                        </a:solidFill>
                         <a:latin typeface="Times New Roman"/>
                         <a:cs typeface="Times New Roman"/>
                       </a:endParaRPr>
@@ -33564,6 +34012,827 @@
           </a:graphicData>
         </a:graphic>
       </p:graphicFrame>
+      <p:pic>
+        <p:nvPicPr>
+          <p:cNvPr id="7" name="Picture 6">
+            <a:extLst>
+              <a:ext uri="{FF2B5EF4-FFF2-40B4-BE49-F238E27FC236}">
+                <a16:creationId xmlns:a16="http://schemas.microsoft.com/office/drawing/2014/main" id="{CF7EFC38-5BC0-DD94-70D1-83C391E30262}"/>
+              </a:ext>
+            </a:extLst>
+          </p:cNvPr>
+          <p:cNvPicPr>
+            <a:picLocks noChangeAspect="1"/>
+          </p:cNvPicPr>
+          <p:nvPr/>
+        </p:nvPicPr>
+        <p:blipFill>
+          <a:blip r:embed="rId3"/>
+          <a:stretch>
+            <a:fillRect/>
+          </a:stretch>
+        </p:blipFill>
+        <p:spPr>
+          <a:xfrm>
+            <a:off x="6234546" y="1804044"/>
+            <a:ext cx="5936612" cy="1179151"/>
+          </a:xfrm>
+          <a:prstGeom prst="rect">
+            <a:avLst/>
+          </a:prstGeom>
+        </p:spPr>
+      </p:pic>
+      <p:sp>
+        <p:nvSpPr>
+          <p:cNvPr id="2" name="Content Placeholder 1">
+            <a:extLst>
+              <a:ext uri="{FF2B5EF4-FFF2-40B4-BE49-F238E27FC236}">
+                <a16:creationId xmlns:a16="http://schemas.microsoft.com/office/drawing/2014/main" id="{969FB151-384C-9DC5-76A1-FD33648F1CB7}"/>
+              </a:ext>
+            </a:extLst>
+          </p:cNvPr>
+          <p:cNvSpPr>
+            <a:spLocks noGrp="1"/>
+          </p:cNvSpPr>
+          <p:nvPr>
+            <p:ph idx="1"/>
+          </p:nvPr>
+        </p:nvSpPr>
+        <p:spPr>
+          <a:xfrm>
+            <a:off x="138955" y="1346444"/>
+            <a:ext cx="6563181" cy="5247994"/>
+          </a:xfrm>
+        </p:spPr>
+        <p:txBody>
+          <a:bodyPr>
+            <a:normAutofit fontScale="92500" lnSpcReduction="10000"/>
+          </a:bodyPr>
+          <a:lstStyle/>
+          <a:p>
+            <a:pPr marL="355600" marR="436245" indent="-342900">
+              <a:lnSpc>
+                <a:spcPct val="120000"/>
+              </a:lnSpc>
+              <a:spcBef>
+                <a:spcPts val="575"/>
+              </a:spcBef>
+              <a:buAutoNum type="alphaLcParenBoth"/>
+              <a:tabLst>
+                <a:tab pos="355600" algn="l"/>
+                <a:tab pos="425450" algn="l"/>
+              </a:tabLst>
+            </a:pPr>
+            <a:r>
+              <a:rPr lang="en-GB" sz="1800" dirty="0">
+                <a:latin typeface="Times New Roman"/>
+                <a:cs typeface="Times New Roman"/>
+              </a:rPr>
+              <a:t>Initially assume that CBC is not used. What is the resulting ciphertext?</a:t>
+            </a:r>
+          </a:p>
+          <a:p>
+            <a:pPr marL="12700" marR="436245" indent="0">
+              <a:lnSpc>
+                <a:spcPct val="120000"/>
+              </a:lnSpc>
+              <a:spcBef>
+                <a:spcPts val="575"/>
+              </a:spcBef>
+              <a:buNone/>
+              <a:tabLst>
+                <a:tab pos="355600" algn="l"/>
+                <a:tab pos="425450" algn="l"/>
+              </a:tabLst>
+            </a:pPr>
+            <a:r>
+              <a:rPr lang="en-GB" sz="1800" dirty="0">
+                <a:latin typeface="Times New Roman"/>
+                <a:cs typeface="Times New Roman"/>
+              </a:rPr>
+              <a:t>ANS: Ciphertext for plaintext 100101100 is 011010011, since 100 maps to 011, 101 maps to 010, 100 maps to 011</a:t>
+            </a:r>
+          </a:p>
+          <a:p>
+            <a:pPr marL="12700" marR="436245" indent="0">
+              <a:lnSpc>
+                <a:spcPct val="120000"/>
+              </a:lnSpc>
+              <a:spcBef>
+                <a:spcPts val="575"/>
+              </a:spcBef>
+              <a:buNone/>
+              <a:tabLst>
+                <a:tab pos="355600" algn="l"/>
+                <a:tab pos="425450" algn="l"/>
+              </a:tabLst>
+            </a:pPr>
+            <a:r>
+              <a:rPr lang="en-GB" sz="1800" dirty="0">
+                <a:solidFill>
+                  <a:srgbClr val="011199"/>
+                </a:solidFill>
+                <a:latin typeface="Times New Roman"/>
+                <a:cs typeface="Times New Roman"/>
+              </a:rPr>
+              <a:t>(b) </a:t>
+            </a:r>
+            <a:r>
+              <a:rPr lang="en-GB" sz="1800" dirty="0">
+                <a:latin typeface="Times New Roman"/>
+                <a:cs typeface="Times New Roman"/>
+              </a:rPr>
+              <a:t>Suppose Trudy sniffs the ciphertext. Assuming she knows that a 3-bit block cipher without CBC </a:t>
+            </a:r>
+            <a:r>
+              <a:rPr lang="en-GB" sz="1600" dirty="0">
+                <a:latin typeface="Times New Roman" panose="02020603050405020304" pitchFamily="18" charset="0"/>
+                <a:cs typeface="Times New Roman" panose="02020603050405020304" pitchFamily="18" charset="0"/>
+              </a:rPr>
+              <a:t>is</a:t>
+            </a:r>
+            <a:r>
+              <a:rPr lang="en-GB" sz="1600" spc="-10" dirty="0">
+                <a:latin typeface="Times New Roman" panose="02020603050405020304" pitchFamily="18" charset="0"/>
+                <a:cs typeface="Times New Roman" panose="02020603050405020304" pitchFamily="18" charset="0"/>
+              </a:rPr>
+              <a:t> </a:t>
+            </a:r>
+            <a:r>
+              <a:rPr lang="en-GB" sz="1600" dirty="0">
+                <a:latin typeface="Times New Roman" panose="02020603050405020304" pitchFamily="18" charset="0"/>
+                <a:cs typeface="Times New Roman" panose="02020603050405020304" pitchFamily="18" charset="0"/>
+              </a:rPr>
+              <a:t>being</a:t>
+            </a:r>
+            <a:r>
+              <a:rPr lang="en-GB" sz="1600" spc="-15" dirty="0">
+                <a:latin typeface="Times New Roman" panose="02020603050405020304" pitchFamily="18" charset="0"/>
+                <a:cs typeface="Times New Roman" panose="02020603050405020304" pitchFamily="18" charset="0"/>
+              </a:rPr>
+              <a:t> </a:t>
+            </a:r>
+            <a:r>
+              <a:rPr lang="en-GB" sz="1600" dirty="0">
+                <a:latin typeface="Times New Roman" panose="02020603050405020304" pitchFamily="18" charset="0"/>
+                <a:cs typeface="Times New Roman" panose="02020603050405020304" pitchFamily="18" charset="0"/>
+              </a:rPr>
+              <a:t>employed</a:t>
+            </a:r>
+            <a:r>
+              <a:rPr lang="en-GB" sz="1600" spc="-30" dirty="0">
+                <a:latin typeface="Times New Roman" panose="02020603050405020304" pitchFamily="18" charset="0"/>
+                <a:cs typeface="Times New Roman" panose="02020603050405020304" pitchFamily="18" charset="0"/>
+              </a:rPr>
+              <a:t> </a:t>
+            </a:r>
+            <a:r>
+              <a:rPr lang="en-GB" sz="1600" spc="-20" dirty="0">
+                <a:latin typeface="Times New Roman" panose="02020603050405020304" pitchFamily="18" charset="0"/>
+                <a:cs typeface="Times New Roman" panose="02020603050405020304" pitchFamily="18" charset="0"/>
+              </a:rPr>
+              <a:t>(but </a:t>
+            </a:r>
+            <a:r>
+              <a:rPr lang="en-GB" sz="1600" dirty="0">
+                <a:latin typeface="Times New Roman" panose="02020603050405020304" pitchFamily="18" charset="0"/>
+                <a:cs typeface="Times New Roman" panose="02020603050405020304" pitchFamily="18" charset="0"/>
+              </a:rPr>
+              <a:t>doesn’t</a:t>
+            </a:r>
+            <a:r>
+              <a:rPr lang="en-GB" sz="1600" spc="-40" dirty="0">
+                <a:latin typeface="Times New Roman" panose="02020603050405020304" pitchFamily="18" charset="0"/>
+                <a:cs typeface="Times New Roman" panose="02020603050405020304" pitchFamily="18" charset="0"/>
+              </a:rPr>
+              <a:t> </a:t>
+            </a:r>
+            <a:r>
+              <a:rPr lang="en-GB" sz="1600" dirty="0">
+                <a:latin typeface="Times New Roman" panose="02020603050405020304" pitchFamily="18" charset="0"/>
+                <a:cs typeface="Times New Roman" panose="02020603050405020304" pitchFamily="18" charset="0"/>
+              </a:rPr>
+              <a:t>know</a:t>
+            </a:r>
+            <a:r>
+              <a:rPr lang="en-GB" sz="1600" spc="-20" dirty="0">
+                <a:latin typeface="Times New Roman" panose="02020603050405020304" pitchFamily="18" charset="0"/>
+                <a:cs typeface="Times New Roman" panose="02020603050405020304" pitchFamily="18" charset="0"/>
+              </a:rPr>
+              <a:t> </a:t>
+            </a:r>
+            <a:r>
+              <a:rPr lang="en-GB" sz="1600" dirty="0">
+                <a:latin typeface="Times New Roman" panose="02020603050405020304" pitchFamily="18" charset="0"/>
+                <a:cs typeface="Times New Roman" panose="02020603050405020304" pitchFamily="18" charset="0"/>
+              </a:rPr>
+              <a:t>the</a:t>
+            </a:r>
+            <a:r>
+              <a:rPr lang="en-GB" sz="1600" spc="-35" dirty="0">
+                <a:latin typeface="Times New Roman" panose="02020603050405020304" pitchFamily="18" charset="0"/>
+                <a:cs typeface="Times New Roman" panose="02020603050405020304" pitchFamily="18" charset="0"/>
+              </a:rPr>
+              <a:t> </a:t>
+            </a:r>
+            <a:r>
+              <a:rPr lang="en-GB" sz="1600" dirty="0">
+                <a:latin typeface="Times New Roman" panose="02020603050405020304" pitchFamily="18" charset="0"/>
+                <a:cs typeface="Times New Roman" panose="02020603050405020304" pitchFamily="18" charset="0"/>
+              </a:rPr>
+              <a:t>specific</a:t>
+            </a:r>
+            <a:r>
+              <a:rPr lang="en-GB" sz="1600" spc="-45" dirty="0">
+                <a:latin typeface="Times New Roman" panose="02020603050405020304" pitchFamily="18" charset="0"/>
+                <a:cs typeface="Times New Roman" panose="02020603050405020304" pitchFamily="18" charset="0"/>
+              </a:rPr>
+              <a:t> </a:t>
+            </a:r>
+            <a:r>
+              <a:rPr lang="en-GB" sz="1600" dirty="0">
+                <a:latin typeface="Times New Roman" panose="02020603050405020304" pitchFamily="18" charset="0"/>
+                <a:cs typeface="Times New Roman" panose="02020603050405020304" pitchFamily="18" charset="0"/>
+              </a:rPr>
+              <a:t>cipher),</a:t>
+            </a:r>
+            <a:r>
+              <a:rPr lang="en-GB" sz="1600" spc="-40" dirty="0">
+                <a:latin typeface="Times New Roman" panose="02020603050405020304" pitchFamily="18" charset="0"/>
+                <a:cs typeface="Times New Roman" panose="02020603050405020304" pitchFamily="18" charset="0"/>
+              </a:rPr>
+              <a:t> </a:t>
+            </a:r>
+            <a:r>
+              <a:rPr lang="en-GB" sz="1600" dirty="0">
+                <a:latin typeface="Times New Roman" panose="02020603050405020304" pitchFamily="18" charset="0"/>
+                <a:cs typeface="Times New Roman" panose="02020603050405020304" pitchFamily="18" charset="0"/>
+              </a:rPr>
+              <a:t>what</a:t>
+            </a:r>
+            <a:r>
+              <a:rPr lang="en-GB" sz="1600" spc="-35" dirty="0">
+                <a:latin typeface="Times New Roman" panose="02020603050405020304" pitchFamily="18" charset="0"/>
+                <a:cs typeface="Times New Roman" panose="02020603050405020304" pitchFamily="18" charset="0"/>
+              </a:rPr>
+              <a:t> </a:t>
+            </a:r>
+            <a:r>
+              <a:rPr lang="en-GB" sz="1600" dirty="0">
+                <a:latin typeface="Times New Roman" panose="02020603050405020304" pitchFamily="18" charset="0"/>
+                <a:cs typeface="Times New Roman" panose="02020603050405020304" pitchFamily="18" charset="0"/>
+              </a:rPr>
+              <a:t>can</a:t>
+            </a:r>
+            <a:r>
+              <a:rPr lang="en-GB" sz="1600" spc="-40" dirty="0">
+                <a:latin typeface="Times New Roman" panose="02020603050405020304" pitchFamily="18" charset="0"/>
+                <a:cs typeface="Times New Roman" panose="02020603050405020304" pitchFamily="18" charset="0"/>
+              </a:rPr>
+              <a:t> </a:t>
+            </a:r>
+            <a:r>
+              <a:rPr lang="en-GB" sz="1600" dirty="0">
+                <a:latin typeface="Times New Roman" panose="02020603050405020304" pitchFamily="18" charset="0"/>
+                <a:cs typeface="Times New Roman" panose="02020603050405020304" pitchFamily="18" charset="0"/>
+              </a:rPr>
+              <a:t>she</a:t>
+            </a:r>
+            <a:r>
+              <a:rPr lang="en-GB" sz="1600" spc="-30" dirty="0">
+                <a:latin typeface="Times New Roman" panose="02020603050405020304" pitchFamily="18" charset="0"/>
+                <a:cs typeface="Times New Roman" panose="02020603050405020304" pitchFamily="18" charset="0"/>
+              </a:rPr>
+              <a:t> </a:t>
+            </a:r>
+            <a:r>
+              <a:rPr lang="en-GB" sz="1600" spc="-10" dirty="0">
+                <a:latin typeface="Times New Roman" panose="02020603050405020304" pitchFamily="18" charset="0"/>
+                <a:cs typeface="Times New Roman" panose="02020603050405020304" pitchFamily="18" charset="0"/>
+              </a:rPr>
+              <a:t>surmise?</a:t>
+            </a:r>
+          </a:p>
+          <a:p>
+            <a:pPr marL="12700" marR="5080" indent="0">
+              <a:lnSpc>
+                <a:spcPct val="100000"/>
+              </a:lnSpc>
+              <a:spcBef>
+                <a:spcPts val="575"/>
+              </a:spcBef>
+              <a:buNone/>
+              <a:tabLst>
+                <a:tab pos="355600" algn="l"/>
+                <a:tab pos="443230" algn="l"/>
+              </a:tabLst>
+            </a:pPr>
+            <a:r>
+              <a:rPr lang="en-GB" sz="1600" dirty="0">
+                <a:latin typeface="Times New Roman" panose="02020603050405020304" pitchFamily="18" charset="0"/>
+                <a:cs typeface="Times New Roman" panose="02020603050405020304" pitchFamily="18" charset="0"/>
+              </a:rPr>
+              <a:t>ANS: Without CBC, each identical plaintext block will always map to the same ciphertext block. This makes it easier for Trudy to recognize patterns in repeated blocks of data. If Trudy intercepts enough ciphertexts, she could perform frequency analysis on the blocks. For example, if certain ciphertext blocks appear more frequently, she might guess that they correspond to more common plaintext blocks (like spaces or common letters in text). Or if it is known that the message always starts out with certain predefined fields, then the cryptanalyst may have a number of known plaintext-ciphertext pairs to work with.</a:t>
+            </a:r>
+          </a:p>
+          <a:p>
+            <a:pPr marL="12700" marR="673735" indent="0">
+              <a:lnSpc>
+                <a:spcPct val="100000"/>
+              </a:lnSpc>
+              <a:spcBef>
+                <a:spcPts val="575"/>
+              </a:spcBef>
+              <a:buNone/>
+              <a:tabLst>
+                <a:tab pos="355600" algn="l"/>
+                <a:tab pos="425450" algn="l"/>
+              </a:tabLst>
+            </a:pPr>
+            <a:r>
+              <a:rPr lang="en-GB" sz="1600" dirty="0">
+                <a:solidFill>
+                  <a:srgbClr val="011199"/>
+                </a:solidFill>
+                <a:latin typeface="Times New Roman" panose="02020603050405020304" pitchFamily="18" charset="0"/>
+                <a:cs typeface="Times New Roman" panose="02020603050405020304" pitchFamily="18" charset="0"/>
+              </a:rPr>
+              <a:t>(c) </a:t>
+            </a:r>
+            <a:r>
+              <a:rPr lang="en-GB" sz="1600" dirty="0">
+                <a:latin typeface="Times New Roman" panose="02020603050405020304" pitchFamily="18" charset="0"/>
+                <a:cs typeface="Times New Roman" panose="02020603050405020304" pitchFamily="18" charset="0"/>
+              </a:rPr>
+              <a:t>Now,</a:t>
+            </a:r>
+            <a:r>
+              <a:rPr lang="en-GB" sz="1600" spc="-15" dirty="0">
+                <a:latin typeface="Times New Roman" panose="02020603050405020304" pitchFamily="18" charset="0"/>
+                <a:cs typeface="Times New Roman" panose="02020603050405020304" pitchFamily="18" charset="0"/>
+              </a:rPr>
+              <a:t> </a:t>
+            </a:r>
+            <a:r>
+              <a:rPr lang="en-GB" sz="1600" dirty="0">
+                <a:latin typeface="Times New Roman" panose="02020603050405020304" pitchFamily="18" charset="0"/>
+                <a:cs typeface="Times New Roman" panose="02020603050405020304" pitchFamily="18" charset="0"/>
+              </a:rPr>
+              <a:t>suppose</a:t>
+            </a:r>
+            <a:r>
+              <a:rPr lang="en-GB" sz="1600" spc="-15" dirty="0">
+                <a:latin typeface="Times New Roman" panose="02020603050405020304" pitchFamily="18" charset="0"/>
+                <a:cs typeface="Times New Roman" panose="02020603050405020304" pitchFamily="18" charset="0"/>
+              </a:rPr>
+              <a:t> </a:t>
+            </a:r>
+            <a:r>
+              <a:rPr lang="en-GB" sz="1600" dirty="0">
+                <a:latin typeface="Times New Roman" panose="02020603050405020304" pitchFamily="18" charset="0"/>
+                <a:cs typeface="Times New Roman" panose="02020603050405020304" pitchFamily="18" charset="0"/>
+              </a:rPr>
+              <a:t>that</a:t>
+            </a:r>
+            <a:r>
+              <a:rPr lang="en-GB" sz="1600" spc="-35" dirty="0">
+                <a:latin typeface="Times New Roman" panose="02020603050405020304" pitchFamily="18" charset="0"/>
+                <a:cs typeface="Times New Roman" panose="02020603050405020304" pitchFamily="18" charset="0"/>
+              </a:rPr>
+              <a:t> </a:t>
+            </a:r>
+            <a:r>
+              <a:rPr lang="en-GB" sz="1600" dirty="0">
+                <a:latin typeface="Times New Roman" panose="02020603050405020304" pitchFamily="18" charset="0"/>
+                <a:cs typeface="Times New Roman" panose="02020603050405020304" pitchFamily="18" charset="0"/>
+              </a:rPr>
+              <a:t>CBC</a:t>
+            </a:r>
+            <a:r>
+              <a:rPr lang="en-GB" sz="1600" spc="-25" dirty="0">
+                <a:latin typeface="Times New Roman" panose="02020603050405020304" pitchFamily="18" charset="0"/>
+                <a:cs typeface="Times New Roman" panose="02020603050405020304" pitchFamily="18" charset="0"/>
+              </a:rPr>
+              <a:t> </a:t>
+            </a:r>
+            <a:r>
+              <a:rPr lang="en-GB" sz="1600" dirty="0">
+                <a:latin typeface="Times New Roman" panose="02020603050405020304" pitchFamily="18" charset="0"/>
+                <a:cs typeface="Times New Roman" panose="02020603050405020304" pitchFamily="18" charset="0"/>
+              </a:rPr>
+              <a:t>is</a:t>
+            </a:r>
+            <a:r>
+              <a:rPr lang="en-GB" sz="1600" spc="-15" dirty="0">
+                <a:latin typeface="Times New Roman" panose="02020603050405020304" pitchFamily="18" charset="0"/>
+                <a:cs typeface="Times New Roman" panose="02020603050405020304" pitchFamily="18" charset="0"/>
+              </a:rPr>
+              <a:t> </a:t>
+            </a:r>
+            <a:r>
+              <a:rPr lang="en-GB" sz="1600" dirty="0">
+                <a:latin typeface="Times New Roman" panose="02020603050405020304" pitchFamily="18" charset="0"/>
+                <a:cs typeface="Times New Roman" panose="02020603050405020304" pitchFamily="18" charset="0"/>
+              </a:rPr>
+              <a:t>used</a:t>
+            </a:r>
+            <a:r>
+              <a:rPr lang="en-GB" sz="1600" spc="-25" dirty="0">
+                <a:latin typeface="Times New Roman" panose="02020603050405020304" pitchFamily="18" charset="0"/>
+                <a:cs typeface="Times New Roman" panose="02020603050405020304" pitchFamily="18" charset="0"/>
+              </a:rPr>
+              <a:t> </a:t>
+            </a:r>
+            <a:r>
+              <a:rPr lang="en-GB" sz="1600" dirty="0">
+                <a:latin typeface="Times New Roman" panose="02020603050405020304" pitchFamily="18" charset="0"/>
+                <a:cs typeface="Times New Roman" panose="02020603050405020304" pitchFamily="18" charset="0"/>
+              </a:rPr>
+              <a:t>with</a:t>
+            </a:r>
+            <a:r>
+              <a:rPr lang="en-GB" sz="1600" spc="-20" dirty="0">
+                <a:latin typeface="Times New Roman" panose="02020603050405020304" pitchFamily="18" charset="0"/>
+                <a:cs typeface="Times New Roman" panose="02020603050405020304" pitchFamily="18" charset="0"/>
+              </a:rPr>
+              <a:t> IV=</a:t>
+            </a:r>
+            <a:r>
+              <a:rPr lang="en-GB" sz="1600" dirty="0">
+                <a:latin typeface="Times New Roman" panose="02020603050405020304" pitchFamily="18" charset="0"/>
+                <a:cs typeface="Times New Roman" panose="02020603050405020304" pitchFamily="18" charset="0"/>
+              </a:rPr>
+              <a:t>111.</a:t>
+            </a:r>
+            <a:r>
+              <a:rPr lang="en-GB" sz="1600" spc="-10" dirty="0">
+                <a:latin typeface="Times New Roman" panose="02020603050405020304" pitchFamily="18" charset="0"/>
+                <a:cs typeface="Times New Roman" panose="02020603050405020304" pitchFamily="18" charset="0"/>
+              </a:rPr>
+              <a:t> </a:t>
+            </a:r>
+            <a:r>
+              <a:rPr lang="en-GB" sz="1600" dirty="0">
+                <a:latin typeface="Times New Roman" panose="02020603050405020304" pitchFamily="18" charset="0"/>
+                <a:cs typeface="Times New Roman" panose="02020603050405020304" pitchFamily="18" charset="0"/>
+              </a:rPr>
+              <a:t>What</a:t>
+            </a:r>
+            <a:r>
+              <a:rPr lang="en-GB" sz="1600" spc="-30" dirty="0">
+                <a:latin typeface="Times New Roman" panose="02020603050405020304" pitchFamily="18" charset="0"/>
+                <a:cs typeface="Times New Roman" panose="02020603050405020304" pitchFamily="18" charset="0"/>
+              </a:rPr>
+              <a:t> </a:t>
+            </a:r>
+            <a:r>
+              <a:rPr lang="en-GB" sz="1600" dirty="0">
+                <a:latin typeface="Times New Roman" panose="02020603050405020304" pitchFamily="18" charset="0"/>
+                <a:cs typeface="Times New Roman" panose="02020603050405020304" pitchFamily="18" charset="0"/>
+              </a:rPr>
+              <a:t>is</a:t>
+            </a:r>
+            <a:r>
+              <a:rPr lang="en-GB" sz="1600" spc="-20" dirty="0">
+                <a:latin typeface="Times New Roman" panose="02020603050405020304" pitchFamily="18" charset="0"/>
+                <a:cs typeface="Times New Roman" panose="02020603050405020304" pitchFamily="18" charset="0"/>
+              </a:rPr>
+              <a:t> </a:t>
+            </a:r>
+            <a:r>
+              <a:rPr lang="en-GB" sz="1600" spc="-25" dirty="0">
+                <a:latin typeface="Times New Roman" panose="02020603050405020304" pitchFamily="18" charset="0"/>
+                <a:cs typeface="Times New Roman" panose="02020603050405020304" pitchFamily="18" charset="0"/>
+              </a:rPr>
+              <a:t>the </a:t>
+            </a:r>
+            <a:r>
+              <a:rPr lang="en-GB" sz="1600" dirty="0">
+                <a:latin typeface="Times New Roman" panose="02020603050405020304" pitchFamily="18" charset="0"/>
+                <a:cs typeface="Times New Roman" panose="02020603050405020304" pitchFamily="18" charset="0"/>
+              </a:rPr>
+              <a:t>resulting</a:t>
+            </a:r>
+            <a:r>
+              <a:rPr lang="en-GB" sz="1600" spc="-55" dirty="0">
+                <a:latin typeface="Times New Roman" panose="02020603050405020304" pitchFamily="18" charset="0"/>
+                <a:cs typeface="Times New Roman" panose="02020603050405020304" pitchFamily="18" charset="0"/>
+              </a:rPr>
+              <a:t> </a:t>
+            </a:r>
+            <a:r>
+              <a:rPr lang="en-GB" sz="1600" spc="-10" dirty="0">
+                <a:latin typeface="Times New Roman" panose="02020603050405020304" pitchFamily="18" charset="0"/>
+                <a:cs typeface="Times New Roman" panose="02020603050405020304" pitchFamily="18" charset="0"/>
+              </a:rPr>
+              <a:t>ciphertext?</a:t>
+            </a:r>
+          </a:p>
+          <a:p>
+            <a:pPr marL="12700" marR="673735" indent="0">
+              <a:lnSpc>
+                <a:spcPct val="100000"/>
+              </a:lnSpc>
+              <a:spcBef>
+                <a:spcPts val="575"/>
+              </a:spcBef>
+              <a:buNone/>
+              <a:tabLst>
+                <a:tab pos="355600" algn="l"/>
+                <a:tab pos="425450" algn="l"/>
+              </a:tabLst>
+            </a:pPr>
+            <a:r>
+              <a:rPr lang="en-GB" sz="1600" spc="-10" dirty="0">
+                <a:latin typeface="Times New Roman" panose="02020603050405020304" pitchFamily="18" charset="0"/>
+                <a:cs typeface="Times New Roman" panose="02020603050405020304" pitchFamily="18" charset="0"/>
+              </a:rPr>
+              <a:t>ANS:  </a:t>
+            </a:r>
+            <a:r>
+              <a:rPr lang="en-GB" sz="1600" dirty="0">
+                <a:latin typeface="Times New Roman" panose="02020603050405020304" pitchFamily="18" charset="0"/>
+                <a:cs typeface="Times New Roman" panose="02020603050405020304" pitchFamily="18" charset="0"/>
+              </a:rPr>
+              <a:t>With CBC and IV = 111, resulting ciphertext for plaintext 100101100 is 100111100. See next page.</a:t>
+            </a:r>
+            <a:endParaRPr lang="en-SE" sz="1600" dirty="0">
+              <a:latin typeface="Times New Roman" panose="02020603050405020304" pitchFamily="18" charset="0"/>
+              <a:cs typeface="Times New Roman" panose="02020603050405020304" pitchFamily="18" charset="0"/>
+            </a:endParaRPr>
+          </a:p>
+        </p:txBody>
+      </p:sp>
+      <p:sp>
+        <p:nvSpPr>
+          <p:cNvPr id="8" name="TextBox 7">
+            <a:extLst>
+              <a:ext uri="{FF2B5EF4-FFF2-40B4-BE49-F238E27FC236}">
+                <a16:creationId xmlns:a16="http://schemas.microsoft.com/office/drawing/2014/main" id="{B82AC401-28B9-1A4D-CCB4-65D17A2B3D03}"/>
+              </a:ext>
+            </a:extLst>
+          </p:cNvPr>
+          <p:cNvSpPr txBox="1"/>
+          <p:nvPr/>
+        </p:nvSpPr>
+        <p:spPr>
+          <a:xfrm>
+            <a:off x="6290241" y="1774564"/>
+            <a:ext cx="535724" cy="369332"/>
+          </a:xfrm>
+          <a:prstGeom prst="rect">
+            <a:avLst/>
+          </a:prstGeom>
+          <a:noFill/>
+        </p:spPr>
+        <p:txBody>
+          <a:bodyPr wrap="none" rtlCol="0">
+            <a:spAutoFit/>
+          </a:bodyPr>
+          <a:lstStyle/>
+          <a:p>
+            <a:r>
+              <a:rPr lang="en-GB" dirty="0"/>
+              <a:t>100</a:t>
+            </a:r>
+            <a:endParaRPr lang="en-SE" dirty="0"/>
+          </a:p>
+        </p:txBody>
+      </p:sp>
+      <p:sp>
+        <p:nvSpPr>
+          <p:cNvPr id="9" name="TextBox 8">
+            <a:extLst>
+              <a:ext uri="{FF2B5EF4-FFF2-40B4-BE49-F238E27FC236}">
+                <a16:creationId xmlns:a16="http://schemas.microsoft.com/office/drawing/2014/main" id="{FF36A675-BFE5-CAD4-11CD-58FD4CF9507D}"/>
+              </a:ext>
+            </a:extLst>
+          </p:cNvPr>
+          <p:cNvSpPr txBox="1"/>
+          <p:nvPr/>
+        </p:nvSpPr>
+        <p:spPr>
+          <a:xfrm>
+            <a:off x="6290241" y="2677579"/>
+            <a:ext cx="535724" cy="369332"/>
+          </a:xfrm>
+          <a:prstGeom prst="rect">
+            <a:avLst/>
+          </a:prstGeom>
+          <a:noFill/>
+        </p:spPr>
+        <p:txBody>
+          <a:bodyPr wrap="none" rtlCol="0">
+            <a:spAutoFit/>
+          </a:bodyPr>
+          <a:lstStyle/>
+          <a:p>
+            <a:r>
+              <a:rPr lang="en-GB" dirty="0"/>
+              <a:t>011</a:t>
+            </a:r>
+            <a:endParaRPr lang="en-SE" dirty="0"/>
+          </a:p>
+        </p:txBody>
+      </p:sp>
+      <p:sp>
+        <p:nvSpPr>
+          <p:cNvPr id="10" name="TextBox 9">
+            <a:extLst>
+              <a:ext uri="{FF2B5EF4-FFF2-40B4-BE49-F238E27FC236}">
+                <a16:creationId xmlns:a16="http://schemas.microsoft.com/office/drawing/2014/main" id="{D700E9B7-954C-570B-F33B-B284C0156307}"/>
+              </a:ext>
+            </a:extLst>
+          </p:cNvPr>
+          <p:cNvSpPr txBox="1"/>
+          <p:nvPr/>
+        </p:nvSpPr>
+        <p:spPr>
+          <a:xfrm>
+            <a:off x="8292624" y="1774564"/>
+            <a:ext cx="535724" cy="369332"/>
+          </a:xfrm>
+          <a:prstGeom prst="rect">
+            <a:avLst/>
+          </a:prstGeom>
+          <a:noFill/>
+        </p:spPr>
+        <p:txBody>
+          <a:bodyPr wrap="none" rtlCol="0">
+            <a:spAutoFit/>
+          </a:bodyPr>
+          <a:lstStyle/>
+          <a:p>
+            <a:r>
+              <a:rPr lang="en-GB" dirty="0"/>
+              <a:t>101</a:t>
+            </a:r>
+            <a:endParaRPr lang="en-SE" dirty="0"/>
+          </a:p>
+        </p:txBody>
+      </p:sp>
+      <p:sp>
+        <p:nvSpPr>
+          <p:cNvPr id="11" name="TextBox 10">
+            <a:extLst>
+              <a:ext uri="{FF2B5EF4-FFF2-40B4-BE49-F238E27FC236}">
+                <a16:creationId xmlns:a16="http://schemas.microsoft.com/office/drawing/2014/main" id="{FEAEA55B-088A-B4EC-88D8-A3AB73F6DB6B}"/>
+              </a:ext>
+            </a:extLst>
+          </p:cNvPr>
+          <p:cNvSpPr txBox="1"/>
+          <p:nvPr/>
+        </p:nvSpPr>
+        <p:spPr>
+          <a:xfrm>
+            <a:off x="8292624" y="2645721"/>
+            <a:ext cx="535724" cy="369332"/>
+          </a:xfrm>
+          <a:prstGeom prst="rect">
+            <a:avLst/>
+          </a:prstGeom>
+          <a:noFill/>
+        </p:spPr>
+        <p:txBody>
+          <a:bodyPr wrap="none" rtlCol="0">
+            <a:spAutoFit/>
+          </a:bodyPr>
+          <a:lstStyle/>
+          <a:p>
+            <a:r>
+              <a:rPr lang="en-GB" dirty="0"/>
+              <a:t>010</a:t>
+            </a:r>
+            <a:endParaRPr lang="en-SE" dirty="0"/>
+          </a:p>
+        </p:txBody>
+      </p:sp>
+      <p:sp>
+        <p:nvSpPr>
+          <p:cNvPr id="12" name="TextBox 11">
+            <a:extLst>
+              <a:ext uri="{FF2B5EF4-FFF2-40B4-BE49-F238E27FC236}">
+                <a16:creationId xmlns:a16="http://schemas.microsoft.com/office/drawing/2014/main" id="{F99ED35F-D236-7D2E-F947-9A4B391A53E2}"/>
+              </a:ext>
+            </a:extLst>
+          </p:cNvPr>
+          <p:cNvSpPr txBox="1"/>
+          <p:nvPr/>
+        </p:nvSpPr>
+        <p:spPr>
+          <a:xfrm>
+            <a:off x="10592078" y="1772186"/>
+            <a:ext cx="535724" cy="369332"/>
+          </a:xfrm>
+          <a:prstGeom prst="rect">
+            <a:avLst/>
+          </a:prstGeom>
+          <a:noFill/>
+        </p:spPr>
+        <p:txBody>
+          <a:bodyPr wrap="none" rtlCol="0">
+            <a:spAutoFit/>
+          </a:bodyPr>
+          <a:lstStyle/>
+          <a:p>
+            <a:r>
+              <a:rPr lang="en-GB" dirty="0"/>
+              <a:t>100</a:t>
+            </a:r>
+            <a:endParaRPr lang="en-SE" dirty="0"/>
+          </a:p>
+        </p:txBody>
+      </p:sp>
+      <p:sp>
+        <p:nvSpPr>
+          <p:cNvPr id="13" name="TextBox 12">
+            <a:extLst>
+              <a:ext uri="{FF2B5EF4-FFF2-40B4-BE49-F238E27FC236}">
+                <a16:creationId xmlns:a16="http://schemas.microsoft.com/office/drawing/2014/main" id="{3494E869-0DFF-7964-80D9-79FBBE716CF6}"/>
+              </a:ext>
+            </a:extLst>
+          </p:cNvPr>
+          <p:cNvSpPr txBox="1"/>
+          <p:nvPr/>
+        </p:nvSpPr>
+        <p:spPr>
+          <a:xfrm>
+            <a:off x="10592078" y="2675201"/>
+            <a:ext cx="535724" cy="369332"/>
+          </a:xfrm>
+          <a:prstGeom prst="rect">
+            <a:avLst/>
+          </a:prstGeom>
+          <a:noFill/>
+        </p:spPr>
+        <p:txBody>
+          <a:bodyPr wrap="none" rtlCol="0">
+            <a:spAutoFit/>
+          </a:bodyPr>
+          <a:lstStyle/>
+          <a:p>
+            <a:r>
+              <a:rPr lang="en-GB" dirty="0"/>
+              <a:t>011</a:t>
+            </a:r>
+            <a:endParaRPr lang="en-SE" dirty="0"/>
+          </a:p>
+        </p:txBody>
+      </p:sp>
+      <p:sp>
+        <p:nvSpPr>
+          <p:cNvPr id="14" name="TextBox 13">
+            <a:extLst>
+              <a:ext uri="{FF2B5EF4-FFF2-40B4-BE49-F238E27FC236}">
+                <a16:creationId xmlns:a16="http://schemas.microsoft.com/office/drawing/2014/main" id="{0C137E8B-F66D-CAC9-E9C9-4E92884AA7C7}"/>
+              </a:ext>
+            </a:extLst>
+          </p:cNvPr>
+          <p:cNvSpPr txBox="1"/>
+          <p:nvPr/>
+        </p:nvSpPr>
+        <p:spPr>
+          <a:xfrm>
+            <a:off x="7843458" y="4380200"/>
+            <a:ext cx="3510342" cy="1938992"/>
+          </a:xfrm>
+          <a:prstGeom prst="rect">
+            <a:avLst/>
+          </a:prstGeom>
+          <a:solidFill>
+            <a:schemeClr val="bg1">
+              <a:lumMod val="95000"/>
+            </a:schemeClr>
+          </a:solidFill>
+        </p:spPr>
+        <p:style>
+          <a:lnRef idx="2">
+            <a:schemeClr val="accent3"/>
+          </a:lnRef>
+          <a:fillRef idx="1">
+            <a:schemeClr val="lt1"/>
+          </a:fillRef>
+          <a:effectRef idx="0">
+            <a:schemeClr val="accent3"/>
+          </a:effectRef>
+          <a:fontRef idx="minor">
+            <a:schemeClr val="dk1"/>
+          </a:fontRef>
+        </p:style>
+        <p:txBody>
+          <a:bodyPr wrap="square" rtlCol="0">
+            <a:spAutoFit/>
+          </a:bodyPr>
+          <a:lstStyle/>
+          <a:p>
+            <a:r>
+              <a:rPr lang="en-GB" sz="2000" dirty="0"/>
+              <a:t>The same plaintext 100 is encrypted into the same cyphertext (011) at different positions in the input, making it possible to attacker to perform frequency analysis.</a:t>
+            </a:r>
+            <a:endParaRPr lang="en-SE" sz="2000" dirty="0"/>
+          </a:p>
+        </p:txBody>
+      </p:sp>
     </p:spTree>
     <p:extLst>
       <p:ext uri="{BB962C8B-B14F-4D97-AF65-F5344CB8AC3E}">
@@ -33968,144 +35237,6 @@
       </p:grpSpPr>
       <p:sp>
         <p:nvSpPr>
-          <p:cNvPr id="2" name="Content Placeholder 1">
-            <a:extLst>
-              <a:ext uri="{FF2B5EF4-FFF2-40B4-BE49-F238E27FC236}">
-                <a16:creationId xmlns:a16="http://schemas.microsoft.com/office/drawing/2014/main" id="{CEB549BE-A5E1-C079-62D3-A46C8881DBD1}"/>
-              </a:ext>
-            </a:extLst>
-          </p:cNvPr>
-          <p:cNvSpPr>
-            <a:spLocks noGrp="1"/>
-          </p:cNvSpPr>
-          <p:nvPr>
-            <p:ph idx="1"/>
-          </p:nvPr>
-        </p:nvSpPr>
-        <p:spPr>
-          <a:xfrm>
-            <a:off x="838200" y="1075765"/>
-            <a:ext cx="10515600" cy="4999600"/>
-          </a:xfrm>
-        </p:spPr>
-        <p:txBody>
-          <a:bodyPr>
-            <a:normAutofit fontScale="92500" lnSpcReduction="10000"/>
-          </a:bodyPr>
-          <a:lstStyle/>
-          <a:p>
-            <a:endParaRPr lang="en-GB" dirty="0"/>
-          </a:p>
-          <a:p>
-            <a:r>
-              <a:rPr lang="en-GB" dirty="0"/>
-              <a:t>The first step is to XOR the first plaintext block with IV = 111</a:t>
-            </a:r>
-          </a:p>
-          <a:p>
-            <a:pPr lvl="1"/>
-            <a:r>
-              <a:rPr lang="en-GB" dirty="0"/>
-              <a:t>First plaintext block: 100, so 100⊕111=011</a:t>
-            </a:r>
-          </a:p>
-          <a:p>
-            <a:pPr lvl="1"/>
-            <a:r>
-              <a:rPr lang="en-GB" dirty="0"/>
-              <a:t>Now we encrypt this result (011) using our cipher table: 011 maps to </a:t>
-            </a:r>
-            <a:r>
-              <a:rPr lang="en-GB" dirty="0">
-                <a:solidFill>
-                  <a:srgbClr val="FF0000"/>
-                </a:solidFill>
-              </a:rPr>
-              <a:t>100</a:t>
-            </a:r>
-            <a:r>
-              <a:rPr lang="en-GB" dirty="0"/>
-              <a:t>.</a:t>
-            </a:r>
-          </a:p>
-          <a:p>
-            <a:r>
-              <a:rPr lang="en-GB" dirty="0"/>
-              <a:t>Second Block: Now we XOR the second plaintext block with the first ciphertext block:</a:t>
-            </a:r>
-          </a:p>
-          <a:p>
-            <a:pPr lvl="1"/>
-            <a:r>
-              <a:rPr lang="en-GB" dirty="0"/>
-              <a:t>Second plaintext block: 101, so 101⊕100=001</a:t>
-            </a:r>
-          </a:p>
-          <a:p>
-            <a:pPr lvl="1"/>
-            <a:r>
-              <a:rPr lang="en-GB" dirty="0"/>
-              <a:t>Now we encrypt this result (001) using our cipher table: 001 maps to </a:t>
-            </a:r>
-            <a:r>
-              <a:rPr lang="en-GB" dirty="0">
-                <a:solidFill>
-                  <a:srgbClr val="FF0000"/>
-                </a:solidFill>
-              </a:rPr>
-              <a:t>111</a:t>
-            </a:r>
-            <a:r>
-              <a:rPr lang="en-GB" dirty="0"/>
-              <a:t>.</a:t>
-            </a:r>
-          </a:p>
-          <a:p>
-            <a:r>
-              <a:rPr lang="en-GB" dirty="0"/>
-              <a:t>Third Block: Finally, we XOR the third plaintext block with the second ciphertext block:</a:t>
-            </a:r>
-          </a:p>
-          <a:p>
-            <a:pPr lvl="1"/>
-            <a:r>
-              <a:rPr lang="en-GB" dirty="0"/>
-              <a:t>Third plaintext block: 100, so 100⊕111=011</a:t>
-            </a:r>
-          </a:p>
-          <a:p>
-            <a:pPr lvl="1"/>
-            <a:r>
-              <a:rPr lang="en-GB" dirty="0"/>
-              <a:t>Now we encrypt this result (011) using our cipher table: 011 maps to </a:t>
-            </a:r>
-            <a:r>
-              <a:rPr lang="en-GB" dirty="0">
-                <a:solidFill>
-                  <a:srgbClr val="FF0000"/>
-                </a:solidFill>
-              </a:rPr>
-              <a:t>100</a:t>
-            </a:r>
-            <a:r>
-              <a:rPr lang="en-GB" dirty="0"/>
-              <a:t>.</a:t>
-            </a:r>
-          </a:p>
-          <a:p>
-            <a:r>
-              <a:rPr lang="en-GB" dirty="0">
-                <a:latin typeface="Times New Roman" panose="02020603050405020304" pitchFamily="18" charset="0"/>
-                <a:cs typeface="Times New Roman" panose="02020603050405020304" pitchFamily="18" charset="0"/>
-              </a:rPr>
-              <a:t>Resulting ciphertext for plaintext 100101100 is 100111100. </a:t>
-            </a:r>
-            <a:endParaRPr lang="en-GB" dirty="0"/>
-          </a:p>
-        </p:txBody>
-      </p:sp>
-      <p:sp>
-        <p:nvSpPr>
           <p:cNvPr id="3" name="Title 2">
             <a:extLst>
               <a:ext uri="{FF2B5EF4-FFF2-40B4-BE49-F238E27FC236}">
@@ -34191,7 +35322,7 @@
           <p:nvPr>
             <p:extLst>
               <p:ext uri="{D42A27DB-BD31-4B8C-83A1-F6EECF244321}">
-                <p14:modId xmlns:p14="http://schemas.microsoft.com/office/powerpoint/2010/main" val="3079089590"/>
+                <p14:modId xmlns:p14="http://schemas.microsoft.com/office/powerpoint/2010/main" val="2333683124"/>
               </p:ext>
             </p:extLst>
           </p:nvPr>
@@ -34384,12 +35515,18 @@
                       </a:pPr>
                       <a:r>
                         <a:rPr sz="2400" spc="-25" dirty="0">
+                          <a:solidFill>
+                            <a:srgbClr val="FF0000"/>
+                          </a:solidFill>
                           <a:latin typeface="Times New Roman"/>
                           <a:cs typeface="Times New Roman"/>
                         </a:rPr>
                         <a:t>001</a:t>
                       </a:r>
                       <a:endParaRPr sz="2400">
+                        <a:solidFill>
+                          <a:srgbClr val="FF0000"/>
+                        </a:solidFill>
                         <a:latin typeface="Times New Roman"/>
                         <a:cs typeface="Times New Roman"/>
                       </a:endParaRPr>
@@ -34434,12 +35571,18 @@
                       </a:pPr>
                       <a:r>
                         <a:rPr sz="2400" spc="-25" dirty="0">
+                          <a:solidFill>
+                            <a:srgbClr val="FF0000"/>
+                          </a:solidFill>
                           <a:latin typeface="Times New Roman"/>
                           <a:cs typeface="Times New Roman"/>
                         </a:rPr>
                         <a:t>010</a:t>
                       </a:r>
                       <a:endParaRPr sz="2400">
+                        <a:solidFill>
+                          <a:srgbClr val="FF0000"/>
+                        </a:solidFill>
                         <a:latin typeface="Times New Roman"/>
                         <a:cs typeface="Times New Roman"/>
                       </a:endParaRPr>
@@ -34484,12 +35627,18 @@
                       </a:pPr>
                       <a:r>
                         <a:rPr sz="2400" spc="-25" dirty="0">
+                          <a:solidFill>
+                            <a:srgbClr val="FF0000"/>
+                          </a:solidFill>
                           <a:latin typeface="Times New Roman"/>
                           <a:cs typeface="Times New Roman"/>
                         </a:rPr>
                         <a:t>011</a:t>
                       </a:r>
                       <a:endParaRPr sz="2400" dirty="0">
+                        <a:solidFill>
+                          <a:srgbClr val="FF0000"/>
+                        </a:solidFill>
                         <a:latin typeface="Times New Roman"/>
                         <a:cs typeface="Times New Roman"/>
                       </a:endParaRPr>
@@ -34794,7 +35943,14 @@
                           <a:latin typeface="Times New Roman"/>
                           <a:cs typeface="Times New Roman"/>
                         </a:rPr>
-                        <a:t>110</a:t>
+                        <a:t>11</a:t>
+                      </a:r>
+                      <a:r>
+                        <a:rPr lang="en-GB" sz="2400" spc="-25" dirty="0">
+                          <a:latin typeface="Times New Roman"/>
+                          <a:cs typeface="Times New Roman"/>
+                        </a:rPr>
+                        <a:t>1</a:t>
                       </a:r>
                       <a:endParaRPr sz="2400" dirty="0">
                         <a:latin typeface="Times New Roman"/>
@@ -34841,12 +35997,28 @@
                       </a:pPr>
                       <a:r>
                         <a:rPr sz="2400" spc="-25" dirty="0">
+                          <a:solidFill>
+                            <a:srgbClr val="FF0000"/>
+                          </a:solidFill>
                           <a:latin typeface="Times New Roman"/>
                           <a:cs typeface="Times New Roman"/>
                         </a:rPr>
-                        <a:t>111</a:t>
+                        <a:t>11</a:t>
                       </a:r>
-                      <a:endParaRPr sz="2400">
+                      <a:r>
+                        <a:rPr lang="en-GB" sz="2400" spc="-25" dirty="0">
+                          <a:solidFill>
+                            <a:srgbClr val="FF0000"/>
+                          </a:solidFill>
+                          <a:latin typeface="Times New Roman"/>
+                          <a:cs typeface="Times New Roman"/>
+                        </a:rPr>
+                        <a:t>0</a:t>
+                      </a:r>
+                      <a:endParaRPr sz="2400" dirty="0">
+                        <a:solidFill>
+                          <a:srgbClr val="FF0000"/>
+                        </a:solidFill>
                         <a:latin typeface="Times New Roman"/>
                         <a:cs typeface="Times New Roman"/>
                       </a:endParaRPr>
@@ -34891,12 +36063,18 @@
                       </a:pPr>
                       <a:r>
                         <a:rPr sz="2400" spc="-25" dirty="0">
+                          <a:solidFill>
+                            <a:srgbClr val="FF0000"/>
+                          </a:solidFill>
                           <a:latin typeface="Times New Roman"/>
                           <a:cs typeface="Times New Roman"/>
                         </a:rPr>
                         <a:t>101</a:t>
                       </a:r>
-                      <a:endParaRPr sz="2400">
+                      <a:endParaRPr sz="2400" dirty="0">
+                        <a:solidFill>
+                          <a:srgbClr val="FF0000"/>
+                        </a:solidFill>
                         <a:latin typeface="Times New Roman"/>
                         <a:cs typeface="Times New Roman"/>
                       </a:endParaRPr>
@@ -34941,12 +36119,18 @@
                       </a:pPr>
                       <a:r>
                         <a:rPr sz="2400" spc="-25" dirty="0">
+                          <a:solidFill>
+                            <a:srgbClr val="FF0000"/>
+                          </a:solidFill>
                           <a:latin typeface="Times New Roman"/>
                           <a:cs typeface="Times New Roman"/>
                         </a:rPr>
                         <a:t>100</a:t>
                       </a:r>
-                      <a:endParaRPr sz="2400">
+                      <a:endParaRPr sz="2400" dirty="0">
+                        <a:solidFill>
+                          <a:srgbClr val="FF0000"/>
+                        </a:solidFill>
                         <a:latin typeface="Times New Roman"/>
                         <a:cs typeface="Times New Roman"/>
                       </a:endParaRPr>
@@ -35189,6 +36373,631 @@
           </a:graphicData>
         </a:graphic>
       </p:graphicFrame>
+      <p:pic>
+        <p:nvPicPr>
+          <p:cNvPr id="7" name="Picture 6">
+            <a:extLst>
+              <a:ext uri="{FF2B5EF4-FFF2-40B4-BE49-F238E27FC236}">
+                <a16:creationId xmlns:a16="http://schemas.microsoft.com/office/drawing/2014/main" id="{5B72016C-7010-61EF-517E-045AEC9409FA}"/>
+              </a:ext>
+            </a:extLst>
+          </p:cNvPr>
+          <p:cNvPicPr>
+            <a:picLocks noChangeAspect="1"/>
+          </p:cNvPicPr>
+          <p:nvPr/>
+        </p:nvPicPr>
+        <p:blipFill>
+          <a:blip r:embed="rId2"/>
+          <a:stretch>
+            <a:fillRect/>
+          </a:stretch>
+        </p:blipFill>
+        <p:spPr>
+          <a:xfrm>
+            <a:off x="5719228" y="1662192"/>
+            <a:ext cx="6472772" cy="2431826"/>
+          </a:xfrm>
+          <a:prstGeom prst="rect">
+            <a:avLst/>
+          </a:prstGeom>
+        </p:spPr>
+      </p:pic>
+      <p:sp>
+        <p:nvSpPr>
+          <p:cNvPr id="8" name="TextBox 7">
+            <a:extLst>
+              <a:ext uri="{FF2B5EF4-FFF2-40B4-BE49-F238E27FC236}">
+                <a16:creationId xmlns:a16="http://schemas.microsoft.com/office/drawing/2014/main" id="{4815EEF1-DF84-37C6-BE6A-B5B78166DD63}"/>
+              </a:ext>
+            </a:extLst>
+          </p:cNvPr>
+          <p:cNvSpPr txBox="1"/>
+          <p:nvPr/>
+        </p:nvSpPr>
+        <p:spPr>
+          <a:xfrm>
+            <a:off x="6040582" y="2020888"/>
+            <a:ext cx="535724" cy="369332"/>
+          </a:xfrm>
+          <a:prstGeom prst="rect">
+            <a:avLst/>
+          </a:prstGeom>
+          <a:noFill/>
+        </p:spPr>
+        <p:txBody>
+          <a:bodyPr wrap="none" rtlCol="0">
+            <a:spAutoFit/>
+          </a:bodyPr>
+          <a:lstStyle/>
+          <a:p>
+            <a:r>
+              <a:rPr lang="en-GB" dirty="0"/>
+              <a:t>111</a:t>
+            </a:r>
+            <a:endParaRPr lang="en-SE" dirty="0"/>
+          </a:p>
+        </p:txBody>
+      </p:sp>
+      <p:sp>
+        <p:nvSpPr>
+          <p:cNvPr id="11" name="TextBox 10">
+            <a:extLst>
+              <a:ext uri="{FF2B5EF4-FFF2-40B4-BE49-F238E27FC236}">
+                <a16:creationId xmlns:a16="http://schemas.microsoft.com/office/drawing/2014/main" id="{9E2DB30E-7EB6-0A8D-26A7-B24A39779919}"/>
+              </a:ext>
+            </a:extLst>
+          </p:cNvPr>
+          <p:cNvSpPr txBox="1"/>
+          <p:nvPr/>
+        </p:nvSpPr>
+        <p:spPr>
+          <a:xfrm>
+            <a:off x="6576306" y="2020888"/>
+            <a:ext cx="535724" cy="369332"/>
+          </a:xfrm>
+          <a:prstGeom prst="rect">
+            <a:avLst/>
+          </a:prstGeom>
+          <a:noFill/>
+        </p:spPr>
+        <p:txBody>
+          <a:bodyPr wrap="none" rtlCol="0">
+            <a:spAutoFit/>
+          </a:bodyPr>
+          <a:lstStyle/>
+          <a:p>
+            <a:r>
+              <a:rPr lang="en-GB" dirty="0"/>
+              <a:t>100</a:t>
+            </a:r>
+            <a:endParaRPr lang="en-SE" dirty="0"/>
+          </a:p>
+        </p:txBody>
+      </p:sp>
+      <p:sp>
+        <p:nvSpPr>
+          <p:cNvPr id="12" name="TextBox 11">
+            <a:extLst>
+              <a:ext uri="{FF2B5EF4-FFF2-40B4-BE49-F238E27FC236}">
+                <a16:creationId xmlns:a16="http://schemas.microsoft.com/office/drawing/2014/main" id="{99D3811F-4F8D-C083-C71C-B8EFF64A731D}"/>
+              </a:ext>
+            </a:extLst>
+          </p:cNvPr>
+          <p:cNvSpPr txBox="1"/>
+          <p:nvPr/>
+        </p:nvSpPr>
+        <p:spPr>
+          <a:xfrm>
+            <a:off x="6576306" y="2564250"/>
+            <a:ext cx="535724" cy="369332"/>
+          </a:xfrm>
+          <a:prstGeom prst="rect">
+            <a:avLst/>
+          </a:prstGeom>
+          <a:noFill/>
+        </p:spPr>
+        <p:txBody>
+          <a:bodyPr wrap="none" rtlCol="0">
+            <a:spAutoFit/>
+          </a:bodyPr>
+          <a:lstStyle/>
+          <a:p>
+            <a:r>
+              <a:rPr lang="en-GB" dirty="0"/>
+              <a:t>011</a:t>
+            </a:r>
+            <a:endParaRPr lang="en-SE" dirty="0"/>
+          </a:p>
+        </p:txBody>
+      </p:sp>
+      <p:sp>
+        <p:nvSpPr>
+          <p:cNvPr id="13" name="TextBox 12">
+            <a:extLst>
+              <a:ext uri="{FF2B5EF4-FFF2-40B4-BE49-F238E27FC236}">
+                <a16:creationId xmlns:a16="http://schemas.microsoft.com/office/drawing/2014/main" id="{BC2FCDFE-2A58-391A-6D38-D26A74A69437}"/>
+              </a:ext>
+            </a:extLst>
+          </p:cNvPr>
+          <p:cNvSpPr txBox="1"/>
+          <p:nvPr/>
+        </p:nvSpPr>
+        <p:spPr>
+          <a:xfrm>
+            <a:off x="6576306" y="3382879"/>
+            <a:ext cx="535724" cy="369332"/>
+          </a:xfrm>
+          <a:prstGeom prst="rect">
+            <a:avLst/>
+          </a:prstGeom>
+          <a:noFill/>
+        </p:spPr>
+        <p:txBody>
+          <a:bodyPr wrap="none" rtlCol="0">
+            <a:spAutoFit/>
+          </a:bodyPr>
+          <a:lstStyle/>
+          <a:p>
+            <a:r>
+              <a:rPr lang="en-GB" dirty="0"/>
+              <a:t>100</a:t>
+            </a:r>
+            <a:endParaRPr lang="en-SE" dirty="0"/>
+          </a:p>
+        </p:txBody>
+      </p:sp>
+      <p:sp>
+        <p:nvSpPr>
+          <p:cNvPr id="14" name="TextBox 13">
+            <a:extLst>
+              <a:ext uri="{FF2B5EF4-FFF2-40B4-BE49-F238E27FC236}">
+                <a16:creationId xmlns:a16="http://schemas.microsoft.com/office/drawing/2014/main" id="{B54D56B7-62AC-83B4-99B0-69C91DA41C66}"/>
+              </a:ext>
+            </a:extLst>
+          </p:cNvPr>
+          <p:cNvSpPr txBox="1"/>
+          <p:nvPr/>
+        </p:nvSpPr>
+        <p:spPr>
+          <a:xfrm>
+            <a:off x="8646188" y="2020888"/>
+            <a:ext cx="535724" cy="369332"/>
+          </a:xfrm>
+          <a:prstGeom prst="rect">
+            <a:avLst/>
+          </a:prstGeom>
+          <a:noFill/>
+        </p:spPr>
+        <p:txBody>
+          <a:bodyPr wrap="none" rtlCol="0">
+            <a:spAutoFit/>
+          </a:bodyPr>
+          <a:lstStyle/>
+          <a:p>
+            <a:r>
+              <a:rPr lang="en-GB" dirty="0"/>
+              <a:t>101</a:t>
+            </a:r>
+            <a:endParaRPr lang="en-SE" dirty="0"/>
+          </a:p>
+        </p:txBody>
+      </p:sp>
+      <p:sp>
+        <p:nvSpPr>
+          <p:cNvPr id="15" name="TextBox 14">
+            <a:extLst>
+              <a:ext uri="{FF2B5EF4-FFF2-40B4-BE49-F238E27FC236}">
+                <a16:creationId xmlns:a16="http://schemas.microsoft.com/office/drawing/2014/main" id="{F3E9B628-3BFC-D6C6-ECDF-258F731C01D5}"/>
+              </a:ext>
+            </a:extLst>
+          </p:cNvPr>
+          <p:cNvSpPr txBox="1"/>
+          <p:nvPr/>
+        </p:nvSpPr>
+        <p:spPr>
+          <a:xfrm>
+            <a:off x="8646188" y="2564250"/>
+            <a:ext cx="535724" cy="369332"/>
+          </a:xfrm>
+          <a:prstGeom prst="rect">
+            <a:avLst/>
+          </a:prstGeom>
+          <a:noFill/>
+        </p:spPr>
+        <p:txBody>
+          <a:bodyPr wrap="none" rtlCol="0">
+            <a:spAutoFit/>
+          </a:bodyPr>
+          <a:lstStyle/>
+          <a:p>
+            <a:r>
+              <a:rPr lang="en-GB" dirty="0"/>
+              <a:t>001</a:t>
+            </a:r>
+            <a:endParaRPr lang="en-SE" dirty="0"/>
+          </a:p>
+        </p:txBody>
+      </p:sp>
+      <p:sp>
+        <p:nvSpPr>
+          <p:cNvPr id="18" name="TextBox 17">
+            <a:extLst>
+              <a:ext uri="{FF2B5EF4-FFF2-40B4-BE49-F238E27FC236}">
+                <a16:creationId xmlns:a16="http://schemas.microsoft.com/office/drawing/2014/main" id="{F5CC55AA-2A8C-3188-4A6D-5D713171DC0E}"/>
+              </a:ext>
+            </a:extLst>
+          </p:cNvPr>
+          <p:cNvSpPr txBox="1"/>
+          <p:nvPr/>
+        </p:nvSpPr>
+        <p:spPr>
+          <a:xfrm>
+            <a:off x="8687752" y="3329134"/>
+            <a:ext cx="535724" cy="369332"/>
+          </a:xfrm>
+          <a:prstGeom prst="rect">
+            <a:avLst/>
+          </a:prstGeom>
+          <a:noFill/>
+        </p:spPr>
+        <p:txBody>
+          <a:bodyPr wrap="none" rtlCol="0">
+            <a:spAutoFit/>
+          </a:bodyPr>
+          <a:lstStyle/>
+          <a:p>
+            <a:r>
+              <a:rPr lang="en-GB" dirty="0"/>
+              <a:t>110</a:t>
+            </a:r>
+            <a:endParaRPr lang="en-SE" dirty="0"/>
+          </a:p>
+        </p:txBody>
+      </p:sp>
+      <p:sp>
+        <p:nvSpPr>
+          <p:cNvPr id="19" name="TextBox 18">
+            <a:extLst>
+              <a:ext uri="{FF2B5EF4-FFF2-40B4-BE49-F238E27FC236}">
+                <a16:creationId xmlns:a16="http://schemas.microsoft.com/office/drawing/2014/main" id="{805BD3EB-0FC4-1013-9758-265FDB454403}"/>
+              </a:ext>
+            </a:extLst>
+          </p:cNvPr>
+          <p:cNvSpPr txBox="1"/>
+          <p:nvPr/>
+        </p:nvSpPr>
+        <p:spPr>
+          <a:xfrm>
+            <a:off x="11573148" y="2020190"/>
+            <a:ext cx="535724" cy="369332"/>
+          </a:xfrm>
+          <a:prstGeom prst="rect">
+            <a:avLst/>
+          </a:prstGeom>
+          <a:noFill/>
+        </p:spPr>
+        <p:txBody>
+          <a:bodyPr wrap="none" rtlCol="0">
+            <a:spAutoFit/>
+          </a:bodyPr>
+          <a:lstStyle/>
+          <a:p>
+            <a:r>
+              <a:rPr lang="en-GB" dirty="0"/>
+              <a:t>100</a:t>
+            </a:r>
+            <a:endParaRPr lang="en-SE" dirty="0"/>
+          </a:p>
+        </p:txBody>
+      </p:sp>
+      <p:sp>
+        <p:nvSpPr>
+          <p:cNvPr id="20" name="TextBox 19">
+            <a:extLst>
+              <a:ext uri="{FF2B5EF4-FFF2-40B4-BE49-F238E27FC236}">
+                <a16:creationId xmlns:a16="http://schemas.microsoft.com/office/drawing/2014/main" id="{FDCB3F43-BC2D-5C20-5530-B76180170DB8}"/>
+              </a:ext>
+            </a:extLst>
+          </p:cNvPr>
+          <p:cNvSpPr txBox="1"/>
+          <p:nvPr/>
+        </p:nvSpPr>
+        <p:spPr>
+          <a:xfrm>
+            <a:off x="11566095" y="2491499"/>
+            <a:ext cx="535724" cy="369332"/>
+          </a:xfrm>
+          <a:prstGeom prst="rect">
+            <a:avLst/>
+          </a:prstGeom>
+          <a:noFill/>
+        </p:spPr>
+        <p:txBody>
+          <a:bodyPr wrap="none" rtlCol="0">
+            <a:spAutoFit/>
+          </a:bodyPr>
+          <a:lstStyle/>
+          <a:p>
+            <a:r>
+              <a:rPr lang="en-GB" dirty="0"/>
+              <a:t>010</a:t>
+            </a:r>
+            <a:endParaRPr lang="en-SE" dirty="0"/>
+          </a:p>
+        </p:txBody>
+      </p:sp>
+      <p:sp>
+        <p:nvSpPr>
+          <p:cNvPr id="21" name="TextBox 20">
+            <a:extLst>
+              <a:ext uri="{FF2B5EF4-FFF2-40B4-BE49-F238E27FC236}">
+                <a16:creationId xmlns:a16="http://schemas.microsoft.com/office/drawing/2014/main" id="{D3466A0F-170B-06F3-2D8C-38B561A5BF45}"/>
+              </a:ext>
+            </a:extLst>
+          </p:cNvPr>
+          <p:cNvSpPr txBox="1"/>
+          <p:nvPr/>
+        </p:nvSpPr>
+        <p:spPr>
+          <a:xfrm>
+            <a:off x="10764373" y="2146237"/>
+            <a:ext cx="535724" cy="369332"/>
+          </a:xfrm>
+          <a:prstGeom prst="rect">
+            <a:avLst/>
+          </a:prstGeom>
+          <a:noFill/>
+        </p:spPr>
+        <p:txBody>
+          <a:bodyPr wrap="none" rtlCol="0">
+            <a:spAutoFit/>
+          </a:bodyPr>
+          <a:lstStyle/>
+          <a:p>
+            <a:r>
+              <a:rPr lang="en-GB" dirty="0"/>
+              <a:t>110</a:t>
+            </a:r>
+            <a:endParaRPr lang="en-SE" dirty="0"/>
+          </a:p>
+        </p:txBody>
+      </p:sp>
+      <p:sp>
+        <p:nvSpPr>
+          <p:cNvPr id="22" name="TextBox 21">
+            <a:extLst>
+              <a:ext uri="{FF2B5EF4-FFF2-40B4-BE49-F238E27FC236}">
+                <a16:creationId xmlns:a16="http://schemas.microsoft.com/office/drawing/2014/main" id="{A17576F4-94D5-97B5-C499-0ACBE3800BA4}"/>
+              </a:ext>
+            </a:extLst>
+          </p:cNvPr>
+          <p:cNvSpPr txBox="1"/>
+          <p:nvPr/>
+        </p:nvSpPr>
+        <p:spPr>
+          <a:xfrm>
+            <a:off x="11586468" y="3297705"/>
+            <a:ext cx="535724" cy="369332"/>
+          </a:xfrm>
+          <a:prstGeom prst="rect">
+            <a:avLst/>
+          </a:prstGeom>
+          <a:noFill/>
+        </p:spPr>
+        <p:txBody>
+          <a:bodyPr wrap="none" rtlCol="0">
+            <a:spAutoFit/>
+          </a:bodyPr>
+          <a:lstStyle/>
+          <a:p>
+            <a:r>
+              <a:rPr lang="en-GB" dirty="0"/>
+              <a:t>101</a:t>
+            </a:r>
+            <a:endParaRPr lang="en-SE" dirty="0"/>
+          </a:p>
+        </p:txBody>
+      </p:sp>
+      <p:sp>
+        <p:nvSpPr>
+          <p:cNvPr id="2" name="Content Placeholder 1">
+            <a:extLst>
+              <a:ext uri="{FF2B5EF4-FFF2-40B4-BE49-F238E27FC236}">
+                <a16:creationId xmlns:a16="http://schemas.microsoft.com/office/drawing/2014/main" id="{CEB549BE-A5E1-C079-62D3-A46C8881DBD1}"/>
+              </a:ext>
+            </a:extLst>
+          </p:cNvPr>
+          <p:cNvSpPr>
+            <a:spLocks noGrp="1"/>
+          </p:cNvSpPr>
+          <p:nvPr>
+            <p:ph idx="1"/>
+          </p:nvPr>
+        </p:nvSpPr>
+        <p:spPr>
+          <a:xfrm>
+            <a:off x="-27616" y="1017605"/>
+            <a:ext cx="5978017" cy="5751063"/>
+          </a:xfrm>
+        </p:spPr>
+        <p:txBody>
+          <a:bodyPr>
+            <a:normAutofit fontScale="85000" lnSpcReduction="20000"/>
+          </a:bodyPr>
+          <a:lstStyle/>
+          <a:p>
+            <a:r>
+              <a:rPr lang="en-GB" sz="2800" dirty="0">
+                <a:latin typeface="Times New Roman"/>
+                <a:cs typeface="Times New Roman"/>
+              </a:rPr>
+              <a:t>Plaintext 100101100</a:t>
+            </a:r>
+            <a:endParaRPr lang="en-GB" dirty="0"/>
+          </a:p>
+          <a:p>
+            <a:r>
+              <a:rPr lang="en-GB" dirty="0"/>
+              <a:t>The first step is to XOR the first plaintext block with IV = 111</a:t>
+            </a:r>
+          </a:p>
+          <a:p>
+            <a:pPr lvl="1"/>
+            <a:r>
+              <a:rPr lang="en-GB" dirty="0"/>
+              <a:t>First plaintext block: 100, so 100⊕111=011</a:t>
+            </a:r>
+          </a:p>
+          <a:p>
+            <a:pPr lvl="1"/>
+            <a:r>
+              <a:rPr lang="en-GB" dirty="0"/>
+              <a:t>Now we encrypt this result (011) using our cipher table: 011 maps to </a:t>
+            </a:r>
+            <a:r>
+              <a:rPr lang="en-GB" dirty="0">
+                <a:solidFill>
+                  <a:srgbClr val="FF0000"/>
+                </a:solidFill>
+              </a:rPr>
+              <a:t>100</a:t>
+            </a:r>
+            <a:r>
+              <a:rPr lang="en-GB" dirty="0"/>
+              <a:t>.</a:t>
+            </a:r>
+          </a:p>
+          <a:p>
+            <a:r>
+              <a:rPr lang="en-GB" dirty="0"/>
+              <a:t>Second Block: Now we XOR the second plaintext block with the first ciphertext block:</a:t>
+            </a:r>
+          </a:p>
+          <a:p>
+            <a:pPr lvl="1"/>
+            <a:r>
+              <a:rPr lang="en-GB" dirty="0"/>
+              <a:t>Second plaintext block: 101, so 101⊕100=001</a:t>
+            </a:r>
+          </a:p>
+          <a:p>
+            <a:pPr lvl="1"/>
+            <a:r>
+              <a:rPr lang="en-GB" dirty="0"/>
+              <a:t>Now we encrypt this result (001) using our cipher table: 001 maps to </a:t>
+            </a:r>
+            <a:r>
+              <a:rPr lang="en-GB" dirty="0">
+                <a:solidFill>
+                  <a:srgbClr val="FF0000"/>
+                </a:solidFill>
+              </a:rPr>
+              <a:t>110</a:t>
+            </a:r>
+            <a:r>
+              <a:rPr lang="en-GB" dirty="0"/>
+              <a:t>.</a:t>
+            </a:r>
+          </a:p>
+          <a:p>
+            <a:r>
+              <a:rPr lang="en-GB" dirty="0"/>
+              <a:t>Third Block: Finally, we XOR the third plaintext block with the second ciphertext block:</a:t>
+            </a:r>
+          </a:p>
+          <a:p>
+            <a:pPr lvl="1"/>
+            <a:r>
+              <a:rPr lang="en-GB" dirty="0"/>
+              <a:t>Third plaintext block: 100, so 100⊕110=010</a:t>
+            </a:r>
+          </a:p>
+          <a:p>
+            <a:pPr lvl="1"/>
+            <a:r>
+              <a:rPr lang="en-GB" dirty="0"/>
+              <a:t>Now we encrypt this result (011) using our cipher table: 010 maps to </a:t>
+            </a:r>
+            <a:r>
+              <a:rPr lang="en-GB" dirty="0">
+                <a:solidFill>
+                  <a:srgbClr val="FF0000"/>
+                </a:solidFill>
+              </a:rPr>
+              <a:t>101</a:t>
+            </a:r>
+            <a:r>
+              <a:rPr lang="en-GB" dirty="0"/>
+              <a:t>.</a:t>
+            </a:r>
+          </a:p>
+          <a:p>
+            <a:r>
+              <a:rPr lang="en-GB" dirty="0">
+                <a:latin typeface="Times New Roman" panose="02020603050405020304" pitchFamily="18" charset="0"/>
+                <a:cs typeface="Times New Roman" panose="02020603050405020304" pitchFamily="18" charset="0"/>
+              </a:rPr>
+              <a:t>Resulting ciphertext for plaintext 100101100 is 100110101. </a:t>
+            </a:r>
+            <a:endParaRPr lang="en-GB" dirty="0"/>
+          </a:p>
+        </p:txBody>
+      </p:sp>
+      <p:sp>
+        <p:nvSpPr>
+          <p:cNvPr id="23" name="TextBox 22">
+            <a:extLst>
+              <a:ext uri="{FF2B5EF4-FFF2-40B4-BE49-F238E27FC236}">
+                <a16:creationId xmlns:a16="http://schemas.microsoft.com/office/drawing/2014/main" id="{9605755F-9B94-479F-7CB2-38960452BFA9}"/>
+              </a:ext>
+            </a:extLst>
+          </p:cNvPr>
+          <p:cNvSpPr txBox="1"/>
+          <p:nvPr/>
+        </p:nvSpPr>
+        <p:spPr>
+          <a:xfrm>
+            <a:off x="7843458" y="4380200"/>
+            <a:ext cx="3285206" cy="1631216"/>
+          </a:xfrm>
+          <a:prstGeom prst="rect">
+            <a:avLst/>
+          </a:prstGeom>
+          <a:solidFill>
+            <a:schemeClr val="bg1">
+              <a:lumMod val="95000"/>
+            </a:schemeClr>
+          </a:solidFill>
+        </p:spPr>
+        <p:style>
+          <a:lnRef idx="2">
+            <a:schemeClr val="accent3"/>
+          </a:lnRef>
+          <a:fillRef idx="1">
+            <a:schemeClr val="lt1"/>
+          </a:fillRef>
+          <a:effectRef idx="0">
+            <a:schemeClr val="accent3"/>
+          </a:effectRef>
+          <a:fontRef idx="minor">
+            <a:schemeClr val="dk1"/>
+          </a:fontRef>
+        </p:style>
+        <p:txBody>
+          <a:bodyPr wrap="square" rtlCol="0">
+            <a:spAutoFit/>
+          </a:bodyPr>
+          <a:lstStyle/>
+          <a:p>
+            <a:r>
+              <a:rPr lang="en-GB" sz="2000" dirty="0"/>
+              <a:t>The same plaintext 100 is encrypted into different cyphertexts (100 or 101) at different positions in the input, thanks to CBC.</a:t>
+            </a:r>
+            <a:endParaRPr lang="en-SE" sz="2000" dirty="0"/>
+          </a:p>
+        </p:txBody>
+      </p:sp>
     </p:spTree>
     <p:extLst>
       <p:ext uri="{BB962C8B-B14F-4D97-AF65-F5344CB8AC3E}">
@@ -45062,7 +46871,7 @@
                 <a:latin typeface="Times New Roman"/>
                 <a:cs typeface="Times New Roman"/>
               </a:rPr>
-              <a:t>encrypt.</a:t>
+              <a:t>encrypt, and</a:t>
             </a:r>
             <a:r>
               <a:rPr lang="en-GB" sz="2800" spc="-25" dirty="0">
@@ -45076,7 +46885,7 @@
                 <a:latin typeface="Times New Roman"/>
                 <a:cs typeface="Times New Roman"/>
               </a:rPr>
-              <a:t>The</a:t>
+              <a:t>the</a:t>
             </a:r>
             <a:r>
               <a:rPr lang="en-GB" sz="2800" spc="-10" dirty="0">
@@ -45118,7 +46927,7 @@
                 <a:latin typeface="Times New Roman"/>
                 <a:cs typeface="Times New Roman"/>
               </a:rPr>
-              <a:t>will</a:t>
+              <a:t>is used to</a:t>
             </a:r>
             <a:r>
               <a:rPr lang="en-GB" sz="2800" spc="-20" dirty="0">
@@ -45236,6 +47045,868 @@
     <p:extLst>
       <p:ext uri="{BB962C8B-B14F-4D97-AF65-F5344CB8AC3E}">
         <p14:creationId xmlns:p14="http://schemas.microsoft.com/office/powerpoint/2010/main" val="1358280174"/>
+      </p:ext>
+    </p:extLst>
+  </p:cSld>
+  <p:clrMapOvr>
+    <a:masterClrMapping/>
+  </p:clrMapOvr>
+  <mc:AlternateContent xmlns:mc="http://schemas.openxmlformats.org/markup-compatibility/2006" xmlns:p14="http://schemas.microsoft.com/office/powerpoint/2010/main">
+    <mc:Choice Requires="p14">
+      <p:transition spd="med" p14:dur="700">
+        <p:fade/>
+      </p:transition>
+    </mc:Choice>
+    <mc:Fallback xmlns="">
+      <p:transition spd="med">
+        <p:fade/>
+      </p:transition>
+    </mc:Fallback>
+  </mc:AlternateContent>
+</p:sld>
+</file>
+
+<file path=ppt/slides/slide42.xml><?xml version="1.0" encoding="utf-8"?>
+<p:sld xmlns:a="http://schemas.openxmlformats.org/drawingml/2006/main" xmlns:r="http://schemas.openxmlformats.org/officeDocument/2006/relationships" xmlns:p="http://schemas.openxmlformats.org/presentationml/2006/main">
+  <p:cSld>
+    <p:spTree>
+      <p:nvGrpSpPr>
+        <p:cNvPr id="1" name=""/>
+        <p:cNvGrpSpPr/>
+        <p:nvPr/>
+      </p:nvGrpSpPr>
+      <p:grpSpPr>
+        <a:xfrm>
+          <a:off x="0" y="0"/>
+          <a:ext cx="0" cy="0"/>
+          <a:chOff x="0" y="0"/>
+          <a:chExt cx="0" cy="0"/>
+        </a:xfrm>
+      </p:grpSpPr>
+      <p:sp>
+        <p:nvSpPr>
+          <p:cNvPr id="2" name="Title 1">
+            <a:extLst>
+              <a:ext uri="{FF2B5EF4-FFF2-40B4-BE49-F238E27FC236}">
+                <a16:creationId xmlns:a16="http://schemas.microsoft.com/office/drawing/2014/main" id="{A1B37AD1-186A-4E11-9068-AC04412C2C8E}"/>
+              </a:ext>
+            </a:extLst>
+          </p:cNvPr>
+          <p:cNvSpPr>
+            <a:spLocks noGrp="1"/>
+          </p:cNvSpPr>
+          <p:nvPr>
+            <p:ph type="title"/>
+          </p:nvPr>
+        </p:nvSpPr>
+        <p:spPr/>
+        <p:txBody>
+          <a:bodyPr/>
+          <a:lstStyle/>
+          <a:p>
+            <a:r>
+              <a:rPr lang="en-US" altLang="en-US" dirty="0"/>
+              <a:t>Random Numbers</a:t>
+            </a:r>
+            <a:endParaRPr lang="en-SE" dirty="0"/>
+          </a:p>
+        </p:txBody>
+      </p:sp>
+      <p:sp>
+        <p:nvSpPr>
+          <p:cNvPr id="3" name="Content Placeholder 2">
+            <a:extLst>
+              <a:ext uri="{FF2B5EF4-FFF2-40B4-BE49-F238E27FC236}">
+                <a16:creationId xmlns:a16="http://schemas.microsoft.com/office/drawing/2014/main" id="{C2D9EDF9-09A2-416D-87F6-6BDAC93AC813}"/>
+              </a:ext>
+            </a:extLst>
+          </p:cNvPr>
+          <p:cNvSpPr>
+            <a:spLocks noGrp="1"/>
+          </p:cNvSpPr>
+          <p:nvPr>
+            <p:ph idx="1"/>
+          </p:nvPr>
+        </p:nvSpPr>
+        <p:spPr/>
+        <p:txBody>
+          <a:bodyPr>
+            <a:normAutofit/>
+          </a:bodyPr>
+          <a:lstStyle/>
+          <a:p>
+            <a:r>
+              <a:rPr lang="en-US" sz="3200" dirty="0">
+                <a:latin typeface="Times New Roman" panose="02020603050405020304" pitchFamily="18" charset="0"/>
+                <a:cs typeface="Times New Roman" panose="02020603050405020304" pitchFamily="18" charset="0"/>
+              </a:rPr>
+              <a:t>Used to generate:</a:t>
+            </a:r>
+          </a:p>
+          <a:p>
+            <a:pPr lvl="1"/>
+            <a:r>
+              <a:rPr lang="en-US" sz="2800" dirty="0">
+                <a:latin typeface="Times New Roman" panose="02020603050405020304" pitchFamily="18" charset="0"/>
+                <a:cs typeface="Times New Roman" panose="02020603050405020304" pitchFamily="18" charset="0"/>
+              </a:rPr>
+              <a:t>Keys for public-key algorithms</a:t>
+            </a:r>
+          </a:p>
+          <a:p>
+            <a:pPr lvl="1"/>
+            <a:r>
+              <a:rPr lang="en-US" sz="2800" dirty="0">
+                <a:latin typeface="Times New Roman" panose="02020603050405020304" pitchFamily="18" charset="0"/>
+                <a:cs typeface="Times New Roman" panose="02020603050405020304" pitchFamily="18" charset="0"/>
+              </a:rPr>
+              <a:t>Stream key for symmetric stream cipher</a:t>
+            </a:r>
+          </a:p>
+          <a:p>
+            <a:pPr lvl="1"/>
+            <a:r>
+              <a:rPr lang="en-US" sz="2800" dirty="0">
+                <a:latin typeface="Times New Roman" panose="02020603050405020304" pitchFamily="18" charset="0"/>
+                <a:cs typeface="Times New Roman" panose="02020603050405020304" pitchFamily="18" charset="0"/>
+              </a:rPr>
+              <a:t>Symmetric key for use as a temporary session key or in creating a digital envelope</a:t>
+            </a:r>
+          </a:p>
+          <a:p>
+            <a:pPr lvl="1"/>
+            <a:r>
+              <a:rPr lang="en-US" sz="2800" dirty="0">
+                <a:latin typeface="Times New Roman" panose="02020603050405020304" pitchFamily="18" charset="0"/>
+                <a:cs typeface="Times New Roman" panose="02020603050405020304" pitchFamily="18" charset="0"/>
+              </a:rPr>
+              <a:t>Handshaking to prevent replay attacks</a:t>
+            </a:r>
+          </a:p>
+          <a:p>
+            <a:pPr lvl="1"/>
+            <a:r>
+              <a:rPr lang="en-US" sz="2800" dirty="0">
+                <a:latin typeface="Times New Roman" panose="02020603050405020304" pitchFamily="18" charset="0"/>
+                <a:cs typeface="Times New Roman" panose="02020603050405020304" pitchFamily="18" charset="0"/>
+              </a:rPr>
+              <a:t>Session key</a:t>
+            </a:r>
+            <a:endParaRPr lang="en-SE" sz="2800" dirty="0">
+              <a:latin typeface="Times New Roman" panose="02020603050405020304" pitchFamily="18" charset="0"/>
+              <a:cs typeface="Times New Roman" panose="02020603050405020304" pitchFamily="18" charset="0"/>
+            </a:endParaRPr>
+          </a:p>
+        </p:txBody>
+      </p:sp>
+    </p:spTree>
+    <p:extLst>
+      <p:ext uri="{BB962C8B-B14F-4D97-AF65-F5344CB8AC3E}">
+        <p14:creationId xmlns:p14="http://schemas.microsoft.com/office/powerpoint/2010/main" val="2096990788"/>
+      </p:ext>
+    </p:extLst>
+  </p:cSld>
+  <p:clrMapOvr>
+    <a:masterClrMapping/>
+  </p:clrMapOvr>
+  <mc:AlternateContent xmlns:mc="http://schemas.openxmlformats.org/markup-compatibility/2006" xmlns:p14="http://schemas.microsoft.com/office/powerpoint/2010/main">
+    <mc:Choice Requires="p14">
+      <p:transition spd="med" p14:dur="700">
+        <p:fade/>
+      </p:transition>
+    </mc:Choice>
+    <mc:Fallback xmlns="">
+      <p:transition spd="med">
+        <p:fade/>
+      </p:transition>
+    </mc:Fallback>
+  </mc:AlternateContent>
+</p:sld>
+</file>
+
+<file path=ppt/slides/slide43.xml><?xml version="1.0" encoding="utf-8"?>
+<p:sld xmlns:a="http://schemas.openxmlformats.org/drawingml/2006/main" xmlns:r="http://schemas.openxmlformats.org/officeDocument/2006/relationships" xmlns:p="http://schemas.openxmlformats.org/presentationml/2006/main">
+  <p:cSld>
+    <p:spTree>
+      <p:nvGrpSpPr>
+        <p:cNvPr id="1" name=""/>
+        <p:cNvGrpSpPr/>
+        <p:nvPr/>
+      </p:nvGrpSpPr>
+      <p:grpSpPr>
+        <a:xfrm>
+          <a:off x="0" y="0"/>
+          <a:ext cx="0" cy="0"/>
+          <a:chOff x="0" y="0"/>
+          <a:chExt cx="0" cy="0"/>
+        </a:xfrm>
+      </p:grpSpPr>
+      <p:sp>
+        <p:nvSpPr>
+          <p:cNvPr id="2" name="Title 1">
+            <a:extLst>
+              <a:ext uri="{FF2B5EF4-FFF2-40B4-BE49-F238E27FC236}">
+                <a16:creationId xmlns:a16="http://schemas.microsoft.com/office/drawing/2014/main" id="{0C58F466-4956-41E6-864C-3152551C79B7}"/>
+              </a:ext>
+            </a:extLst>
+          </p:cNvPr>
+          <p:cNvSpPr>
+            <a:spLocks noGrp="1"/>
+          </p:cNvSpPr>
+          <p:nvPr>
+            <p:ph type="title"/>
+          </p:nvPr>
+        </p:nvSpPr>
+        <p:spPr/>
+        <p:txBody>
+          <a:bodyPr/>
+          <a:lstStyle/>
+          <a:p>
+            <a:r>
+              <a:rPr lang="en-US" altLang="en-US" dirty="0"/>
+              <a:t>Random Number Requirements</a:t>
+            </a:r>
+            <a:endParaRPr lang="en-SE" dirty="0"/>
+          </a:p>
+        </p:txBody>
+      </p:sp>
+      <p:sp>
+        <p:nvSpPr>
+          <p:cNvPr id="3" name="Content Placeholder 2">
+            <a:extLst>
+              <a:ext uri="{FF2B5EF4-FFF2-40B4-BE49-F238E27FC236}">
+                <a16:creationId xmlns:a16="http://schemas.microsoft.com/office/drawing/2014/main" id="{201D4858-9FC2-488C-B884-BFFAA3F5FD19}"/>
+              </a:ext>
+            </a:extLst>
+          </p:cNvPr>
+          <p:cNvSpPr>
+            <a:spLocks noGrp="1"/>
+          </p:cNvSpPr>
+          <p:nvPr>
+            <p:ph idx="1"/>
+          </p:nvPr>
+        </p:nvSpPr>
+        <p:spPr/>
+        <p:txBody>
+          <a:bodyPr>
+            <a:normAutofit/>
+          </a:bodyPr>
+          <a:lstStyle/>
+          <a:p>
+            <a:r>
+              <a:rPr lang="en-US" sz="3200" dirty="0">
+                <a:latin typeface="Times New Roman" panose="02020603050405020304" pitchFamily="18" charset="0"/>
+                <a:cs typeface="Times New Roman" panose="02020603050405020304" pitchFamily="18" charset="0"/>
+              </a:rPr>
+              <a:t>Randomness</a:t>
+            </a:r>
+          </a:p>
+          <a:p>
+            <a:pPr lvl="1"/>
+            <a:r>
+              <a:rPr lang="en-US" sz="2800" dirty="0">
+                <a:latin typeface="Times New Roman" panose="02020603050405020304" pitchFamily="18" charset="0"/>
+                <a:cs typeface="Times New Roman" panose="02020603050405020304" pitchFamily="18" charset="0"/>
+              </a:rPr>
+              <a:t>Uniform distribution</a:t>
+            </a:r>
+          </a:p>
+          <a:p>
+            <a:pPr lvl="2"/>
+            <a:r>
+              <a:rPr lang="en-US" sz="2400" dirty="0">
+                <a:latin typeface="Times New Roman" panose="02020603050405020304" pitchFamily="18" charset="0"/>
+                <a:cs typeface="Times New Roman" panose="02020603050405020304" pitchFamily="18" charset="0"/>
+              </a:rPr>
+              <a:t>Frequency of occurrence of each of the numbers should be approximately the same</a:t>
+            </a:r>
+          </a:p>
+          <a:p>
+            <a:pPr lvl="1"/>
+            <a:r>
+              <a:rPr lang="en-US" sz="2800" dirty="0">
+                <a:latin typeface="Times New Roman" panose="02020603050405020304" pitchFamily="18" charset="0"/>
+                <a:cs typeface="Times New Roman" panose="02020603050405020304" pitchFamily="18" charset="0"/>
+              </a:rPr>
+              <a:t>Independence</a:t>
+            </a:r>
+          </a:p>
+          <a:p>
+            <a:pPr lvl="2"/>
+            <a:r>
+              <a:rPr lang="en-US" sz="2400" dirty="0">
+                <a:latin typeface="Times New Roman" panose="02020603050405020304" pitchFamily="18" charset="0"/>
+                <a:cs typeface="Times New Roman" panose="02020603050405020304" pitchFamily="18" charset="0"/>
+              </a:rPr>
+              <a:t>No one value in the sequence can be inferred from the others</a:t>
+            </a:r>
+          </a:p>
+          <a:p>
+            <a:r>
+              <a:rPr lang="en-US" sz="3200" dirty="0">
+                <a:latin typeface="Times New Roman" panose="02020603050405020304" pitchFamily="18" charset="0"/>
+                <a:cs typeface="Times New Roman" panose="02020603050405020304" pitchFamily="18" charset="0"/>
+              </a:rPr>
+              <a:t>Unpredictability</a:t>
+            </a:r>
+          </a:p>
+          <a:p>
+            <a:pPr lvl="1"/>
+            <a:r>
+              <a:rPr lang="en-US" sz="2800" dirty="0">
+                <a:latin typeface="Times New Roman" panose="02020603050405020304" pitchFamily="18" charset="0"/>
+                <a:cs typeface="Times New Roman" panose="02020603050405020304" pitchFamily="18" charset="0"/>
+              </a:rPr>
+              <a:t>Each number is statistically independent of others in the sequence, so future elements of the sequence cannot be predicted based on past elements</a:t>
+            </a:r>
+            <a:endParaRPr lang="en-SE" sz="2800" dirty="0">
+              <a:latin typeface="Times New Roman" panose="02020603050405020304" pitchFamily="18" charset="0"/>
+              <a:cs typeface="Times New Roman" panose="02020603050405020304" pitchFamily="18" charset="0"/>
+            </a:endParaRPr>
+          </a:p>
+        </p:txBody>
+      </p:sp>
+      <p:sp>
+        <p:nvSpPr>
+          <p:cNvPr id="4" name="Slide Number Placeholder 3">
+            <a:extLst>
+              <a:ext uri="{FF2B5EF4-FFF2-40B4-BE49-F238E27FC236}">
+                <a16:creationId xmlns:a16="http://schemas.microsoft.com/office/drawing/2014/main" id="{1D4F7DD6-E906-419A-8DE0-29A63E36081C}"/>
+              </a:ext>
+            </a:extLst>
+          </p:cNvPr>
+          <p:cNvSpPr>
+            <a:spLocks noGrp="1"/>
+          </p:cNvSpPr>
+          <p:nvPr>
+            <p:ph type="sldNum" sz="quarter" idx="12"/>
+          </p:nvPr>
+        </p:nvSpPr>
+        <p:spPr bwMode="auto">
+          <a:xfrm>
+            <a:off x="6934200" y="6543446"/>
+            <a:ext cx="2133600" cy="244475"/>
+          </a:xfrm>
+          <a:prstGeom prst="rect">
+            <a:avLst/>
+          </a:prstGeom>
+          <a:noFill/>
+          <a:ln w="9525">
+            <a:noFill/>
+            <a:miter lim="800000"/>
+            <a:headEnd/>
+            <a:tailEnd/>
+          </a:ln>
+          <a:effectLst/>
+        </p:spPr>
+        <p:txBody>
+          <a:bodyPr vert="horz" wrap="square" lIns="91440" tIns="45720" rIns="91440" bIns="45720" numCol="1" anchor="t" anchorCtr="0" compatLnSpc="1">
+            <a:prstTxWarp prst="textNoShape">
+              <a:avLst/>
+            </a:prstTxWarp>
+          </a:bodyPr>
+          <a:lstStyle>
+            <a:defPPr>
+              <a:defRPr lang="en-AU"/>
+            </a:defPPr>
+            <a:lvl1pPr algn="r" rtl="0" fontAlgn="base">
+              <a:spcBef>
+                <a:spcPct val="0"/>
+              </a:spcBef>
+              <a:spcAft>
+                <a:spcPct val="0"/>
+              </a:spcAft>
+              <a:defRPr sz="1200" kern="1200">
+                <a:solidFill>
+                  <a:schemeClr val="tx1"/>
+                </a:solidFill>
+                <a:latin typeface="Arial" pitchFamily="-107" charset="0"/>
+                <a:ea typeface="宋体" charset="-122"/>
+                <a:cs typeface="+mn-cs"/>
+              </a:defRPr>
+            </a:lvl1pPr>
+            <a:lvl2pPr marL="457200" algn="l" rtl="0" fontAlgn="base">
+              <a:spcBef>
+                <a:spcPct val="0"/>
+              </a:spcBef>
+              <a:spcAft>
+                <a:spcPct val="0"/>
+              </a:spcAft>
+              <a:defRPr kern="1200">
+                <a:solidFill>
+                  <a:schemeClr val="tx1"/>
+                </a:solidFill>
+                <a:latin typeface="Arial" pitchFamily="-107" charset="0"/>
+                <a:ea typeface="+mn-ea"/>
+                <a:cs typeface="+mn-cs"/>
+              </a:defRPr>
+            </a:lvl2pPr>
+            <a:lvl3pPr marL="914400" algn="l" rtl="0" fontAlgn="base">
+              <a:spcBef>
+                <a:spcPct val="0"/>
+              </a:spcBef>
+              <a:spcAft>
+                <a:spcPct val="0"/>
+              </a:spcAft>
+              <a:defRPr kern="1200">
+                <a:solidFill>
+                  <a:schemeClr val="tx1"/>
+                </a:solidFill>
+                <a:latin typeface="Arial" pitchFamily="-107" charset="0"/>
+                <a:ea typeface="+mn-ea"/>
+                <a:cs typeface="+mn-cs"/>
+              </a:defRPr>
+            </a:lvl3pPr>
+            <a:lvl4pPr marL="1371600" algn="l" rtl="0" fontAlgn="base">
+              <a:spcBef>
+                <a:spcPct val="0"/>
+              </a:spcBef>
+              <a:spcAft>
+                <a:spcPct val="0"/>
+              </a:spcAft>
+              <a:defRPr kern="1200">
+                <a:solidFill>
+                  <a:schemeClr val="tx1"/>
+                </a:solidFill>
+                <a:latin typeface="Arial" pitchFamily="-107" charset="0"/>
+                <a:ea typeface="+mn-ea"/>
+                <a:cs typeface="+mn-cs"/>
+              </a:defRPr>
+            </a:lvl4pPr>
+            <a:lvl5pPr marL="1828800" algn="l" rtl="0" fontAlgn="base">
+              <a:spcBef>
+                <a:spcPct val="0"/>
+              </a:spcBef>
+              <a:spcAft>
+                <a:spcPct val="0"/>
+              </a:spcAft>
+              <a:defRPr kern="1200">
+                <a:solidFill>
+                  <a:schemeClr val="tx1"/>
+                </a:solidFill>
+                <a:latin typeface="Arial" pitchFamily="-107" charset="0"/>
+                <a:ea typeface="+mn-ea"/>
+                <a:cs typeface="+mn-cs"/>
+              </a:defRPr>
+            </a:lvl5pPr>
+            <a:lvl6pPr marL="2286000" algn="l" defTabSz="457200" rtl="0" eaLnBrk="1" latinLnBrk="0" hangingPunct="1">
+              <a:defRPr kern="1200">
+                <a:solidFill>
+                  <a:schemeClr val="tx1"/>
+                </a:solidFill>
+                <a:latin typeface="Arial" pitchFamily="-107" charset="0"/>
+                <a:ea typeface="+mn-ea"/>
+                <a:cs typeface="+mn-cs"/>
+              </a:defRPr>
+            </a:lvl6pPr>
+            <a:lvl7pPr marL="2743200" algn="l" defTabSz="457200" rtl="0" eaLnBrk="1" latinLnBrk="0" hangingPunct="1">
+              <a:defRPr kern="1200">
+                <a:solidFill>
+                  <a:schemeClr val="tx1"/>
+                </a:solidFill>
+                <a:latin typeface="Arial" pitchFamily="-107" charset="0"/>
+                <a:ea typeface="+mn-ea"/>
+                <a:cs typeface="+mn-cs"/>
+              </a:defRPr>
+            </a:lvl7pPr>
+            <a:lvl8pPr marL="3200400" algn="l" defTabSz="457200" rtl="0" eaLnBrk="1" latinLnBrk="0" hangingPunct="1">
+              <a:defRPr kern="1200">
+                <a:solidFill>
+                  <a:schemeClr val="tx1"/>
+                </a:solidFill>
+                <a:latin typeface="Arial" pitchFamily="-107" charset="0"/>
+                <a:ea typeface="+mn-ea"/>
+                <a:cs typeface="+mn-cs"/>
+              </a:defRPr>
+            </a:lvl8pPr>
+            <a:lvl9pPr marL="3657600" algn="l" defTabSz="457200" rtl="0" eaLnBrk="1" latinLnBrk="0" hangingPunct="1">
+              <a:defRPr kern="1200">
+                <a:solidFill>
+                  <a:schemeClr val="tx1"/>
+                </a:solidFill>
+                <a:latin typeface="Arial" pitchFamily="-107" charset="0"/>
+                <a:ea typeface="+mn-ea"/>
+                <a:cs typeface="+mn-cs"/>
+              </a:defRPr>
+            </a:lvl9pPr>
+          </a:lstStyle>
+          <a:p>
+            <a:pPr>
+              <a:defRPr/>
+            </a:pPr>
+            <a:fld id="{F57F456A-00AF-44E6-8D70-638C0D0130FF}" type="slidenum">
+              <a:rPr lang="en-US" altLang="zh-CN" smtClean="0"/>
+              <a:pPr>
+                <a:defRPr/>
+              </a:pPr>
+              <a:t>43</a:t>
+            </a:fld>
+            <a:endParaRPr lang="en-US" altLang="zh-CN" dirty="0"/>
+          </a:p>
+        </p:txBody>
+      </p:sp>
+    </p:spTree>
+    <p:extLst>
+      <p:ext uri="{BB962C8B-B14F-4D97-AF65-F5344CB8AC3E}">
+        <p14:creationId xmlns:p14="http://schemas.microsoft.com/office/powerpoint/2010/main" val="3485927457"/>
+      </p:ext>
+    </p:extLst>
+  </p:cSld>
+  <p:clrMapOvr>
+    <a:masterClrMapping/>
+  </p:clrMapOvr>
+  <mc:AlternateContent xmlns:mc="http://schemas.openxmlformats.org/markup-compatibility/2006" xmlns:p14="http://schemas.microsoft.com/office/powerpoint/2010/main">
+    <mc:Choice Requires="p14">
+      <p:transition spd="med" p14:dur="700">
+        <p:fade/>
+      </p:transition>
+    </mc:Choice>
+    <mc:Fallback xmlns="">
+      <p:transition spd="med">
+        <p:fade/>
+      </p:transition>
+    </mc:Fallback>
+  </mc:AlternateContent>
+</p:sld>
+</file>
+
+<file path=ppt/slides/slide44.xml><?xml version="1.0" encoding="utf-8"?>
+<p:sld xmlns:a="http://schemas.openxmlformats.org/drawingml/2006/main" xmlns:r="http://schemas.openxmlformats.org/officeDocument/2006/relationships" xmlns:p="http://schemas.openxmlformats.org/presentationml/2006/main">
+  <p:cSld>
+    <p:spTree>
+      <p:nvGrpSpPr>
+        <p:cNvPr id="1" name=""/>
+        <p:cNvGrpSpPr/>
+        <p:nvPr/>
+      </p:nvGrpSpPr>
+      <p:grpSpPr>
+        <a:xfrm>
+          <a:off x="0" y="0"/>
+          <a:ext cx="0" cy="0"/>
+          <a:chOff x="0" y="0"/>
+          <a:chExt cx="0" cy="0"/>
+        </a:xfrm>
+      </p:grpSpPr>
+      <p:sp>
+        <p:nvSpPr>
+          <p:cNvPr id="251906" name="Rectangle 2"/>
+          <p:cNvSpPr>
+            <a:spLocks noGrp="1" noChangeArrowheads="1"/>
+          </p:cNvSpPr>
+          <p:nvPr>
+            <p:ph type="title"/>
+          </p:nvPr>
+        </p:nvSpPr>
+        <p:spPr/>
+        <p:txBody>
+          <a:bodyPr/>
+          <a:lstStyle/>
+          <a:p>
+            <a:pPr>
+              <a:defRPr/>
+            </a:pPr>
+            <a:r>
+              <a:rPr lang="en-US" altLang="en-US" dirty="0"/>
+              <a:t>Pseudorandom vs. Random Numbers</a:t>
+            </a:r>
+          </a:p>
+        </p:txBody>
+      </p:sp>
+      <p:sp>
+        <p:nvSpPr>
+          <p:cNvPr id="2" name="灯片编号占位符 1"/>
+          <p:cNvSpPr>
+            <a:spLocks noGrp="1"/>
+          </p:cNvSpPr>
+          <p:nvPr>
+            <p:ph type="sldNum" sz="quarter" idx="12"/>
+          </p:nvPr>
+        </p:nvSpPr>
+        <p:spPr bwMode="auto">
+          <a:xfrm>
+            <a:off x="6934200" y="6543446"/>
+            <a:ext cx="2133600" cy="244475"/>
+          </a:xfrm>
+          <a:prstGeom prst="rect">
+            <a:avLst/>
+          </a:prstGeom>
+          <a:noFill/>
+          <a:ln w="9525">
+            <a:noFill/>
+            <a:miter lim="800000"/>
+            <a:headEnd/>
+            <a:tailEnd/>
+          </a:ln>
+          <a:effectLst/>
+        </p:spPr>
+        <p:txBody>
+          <a:bodyPr vert="horz" wrap="square" lIns="91440" tIns="45720" rIns="91440" bIns="45720" numCol="1" anchor="t" anchorCtr="0" compatLnSpc="1">
+            <a:prstTxWarp prst="textNoShape">
+              <a:avLst/>
+            </a:prstTxWarp>
+          </a:bodyPr>
+          <a:lstStyle>
+            <a:defPPr>
+              <a:defRPr lang="en-AU"/>
+            </a:defPPr>
+            <a:lvl1pPr algn="r" rtl="0" fontAlgn="base">
+              <a:spcBef>
+                <a:spcPct val="0"/>
+              </a:spcBef>
+              <a:spcAft>
+                <a:spcPct val="0"/>
+              </a:spcAft>
+              <a:defRPr sz="1200" kern="1200">
+                <a:solidFill>
+                  <a:schemeClr val="tx1"/>
+                </a:solidFill>
+                <a:latin typeface="Arial" pitchFamily="-107" charset="0"/>
+                <a:ea typeface="宋体" charset="-122"/>
+                <a:cs typeface="+mn-cs"/>
+              </a:defRPr>
+            </a:lvl1pPr>
+            <a:lvl2pPr marL="457200" algn="l" rtl="0" fontAlgn="base">
+              <a:spcBef>
+                <a:spcPct val="0"/>
+              </a:spcBef>
+              <a:spcAft>
+                <a:spcPct val="0"/>
+              </a:spcAft>
+              <a:defRPr kern="1200">
+                <a:solidFill>
+                  <a:schemeClr val="tx1"/>
+                </a:solidFill>
+                <a:latin typeface="Arial" pitchFamily="-107" charset="0"/>
+                <a:ea typeface="+mn-ea"/>
+                <a:cs typeface="+mn-cs"/>
+              </a:defRPr>
+            </a:lvl2pPr>
+            <a:lvl3pPr marL="914400" algn="l" rtl="0" fontAlgn="base">
+              <a:spcBef>
+                <a:spcPct val="0"/>
+              </a:spcBef>
+              <a:spcAft>
+                <a:spcPct val="0"/>
+              </a:spcAft>
+              <a:defRPr kern="1200">
+                <a:solidFill>
+                  <a:schemeClr val="tx1"/>
+                </a:solidFill>
+                <a:latin typeface="Arial" pitchFamily="-107" charset="0"/>
+                <a:ea typeface="+mn-ea"/>
+                <a:cs typeface="+mn-cs"/>
+              </a:defRPr>
+            </a:lvl3pPr>
+            <a:lvl4pPr marL="1371600" algn="l" rtl="0" fontAlgn="base">
+              <a:spcBef>
+                <a:spcPct val="0"/>
+              </a:spcBef>
+              <a:spcAft>
+                <a:spcPct val="0"/>
+              </a:spcAft>
+              <a:defRPr kern="1200">
+                <a:solidFill>
+                  <a:schemeClr val="tx1"/>
+                </a:solidFill>
+                <a:latin typeface="Arial" pitchFamily="-107" charset="0"/>
+                <a:ea typeface="+mn-ea"/>
+                <a:cs typeface="+mn-cs"/>
+              </a:defRPr>
+            </a:lvl4pPr>
+            <a:lvl5pPr marL="1828800" algn="l" rtl="0" fontAlgn="base">
+              <a:spcBef>
+                <a:spcPct val="0"/>
+              </a:spcBef>
+              <a:spcAft>
+                <a:spcPct val="0"/>
+              </a:spcAft>
+              <a:defRPr kern="1200">
+                <a:solidFill>
+                  <a:schemeClr val="tx1"/>
+                </a:solidFill>
+                <a:latin typeface="Arial" pitchFamily="-107" charset="0"/>
+                <a:ea typeface="+mn-ea"/>
+                <a:cs typeface="+mn-cs"/>
+              </a:defRPr>
+            </a:lvl5pPr>
+            <a:lvl6pPr marL="2286000" algn="l" defTabSz="457200" rtl="0" eaLnBrk="1" latinLnBrk="0" hangingPunct="1">
+              <a:defRPr kern="1200">
+                <a:solidFill>
+                  <a:schemeClr val="tx1"/>
+                </a:solidFill>
+                <a:latin typeface="Arial" pitchFamily="-107" charset="0"/>
+                <a:ea typeface="+mn-ea"/>
+                <a:cs typeface="+mn-cs"/>
+              </a:defRPr>
+            </a:lvl6pPr>
+            <a:lvl7pPr marL="2743200" algn="l" defTabSz="457200" rtl="0" eaLnBrk="1" latinLnBrk="0" hangingPunct="1">
+              <a:defRPr kern="1200">
+                <a:solidFill>
+                  <a:schemeClr val="tx1"/>
+                </a:solidFill>
+                <a:latin typeface="Arial" pitchFamily="-107" charset="0"/>
+                <a:ea typeface="+mn-ea"/>
+                <a:cs typeface="+mn-cs"/>
+              </a:defRPr>
+            </a:lvl7pPr>
+            <a:lvl8pPr marL="3200400" algn="l" defTabSz="457200" rtl="0" eaLnBrk="1" latinLnBrk="0" hangingPunct="1">
+              <a:defRPr kern="1200">
+                <a:solidFill>
+                  <a:schemeClr val="tx1"/>
+                </a:solidFill>
+                <a:latin typeface="Arial" pitchFamily="-107" charset="0"/>
+                <a:ea typeface="+mn-ea"/>
+                <a:cs typeface="+mn-cs"/>
+              </a:defRPr>
+            </a:lvl8pPr>
+            <a:lvl9pPr marL="3657600" algn="l" defTabSz="457200" rtl="0" eaLnBrk="1" latinLnBrk="0" hangingPunct="1">
+              <a:defRPr kern="1200">
+                <a:solidFill>
+                  <a:schemeClr val="tx1"/>
+                </a:solidFill>
+                <a:latin typeface="Arial" pitchFamily="-107" charset="0"/>
+                <a:ea typeface="+mn-ea"/>
+                <a:cs typeface="+mn-cs"/>
+              </a:defRPr>
+            </a:lvl9pPr>
+          </a:lstStyle>
+          <a:p>
+            <a:pPr>
+              <a:defRPr/>
+            </a:pPr>
+            <a:fld id="{F57F456A-00AF-44E6-8D70-638C0D0130FF}" type="slidenum">
+              <a:rPr lang="en-US" altLang="zh-CN" smtClean="0"/>
+              <a:pPr>
+                <a:defRPr/>
+              </a:pPr>
+              <a:t>44</a:t>
+            </a:fld>
+            <a:endParaRPr lang="en-US" dirty="0">
+              <a:solidFill>
+                <a:prstClr val="white">
+                  <a:lumMod val="65000"/>
+                  <a:lumOff val="35000"/>
+                </a:prstClr>
+              </a:solidFill>
+            </a:endParaRPr>
+          </a:p>
+        </p:txBody>
+      </p:sp>
+      <p:sp>
+        <p:nvSpPr>
+          <p:cNvPr id="3" name="Content Placeholder 2">
+            <a:extLst>
+              <a:ext uri="{FF2B5EF4-FFF2-40B4-BE49-F238E27FC236}">
+                <a16:creationId xmlns:a16="http://schemas.microsoft.com/office/drawing/2014/main" id="{0CD9B914-F45F-4811-AA7F-70B9B5CCBE89}"/>
+              </a:ext>
+            </a:extLst>
+          </p:cNvPr>
+          <p:cNvSpPr>
+            <a:spLocks noGrp="1"/>
+          </p:cNvSpPr>
+          <p:nvPr>
+            <p:ph idx="1"/>
+          </p:nvPr>
+        </p:nvSpPr>
+        <p:spPr>
+          <a:xfrm>
+            <a:off x="838200" y="1196753"/>
+            <a:ext cx="10830636" cy="5591168"/>
+          </a:xfrm>
+        </p:spPr>
+        <p:txBody>
+          <a:bodyPr>
+            <a:normAutofit/>
+          </a:bodyPr>
+          <a:lstStyle/>
+          <a:p>
+            <a:pPr lvl="0"/>
+            <a:r>
+              <a:rPr lang="en-US" sz="3200" dirty="0">
+                <a:latin typeface="Times New Roman" panose="02020603050405020304" pitchFamily="18" charset="0"/>
+                <a:cs typeface="Times New Roman" panose="02020603050405020304" pitchFamily="18" charset="0"/>
+              </a:rPr>
+              <a:t>Pseudorandom numbers are generated with deterministic algorithms with random seeds:</a:t>
+            </a:r>
+          </a:p>
+          <a:p>
+            <a:pPr lvl="1"/>
+            <a:r>
+              <a:rPr lang="en-US" dirty="0">
+                <a:latin typeface="Times New Roman" panose="02020603050405020304" pitchFamily="18" charset="0"/>
+                <a:cs typeface="Times New Roman" panose="02020603050405020304" pitchFamily="18" charset="0"/>
+              </a:rPr>
+              <a:t>The same seed results in the same sequence of random numbers</a:t>
+            </a:r>
+          </a:p>
+          <a:p>
+            <a:pPr lvl="1"/>
+            <a:r>
+              <a:rPr lang="en-US" dirty="0">
+                <a:latin typeface="Times New Roman" panose="02020603050405020304" pitchFamily="18" charset="0"/>
+                <a:cs typeface="Times New Roman" panose="02020603050405020304" pitchFamily="18" charset="0"/>
+              </a:rPr>
+              <a:t>The sequence produced are not truly statistically random, but may pass </a:t>
+            </a:r>
+            <a:r>
+              <a:rPr lang="en-US" dirty="0">
+                <a:latin typeface="Times New Roman" panose="02020603050405020304" pitchFamily="18" charset="0"/>
+                <a:ea typeface="ＭＳ Ｐゴシック" pitchFamily="-110" charset="-128"/>
+                <a:cs typeface="Times New Roman" panose="02020603050405020304" pitchFamily="18" charset="0"/>
+              </a:rPr>
+              <a:t>many reasonable tests of randomness</a:t>
+            </a:r>
+            <a:endParaRPr lang="en-US" dirty="0">
+              <a:latin typeface="Times New Roman" panose="02020603050405020304" pitchFamily="18" charset="0"/>
+              <a:cs typeface="Times New Roman" panose="02020603050405020304" pitchFamily="18" charset="0"/>
+            </a:endParaRPr>
+          </a:p>
+          <a:p>
+            <a:pPr lvl="0" rtl="0"/>
+            <a:r>
+              <a:rPr lang="en-US" sz="3200" dirty="0">
+                <a:latin typeface="Times New Roman" panose="02020603050405020304" pitchFamily="18" charset="0"/>
+                <a:cs typeface="Times New Roman" panose="02020603050405020304" pitchFamily="18" charset="0"/>
+              </a:rPr>
+              <a:t>True random number generator (TRNG):</a:t>
+            </a:r>
+          </a:p>
+          <a:p>
+            <a:pPr lvl="1" rtl="0"/>
+            <a:r>
+              <a:rPr lang="en-US" dirty="0">
+                <a:latin typeface="Times New Roman" panose="02020603050405020304" pitchFamily="18" charset="0"/>
+                <a:cs typeface="Times New Roman" panose="02020603050405020304" pitchFamily="18" charset="0"/>
+              </a:rPr>
+              <a:t>Uses a nondeterministic source to produce randomness</a:t>
+            </a:r>
+          </a:p>
+          <a:p>
+            <a:pPr lvl="1" rtl="0"/>
+            <a:r>
+              <a:rPr lang="en-US" dirty="0">
+                <a:latin typeface="Times New Roman" panose="02020603050405020304" pitchFamily="18" charset="0"/>
+                <a:cs typeface="Times New Roman" panose="02020603050405020304" pitchFamily="18" charset="0"/>
+              </a:rPr>
+              <a:t>Most operate by measuring unpredictable natural processes</a:t>
+            </a:r>
+          </a:p>
+          <a:p>
+            <a:pPr lvl="2" rtl="0"/>
+            <a:r>
+              <a:rPr lang="en-US" sz="2400" dirty="0">
+                <a:latin typeface="Times New Roman" panose="02020603050405020304" pitchFamily="18" charset="0"/>
+                <a:cs typeface="Times New Roman" panose="02020603050405020304" pitchFamily="18" charset="0"/>
+              </a:rPr>
+              <a:t>e.g. radiation, gas discharge, leaky capacitors</a:t>
+            </a:r>
+          </a:p>
+        </p:txBody>
+      </p:sp>
+    </p:spTree>
+    <p:extLst>
+      <p:ext uri="{BB962C8B-B14F-4D97-AF65-F5344CB8AC3E}">
+        <p14:creationId xmlns:p14="http://schemas.microsoft.com/office/powerpoint/2010/main" val="521836014"/>
       </p:ext>
     </p:extLst>
   </p:cSld>

--- a/PPTs/8.1 Cryptography.pptx
+++ b/PPTs/8.1 Cryptography.pptx
@@ -251,7 +251,7 @@
           <a:p>
             <a:fld id="{D153024D-5FCD-D142-BBE1-7B391F60AD88}" type="datetimeFigureOut">
               <a:rPr lang="en-US" smtClean="0"/>
-              <a:t>12/4/2024</a:t>
+              <a:t>12/9/2024</a:t>
             </a:fld>
             <a:endParaRPr lang="en-US" dirty="0"/>
           </a:p>
@@ -18624,14 +18624,14 @@
           </a:ln>
           <a:extLst>
             <a:ext uri="{909E8E84-426E-40dd-AFC4-6F175D3DCCD1}">
-              <a14:hiddenFill xmlns="" xmlns:a14="http://schemas.microsoft.com/office/drawing/2010/main">
+              <a14:hiddenFill xmlns:a14="http://schemas.microsoft.com/office/drawing/2010/main" xmlns="">
                 <a:solidFill>
                   <a:srgbClr val="FFFFFF"/>
                 </a:solidFill>
               </a14:hiddenFill>
             </a:ext>
             <a:ext uri="{91240B29-F687-4f45-9708-019B960494DF}">
-              <a14:hiddenLine xmlns="" xmlns:a14="http://schemas.microsoft.com/office/drawing/2010/main" w="9525">
+              <a14:hiddenLine xmlns:a14="http://schemas.microsoft.com/office/drawing/2010/main" xmlns="" w="9525">
                 <a:solidFill>
                   <a:srgbClr val="000000"/>
                 </a:solidFill>
@@ -18684,14 +18684,14 @@
           </a:ln>
           <a:extLst>
             <a:ext uri="{909E8E84-426E-40dd-AFC4-6F175D3DCCD1}">
-              <a14:hiddenFill xmlns="" xmlns:a14="http://schemas.microsoft.com/office/drawing/2010/main">
+              <a14:hiddenFill xmlns:a14="http://schemas.microsoft.com/office/drawing/2010/main" xmlns="">
                 <a:solidFill>
                   <a:srgbClr val="FFFFFF"/>
                 </a:solidFill>
               </a14:hiddenFill>
             </a:ext>
             <a:ext uri="{91240B29-F687-4f45-9708-019B960494DF}">
-              <a14:hiddenLine xmlns="" xmlns:a14="http://schemas.microsoft.com/office/drawing/2010/main" w="9525">
+              <a14:hiddenLine xmlns:a14="http://schemas.microsoft.com/office/drawing/2010/main" xmlns="" w="9525">
                 <a:solidFill>
                   <a:srgbClr val="000000"/>
                 </a:solidFill>
@@ -18820,14 +18820,14 @@
           </a:ln>
           <a:extLst>
             <a:ext uri="{909E8E84-426E-40dd-AFC4-6F175D3DCCD1}">
-              <a14:hiddenFill xmlns="" xmlns:a14="http://schemas.microsoft.com/office/drawing/2010/main">
+              <a14:hiddenFill xmlns:a14="http://schemas.microsoft.com/office/drawing/2010/main" xmlns="">
                 <a:solidFill>
                   <a:srgbClr val="FFFFFF"/>
                 </a:solidFill>
               </a14:hiddenFill>
             </a:ext>
             <a:ext uri="{91240B29-F687-4f45-9708-019B960494DF}">
-              <a14:hiddenLine xmlns="" xmlns:a14="http://schemas.microsoft.com/office/drawing/2010/main" w="9525">
+              <a14:hiddenLine xmlns:a14="http://schemas.microsoft.com/office/drawing/2010/main" xmlns="" w="9525">
                 <a:solidFill>
                   <a:srgbClr val="000000"/>
                 </a:solidFill>
@@ -19075,14 +19075,14 @@
             </a:ln>
             <a:extLst>
               <a:ext uri="{909E8E84-426E-40dd-AFC4-6F175D3DCCD1}">
-                <a14:hiddenFill xmlns="" xmlns:a14="http://schemas.microsoft.com/office/drawing/2010/main">
+                <a14:hiddenFill xmlns:a14="http://schemas.microsoft.com/office/drawing/2010/main" xmlns="">
                   <a:solidFill>
                     <a:srgbClr val="FFFFFF"/>
                   </a:solidFill>
                 </a14:hiddenFill>
               </a:ext>
               <a:ext uri="{91240B29-F687-4f45-9708-019B960494DF}">
-                <a14:hiddenLine xmlns="" xmlns:a14="http://schemas.microsoft.com/office/drawing/2010/main" w="9525">
+                <a14:hiddenLine xmlns:a14="http://schemas.microsoft.com/office/drawing/2010/main" xmlns="" w="9525">
                   <a:solidFill>
                     <a:srgbClr val="000000"/>
                   </a:solidFill>
@@ -19260,14 +19260,14 @@
           </a:ln>
           <a:extLst>
             <a:ext uri="{909E8E84-426E-40dd-AFC4-6F175D3DCCD1}">
-              <a14:hiddenFill xmlns="" xmlns:a14="http://schemas.microsoft.com/office/drawing/2010/main">
+              <a14:hiddenFill xmlns:a14="http://schemas.microsoft.com/office/drawing/2010/main" xmlns="">
                 <a:solidFill>
                   <a:srgbClr val="FFFFFF"/>
                 </a:solidFill>
               </a14:hiddenFill>
             </a:ext>
             <a:ext uri="{91240B29-F687-4f45-9708-019B960494DF}">
-              <a14:hiddenLine xmlns="" xmlns:a14="http://schemas.microsoft.com/office/drawing/2010/main" w="9525">
+              <a14:hiddenLine xmlns:a14="http://schemas.microsoft.com/office/drawing/2010/main" xmlns="" w="9525">
                 <a:solidFill>
                   <a:srgbClr val="000000"/>
                 </a:solidFill>
@@ -19434,7 +19434,7 @@
           </a:ln>
           <a:extLst>
             <a:ext uri="{909E8E84-426E-40dd-AFC4-6F175D3DCCD1}">
-              <a14:hiddenFill xmlns="" xmlns:a14="http://schemas.microsoft.com/office/drawing/2010/main">
+              <a14:hiddenFill xmlns:a14="http://schemas.microsoft.com/office/drawing/2010/main" xmlns="">
                 <a:noFill/>
               </a14:hiddenFill>
             </a:ext>
@@ -19481,7 +19481,7 @@
           </a:ln>
           <a:extLst>
             <a:ext uri="{909E8E84-426E-40dd-AFC4-6F175D3DCCD1}">
-              <a14:hiddenFill xmlns="" xmlns:a14="http://schemas.microsoft.com/office/drawing/2010/main">
+              <a14:hiddenFill xmlns:a14="http://schemas.microsoft.com/office/drawing/2010/main" xmlns="">
                 <a:noFill/>
               </a14:hiddenFill>
             </a:ext>
@@ -19523,14 +19523,14 @@
           </a:ln>
           <a:extLst>
             <a:ext uri="{909E8E84-426E-40dd-AFC4-6F175D3DCCD1}">
-              <a14:hiddenFill xmlns="" xmlns:a14="http://schemas.microsoft.com/office/drawing/2010/main">
+              <a14:hiddenFill xmlns:a14="http://schemas.microsoft.com/office/drawing/2010/main" xmlns="">
                 <a:solidFill>
                   <a:srgbClr val="FFFFFF"/>
                 </a:solidFill>
               </a14:hiddenFill>
             </a:ext>
             <a:ext uri="{91240B29-F687-4f45-9708-019B960494DF}">
-              <a14:hiddenLine xmlns="" xmlns:a14="http://schemas.microsoft.com/office/drawing/2010/main" w="9525">
+              <a14:hiddenLine xmlns:a14="http://schemas.microsoft.com/office/drawing/2010/main" xmlns="" w="9525">
                 <a:solidFill>
                   <a:srgbClr val="000000"/>
                 </a:solidFill>
@@ -19697,7 +19697,7 @@
           </a:ln>
           <a:extLst>
             <a:ext uri="{909E8E84-426E-40dd-AFC4-6F175D3DCCD1}">
-              <a14:hiddenFill xmlns="" xmlns:a14="http://schemas.microsoft.com/office/drawing/2010/main">
+              <a14:hiddenFill xmlns:a14="http://schemas.microsoft.com/office/drawing/2010/main" xmlns="">
                 <a:noFill/>
               </a14:hiddenFill>
             </a:ext>
@@ -19789,7 +19789,7 @@
           </a:ln>
           <a:extLst>
             <a:ext uri="{909E8E84-426E-40dd-AFC4-6F175D3DCCD1}">
-              <a14:hiddenFill xmlns="" xmlns:a14="http://schemas.microsoft.com/office/drawing/2010/main">
+              <a14:hiddenFill xmlns:a14="http://schemas.microsoft.com/office/drawing/2010/main" xmlns="">
                 <a:solidFill>
                   <a:srgbClr val="FFFFFF"/>
                 </a:solidFill>
@@ -19883,7 +19883,7 @@
           </a:ln>
           <a:extLst>
             <a:ext uri="{909E8E84-426E-40dd-AFC4-6F175D3DCCD1}">
-              <a14:hiddenFill xmlns="" xmlns:a14="http://schemas.microsoft.com/office/drawing/2010/main">
+              <a14:hiddenFill xmlns:a14="http://schemas.microsoft.com/office/drawing/2010/main" xmlns="">
                 <a:solidFill>
                   <a:srgbClr val="FFFFFF"/>
                 </a:solidFill>
@@ -19932,7 +19932,7 @@
           </a:ln>
           <a:extLst>
             <a:ext uri="{909E8E84-426E-40dd-AFC4-6F175D3DCCD1}">
-              <a14:hiddenFill xmlns="" xmlns:a14="http://schemas.microsoft.com/office/drawing/2010/main">
+              <a14:hiddenFill xmlns:a14="http://schemas.microsoft.com/office/drawing/2010/main" xmlns="">
                 <a:noFill/>
               </a14:hiddenFill>
             </a:ext>
@@ -19974,14 +19974,14 @@
           </a:ln>
           <a:extLst>
             <a:ext uri="{909E8E84-426E-40dd-AFC4-6F175D3DCCD1}">
-              <a14:hiddenFill xmlns="" xmlns:a14="http://schemas.microsoft.com/office/drawing/2010/main">
+              <a14:hiddenFill xmlns:a14="http://schemas.microsoft.com/office/drawing/2010/main" xmlns="">
                 <a:solidFill>
                   <a:srgbClr val="FFFFFF"/>
                 </a:solidFill>
               </a14:hiddenFill>
             </a:ext>
             <a:ext uri="{91240B29-F687-4f45-9708-019B960494DF}">
-              <a14:hiddenLine xmlns="" xmlns:a14="http://schemas.microsoft.com/office/drawing/2010/main" w="9525">
+              <a14:hiddenLine xmlns:a14="http://schemas.microsoft.com/office/drawing/2010/main" xmlns="" w="9525">
                 <a:solidFill>
                   <a:srgbClr val="000000"/>
                 </a:solidFill>
@@ -20148,7 +20148,7 @@
           </a:ln>
           <a:extLst>
             <a:ext uri="{909E8E84-426E-40dd-AFC4-6F175D3DCCD1}">
-              <a14:hiddenFill xmlns="" xmlns:a14="http://schemas.microsoft.com/office/drawing/2010/main">
+              <a14:hiddenFill xmlns:a14="http://schemas.microsoft.com/office/drawing/2010/main" xmlns="">
                 <a:noFill/>
               </a14:hiddenFill>
             </a:ext>
@@ -20190,14 +20190,14 @@
           </a:ln>
           <a:extLst>
             <a:ext uri="{909E8E84-426E-40dd-AFC4-6F175D3DCCD1}">
-              <a14:hiddenFill xmlns="" xmlns:a14="http://schemas.microsoft.com/office/drawing/2010/main">
+              <a14:hiddenFill xmlns:a14="http://schemas.microsoft.com/office/drawing/2010/main" xmlns="">
                 <a:solidFill>
                   <a:srgbClr val="FFFFFF"/>
                 </a:solidFill>
               </a14:hiddenFill>
             </a:ext>
             <a:ext uri="{91240B29-F687-4f45-9708-019B960494DF}">
-              <a14:hiddenLine xmlns="" xmlns:a14="http://schemas.microsoft.com/office/drawing/2010/main" w="9525">
+              <a14:hiddenLine xmlns:a14="http://schemas.microsoft.com/office/drawing/2010/main" xmlns="" w="9525">
                 <a:solidFill>
                   <a:srgbClr val="000000"/>
                 </a:solidFill>
@@ -20359,14 +20359,14 @@
           </a:ln>
           <a:extLst>
             <a:ext uri="{909E8E84-426E-40dd-AFC4-6F175D3DCCD1}">
-              <a14:hiddenFill xmlns="" xmlns:a14="http://schemas.microsoft.com/office/drawing/2010/main">
+              <a14:hiddenFill xmlns:a14="http://schemas.microsoft.com/office/drawing/2010/main" xmlns="">
                 <a:solidFill>
                   <a:srgbClr val="FFFFFF"/>
                 </a:solidFill>
               </a14:hiddenFill>
             </a:ext>
             <a:ext uri="{91240B29-F687-4f45-9708-019B960494DF}">
-              <a14:hiddenLine xmlns="" xmlns:a14="http://schemas.microsoft.com/office/drawing/2010/main" w="9525">
+              <a14:hiddenLine xmlns:a14="http://schemas.microsoft.com/office/drawing/2010/main" xmlns="" w="9525">
                 <a:solidFill>
                   <a:srgbClr val="000000"/>
                 </a:solidFill>
@@ -20531,14 +20531,14 @@
           </a:ln>
           <a:extLst>
             <a:ext uri="{909E8E84-426E-40dd-AFC4-6F175D3DCCD1}">
-              <a14:hiddenFill xmlns="" xmlns:a14="http://schemas.microsoft.com/office/drawing/2010/main">
+              <a14:hiddenFill xmlns:a14="http://schemas.microsoft.com/office/drawing/2010/main" xmlns="">
                 <a:solidFill>
                   <a:srgbClr val="FFFFFF"/>
                 </a:solidFill>
               </a14:hiddenFill>
             </a:ext>
             <a:ext uri="{91240B29-F687-4f45-9708-019B960494DF}">
-              <a14:hiddenLine xmlns="" xmlns:a14="http://schemas.microsoft.com/office/drawing/2010/main" w="9525">
+              <a14:hiddenLine xmlns:a14="http://schemas.microsoft.com/office/drawing/2010/main" xmlns="" w="9525">
                 <a:solidFill>
                   <a:srgbClr val="000000"/>
                 </a:solidFill>
@@ -20703,14 +20703,14 @@
           </a:ln>
           <a:extLst>
             <a:ext uri="{909E8E84-426E-40dd-AFC4-6F175D3DCCD1}">
-              <a14:hiddenFill xmlns="" xmlns:a14="http://schemas.microsoft.com/office/drawing/2010/main">
+              <a14:hiddenFill xmlns:a14="http://schemas.microsoft.com/office/drawing/2010/main" xmlns="">
                 <a:solidFill>
                   <a:srgbClr val="FFFFFF"/>
                 </a:solidFill>
               </a14:hiddenFill>
             </a:ext>
             <a:ext uri="{91240B29-F687-4f45-9708-019B960494DF}">
-              <a14:hiddenLine xmlns="" xmlns:a14="http://schemas.microsoft.com/office/drawing/2010/main" w="9525">
+              <a14:hiddenLine xmlns:a14="http://schemas.microsoft.com/office/drawing/2010/main" xmlns="" w="9525">
                 <a:solidFill>
                   <a:srgbClr val="000000"/>
                 </a:solidFill>
@@ -21662,14 +21662,14 @@
           </a:ln>
           <a:extLst>
             <a:ext uri="{909E8E84-426E-40dd-AFC4-6F175D3DCCD1}">
-              <a14:hiddenFill xmlns="" xmlns:a14="http://schemas.microsoft.com/office/drawing/2010/main">
+              <a14:hiddenFill xmlns:a14="http://schemas.microsoft.com/office/drawing/2010/main" xmlns="">
                 <a:solidFill>
                   <a:srgbClr val="FFFFFF"/>
                 </a:solidFill>
               </a14:hiddenFill>
             </a:ext>
             <a:ext uri="{91240B29-F687-4f45-9708-019B960494DF}">
-              <a14:hiddenLine xmlns="" xmlns:a14="http://schemas.microsoft.com/office/drawing/2010/main" w="9525">
+              <a14:hiddenLine xmlns:a14="http://schemas.microsoft.com/office/drawing/2010/main" xmlns="" w="9525">
                 <a:solidFill>
                   <a:srgbClr val="000000"/>
                 </a:solidFill>
@@ -21724,14 +21724,14 @@
           </a:ln>
           <a:extLst>
             <a:ext uri="{909E8E84-426E-40dd-AFC4-6F175D3DCCD1}">
-              <a14:hiddenFill xmlns="" xmlns:a14="http://schemas.microsoft.com/office/drawing/2010/main">
+              <a14:hiddenFill xmlns:a14="http://schemas.microsoft.com/office/drawing/2010/main" xmlns="">
                 <a:solidFill>
                   <a:srgbClr val="FFFFFF"/>
                 </a:solidFill>
               </a14:hiddenFill>
             </a:ext>
             <a:ext uri="{91240B29-F687-4f45-9708-019B960494DF}">
-              <a14:hiddenLine xmlns="" xmlns:a14="http://schemas.microsoft.com/office/drawing/2010/main" w="9525">
+              <a14:hiddenLine xmlns:a14="http://schemas.microsoft.com/office/drawing/2010/main" xmlns="" w="9525">
                 <a:solidFill>
                   <a:srgbClr val="000000"/>
                 </a:solidFill>
@@ -21791,7 +21791,7 @@
           </a:ln>
           <a:extLst>
             <a:ext uri="{909E8E84-426E-40dd-AFC4-6F175D3DCCD1}">
-              <a14:hiddenFill xmlns="" xmlns:a14="http://schemas.microsoft.com/office/drawing/2010/main">
+              <a14:hiddenFill xmlns:a14="http://schemas.microsoft.com/office/drawing/2010/main" xmlns="">
                 <a:noFill/>
               </a14:hiddenFill>
             </a:ext>
@@ -21838,7 +21838,7 @@
           </a:ln>
           <a:extLst>
             <a:ext uri="{909E8E84-426E-40dd-AFC4-6F175D3DCCD1}">
-              <a14:hiddenFill xmlns="" xmlns:a14="http://schemas.microsoft.com/office/drawing/2010/main">
+              <a14:hiddenFill xmlns:a14="http://schemas.microsoft.com/office/drawing/2010/main" xmlns="">
                 <a:noFill/>
               </a14:hiddenFill>
             </a:ext>
@@ -21880,14 +21880,14 @@
           </a:ln>
           <a:extLst>
             <a:ext uri="{909E8E84-426E-40dd-AFC4-6F175D3DCCD1}">
-              <a14:hiddenFill xmlns="" xmlns:a14="http://schemas.microsoft.com/office/drawing/2010/main">
+              <a14:hiddenFill xmlns:a14="http://schemas.microsoft.com/office/drawing/2010/main" xmlns="">
                 <a:solidFill>
                   <a:srgbClr val="FFFFFF"/>
                 </a:solidFill>
               </a14:hiddenFill>
             </a:ext>
             <a:ext uri="{91240B29-F687-4f45-9708-019B960494DF}">
-              <a14:hiddenLine xmlns="" xmlns:a14="http://schemas.microsoft.com/office/drawing/2010/main" w="9525">
+              <a14:hiddenLine xmlns:a14="http://schemas.microsoft.com/office/drawing/2010/main" xmlns="" w="9525">
                 <a:solidFill>
                   <a:srgbClr val="000000"/>
                 </a:solidFill>
@@ -21942,14 +21942,14 @@
           </a:ln>
           <a:extLst>
             <a:ext uri="{909E8E84-426E-40dd-AFC4-6F175D3DCCD1}">
-              <a14:hiddenFill xmlns="" xmlns:a14="http://schemas.microsoft.com/office/drawing/2010/main">
+              <a14:hiddenFill xmlns:a14="http://schemas.microsoft.com/office/drawing/2010/main" xmlns="">
                 <a:solidFill>
                   <a:srgbClr val="FFFFFF"/>
                 </a:solidFill>
               </a14:hiddenFill>
             </a:ext>
             <a:ext uri="{91240B29-F687-4f45-9708-019B960494DF}">
-              <a14:hiddenLine xmlns="" xmlns:a14="http://schemas.microsoft.com/office/drawing/2010/main" w="9525">
+              <a14:hiddenLine xmlns:a14="http://schemas.microsoft.com/office/drawing/2010/main" xmlns="" w="9525">
                 <a:solidFill>
                   <a:srgbClr val="000000"/>
                 </a:solidFill>
@@ -22004,14 +22004,14 @@
           </a:ln>
           <a:extLst>
             <a:ext uri="{909E8E84-426E-40dd-AFC4-6F175D3DCCD1}">
-              <a14:hiddenFill xmlns="" xmlns:a14="http://schemas.microsoft.com/office/drawing/2010/main">
+              <a14:hiddenFill xmlns:a14="http://schemas.microsoft.com/office/drawing/2010/main" xmlns="">
                 <a:solidFill>
                   <a:srgbClr val="FFFFFF"/>
                 </a:solidFill>
               </a14:hiddenFill>
             </a:ext>
             <a:ext uri="{91240B29-F687-4f45-9708-019B960494DF}">
-              <a14:hiddenLine xmlns="" xmlns:a14="http://schemas.microsoft.com/office/drawing/2010/main" w="9525">
+              <a14:hiddenLine xmlns:a14="http://schemas.microsoft.com/office/drawing/2010/main" xmlns="" w="9525">
                 <a:solidFill>
                   <a:srgbClr val="000000"/>
                 </a:solidFill>
@@ -22177,14 +22177,14 @@
           </a:ln>
           <a:extLst>
             <a:ext uri="{909E8E84-426E-40dd-AFC4-6F175D3DCCD1}">
-              <a14:hiddenFill xmlns="" xmlns:a14="http://schemas.microsoft.com/office/drawing/2010/main">
+              <a14:hiddenFill xmlns:a14="http://schemas.microsoft.com/office/drawing/2010/main" xmlns="">
                 <a:solidFill>
                   <a:srgbClr val="FFFFFF"/>
                 </a:solidFill>
               </a14:hiddenFill>
             </a:ext>
             <a:ext uri="{91240B29-F687-4f45-9708-019B960494DF}">
-              <a14:hiddenLine xmlns="" xmlns:a14="http://schemas.microsoft.com/office/drawing/2010/main" w="9525">
+              <a14:hiddenLine xmlns:a14="http://schemas.microsoft.com/office/drawing/2010/main" xmlns="" w="9525">
                 <a:solidFill>
                   <a:srgbClr val="000000"/>
                 </a:solidFill>
@@ -22378,14 +22378,14 @@
           </a:ln>
           <a:extLst>
             <a:ext uri="{909E8E84-426E-40dd-AFC4-6F175D3DCCD1}">
-              <a14:hiddenFill xmlns="" xmlns:a14="http://schemas.microsoft.com/office/drawing/2010/main">
+              <a14:hiddenFill xmlns:a14="http://schemas.microsoft.com/office/drawing/2010/main" xmlns="">
                 <a:solidFill>
                   <a:srgbClr val="FFFFFF"/>
                 </a:solidFill>
               </a14:hiddenFill>
             </a:ext>
             <a:ext uri="{91240B29-F687-4f45-9708-019B960494DF}">
-              <a14:hiddenLine xmlns="" xmlns:a14="http://schemas.microsoft.com/office/drawing/2010/main" w="9525">
+              <a14:hiddenLine xmlns:a14="http://schemas.microsoft.com/office/drawing/2010/main" xmlns="" w="9525">
                 <a:solidFill>
                   <a:srgbClr val="000000"/>
                 </a:solidFill>
@@ -23091,14 +23091,14 @@
           </a:ln>
           <a:extLst>
             <a:ext uri="{909E8E84-426E-40dd-AFC4-6F175D3DCCD1}">
-              <a14:hiddenFill xmlns="" xmlns:a14="http://schemas.microsoft.com/office/drawing/2010/main">
+              <a14:hiddenFill xmlns:a14="http://schemas.microsoft.com/office/drawing/2010/main" xmlns="">
                 <a:solidFill>
                   <a:srgbClr val="FFFFFF"/>
                 </a:solidFill>
               </a14:hiddenFill>
             </a:ext>
             <a:ext uri="{91240B29-F687-4f45-9708-019B960494DF}">
-              <a14:hiddenLine xmlns="" xmlns:a14="http://schemas.microsoft.com/office/drawing/2010/main" w="9525">
+              <a14:hiddenLine xmlns:a14="http://schemas.microsoft.com/office/drawing/2010/main" xmlns="" w="9525">
                 <a:solidFill>
                   <a:srgbClr val="000000"/>
                 </a:solidFill>
@@ -25842,7 +25842,7 @@
           <a:lstStyle/>
           <a:p>
             <a:r>
-              <a:rPr lang="en-US" dirty="0"/>
+              <a:rPr lang="en-US"/>
               <a:t>Outline</a:t>
             </a:r>
             <a:endParaRPr lang="en-SE" dirty="0"/>
@@ -31831,10 +31831,10 @@
       </p:sp>
       <p:graphicFrame>
         <p:nvGraphicFramePr>
-          <p:cNvPr id="7" name="object 8">
+          <p:cNvPr id="2" name="object 8">
             <a:extLst>
               <a:ext uri="{FF2B5EF4-FFF2-40B4-BE49-F238E27FC236}">
-                <a16:creationId xmlns:a16="http://schemas.microsoft.com/office/drawing/2014/main" id="{71D47F29-8A82-D190-147A-B5B836CC12B7}"/>
+                <a16:creationId xmlns:a16="http://schemas.microsoft.com/office/drawing/2014/main" id="{9A2234BB-431C-DBCF-BB90-56800859A36C}"/>
               </a:ext>
             </a:extLst>
           </p:cNvPr>
@@ -31844,13 +31844,13 @@
           <p:nvPr>
             <p:extLst>
               <p:ext uri="{D42A27DB-BD31-4B8C-83A1-F6EECF244321}">
-                <p14:modId xmlns:p14="http://schemas.microsoft.com/office/powerpoint/2010/main" val="2918721173"/>
+                <p14:modId xmlns:p14="http://schemas.microsoft.com/office/powerpoint/2010/main" val="3558852227"/>
               </p:ext>
             </p:extLst>
           </p:nvPr>
         </p:nvGraphicFramePr>
         <p:xfrm>
-          <a:off x="2132012" y="2099880"/>
+          <a:off x="2156568" y="2097090"/>
           <a:ext cx="5722620" cy="734060"/>
         </p:xfrm>
         <a:graphic>
@@ -32187,12 +32187,18 @@
                       </a:pPr>
                       <a:r>
                         <a:rPr sz="2400" spc="-25" dirty="0">
+                          <a:solidFill>
+                            <a:srgbClr val="FF0000"/>
+                          </a:solidFill>
                           <a:latin typeface="Times New Roman"/>
                           <a:cs typeface="Times New Roman"/>
                         </a:rPr>
                         <a:t>100</a:t>
                       </a:r>
-                      <a:endParaRPr sz="2400">
+                      <a:endParaRPr sz="2400" dirty="0">
+                        <a:solidFill>
+                          <a:srgbClr val="FF0000"/>
+                        </a:solidFill>
                         <a:latin typeface="Times New Roman"/>
                         <a:cs typeface="Times New Roman"/>
                       </a:endParaRPr>
@@ -32237,12 +32243,18 @@
                       </a:pPr>
                       <a:r>
                         <a:rPr sz="2400" spc="-25" dirty="0">
+                          <a:solidFill>
+                            <a:srgbClr val="FF0000"/>
+                          </a:solidFill>
                           <a:latin typeface="Times New Roman"/>
                           <a:cs typeface="Times New Roman"/>
                         </a:rPr>
                         <a:t>101</a:t>
                       </a:r>
                       <a:endParaRPr sz="2400">
+                        <a:solidFill>
+                          <a:srgbClr val="FF0000"/>
+                        </a:solidFill>
                         <a:latin typeface="Times New Roman"/>
                         <a:cs typeface="Times New Roman"/>
                       </a:endParaRPr>
@@ -32447,7 +32459,14 @@
                           <a:latin typeface="Times New Roman"/>
                           <a:cs typeface="Times New Roman"/>
                         </a:rPr>
-                        <a:t>110</a:t>
+                        <a:t>11</a:t>
+                      </a:r>
+                      <a:r>
+                        <a:rPr lang="en-GB" sz="2400" spc="-25" dirty="0">
+                          <a:latin typeface="Times New Roman"/>
+                          <a:cs typeface="Times New Roman"/>
+                        </a:rPr>
+                        <a:t>1</a:t>
                       </a:r>
                       <a:endParaRPr sz="2400" dirty="0">
                         <a:latin typeface="Times New Roman"/>
@@ -32497,9 +32516,23 @@
                           <a:latin typeface="Times New Roman"/>
                           <a:cs typeface="Times New Roman"/>
                         </a:rPr>
-                        <a:t>111</a:t>
+                        <a:t>1</a:t>
                       </a:r>
-                      <a:endParaRPr sz="2400">
+                      <a:r>
+                        <a:rPr lang="en-SE" sz="2400" spc="-25" dirty="0">
+                          <a:latin typeface="Times New Roman"/>
+                          <a:cs typeface="Times New Roman"/>
+                        </a:rPr>
+                        <a:t>1</a:t>
+                      </a:r>
+                      <a:r>
+                        <a:rPr lang="en-GB" sz="2400" spc="-25" dirty="0">
+                          <a:latin typeface="Times New Roman"/>
+                          <a:cs typeface="Times New Roman"/>
+                        </a:rPr>
+                        <a:t>0</a:t>
+                      </a:r>
+                      <a:endParaRPr sz="2400" dirty="0">
                         <a:latin typeface="Times New Roman"/>
                         <a:cs typeface="Times New Roman"/>
                       </a:endParaRPr>
@@ -32597,9 +32630,16 @@
                           <a:latin typeface="Times New Roman"/>
                           <a:cs typeface="Times New Roman"/>
                         </a:rPr>
-                        <a:t>100</a:t>
+                        <a:t>1</a:t>
                       </a:r>
-                      <a:endParaRPr sz="2400">
+                      <a:r>
+                        <a:rPr lang="en-SE" sz="2400" spc="-25" dirty="0">
+                          <a:latin typeface="Times New Roman"/>
+                          <a:cs typeface="Times New Roman"/>
+                        </a:rPr>
+                        <a:t>00</a:t>
+                      </a:r>
+                      <a:endParaRPr sz="2400" dirty="0">
                         <a:latin typeface="Times New Roman"/>
                         <a:cs typeface="Times New Roman"/>
                       </a:endParaRPr>
@@ -32644,12 +32684,18 @@
                       </a:pPr>
                       <a:r>
                         <a:rPr sz="2400" spc="-25" dirty="0">
+                          <a:solidFill>
+                            <a:srgbClr val="FF0000"/>
+                          </a:solidFill>
                           <a:latin typeface="Times New Roman"/>
                           <a:cs typeface="Times New Roman"/>
                         </a:rPr>
                         <a:t>011</a:t>
                       </a:r>
-                      <a:endParaRPr sz="2400">
+                      <a:endParaRPr sz="2400" dirty="0">
+                        <a:solidFill>
+                          <a:srgbClr val="FF0000"/>
+                        </a:solidFill>
                         <a:latin typeface="Times New Roman"/>
                         <a:cs typeface="Times New Roman"/>
                       </a:endParaRPr>
@@ -32694,12 +32740,18 @@
                       </a:pPr>
                       <a:r>
                         <a:rPr sz="2400" spc="-25" dirty="0">
+                          <a:solidFill>
+                            <a:srgbClr val="FF0000"/>
+                          </a:solidFill>
                           <a:latin typeface="Times New Roman"/>
                           <a:cs typeface="Times New Roman"/>
                         </a:rPr>
                         <a:t>010</a:t>
                       </a:r>
-                      <a:endParaRPr sz="2400">
+                      <a:endParaRPr sz="2400" dirty="0">
+                        <a:solidFill>
+                          <a:srgbClr val="FF0000"/>
+                        </a:solidFill>
                         <a:latin typeface="Times New Roman"/>
                         <a:cs typeface="Times New Roman"/>
                       </a:endParaRPr>
